--- a/jobbox.pptx
+++ b/jobbox.pptx
@@ -5,7 +5,7 @@
     <p:sldMasterId id="2147483648" r:id="rId1"/>
   </p:sldMasterIdLst>
   <p:notesMasterIdLst>
-    <p:notesMasterId r:id="rId18"/>
+    <p:notesMasterId r:id="rId21"/>
   </p:notesMasterIdLst>
   <p:sldIdLst>
     <p:sldId id="256" r:id="rId2"/>
@@ -13,17 +13,20 @@
     <p:sldId id="259" r:id="rId4"/>
     <p:sldId id="260" r:id="rId5"/>
     <p:sldId id="261" r:id="rId6"/>
-    <p:sldId id="262" r:id="rId7"/>
-    <p:sldId id="263" r:id="rId8"/>
-    <p:sldId id="264" r:id="rId9"/>
-    <p:sldId id="271" r:id="rId10"/>
-    <p:sldId id="269" r:id="rId11"/>
-    <p:sldId id="270" r:id="rId12"/>
-    <p:sldId id="257" r:id="rId13"/>
-    <p:sldId id="265" r:id="rId14"/>
-    <p:sldId id="266" r:id="rId15"/>
-    <p:sldId id="267" r:id="rId16"/>
-    <p:sldId id="268" r:id="rId17"/>
+    <p:sldId id="274" r:id="rId7"/>
+    <p:sldId id="262" r:id="rId8"/>
+    <p:sldId id="263" r:id="rId9"/>
+    <p:sldId id="264" r:id="rId10"/>
+    <p:sldId id="271" r:id="rId11"/>
+    <p:sldId id="269" r:id="rId12"/>
+    <p:sldId id="270" r:id="rId13"/>
+    <p:sldId id="272" r:id="rId14"/>
+    <p:sldId id="273" r:id="rId15"/>
+    <p:sldId id="257" r:id="rId16"/>
+    <p:sldId id="265" r:id="rId17"/>
+    <p:sldId id="266" r:id="rId18"/>
+    <p:sldId id="267" r:id="rId19"/>
+    <p:sldId id="268" r:id="rId20"/>
   </p:sldIdLst>
   <p:sldSz cx="12192000" cy="6858000"/>
   <p:notesSz cx="6858000" cy="9144000"/>
@@ -122,6 +125,11 @@
       </a:defRPr>
     </a:lvl9pPr>
   </p:defaultTextStyle>
+  <p:extLst>
+    <p:ext uri="{EFAFB233-063F-42B5-8137-9DF3F51BA10A}">
+      <p15:sldGuideLst xmlns:p15="http://schemas.microsoft.com/office/powerpoint/2012/main"/>
+    </p:ext>
+  </p:extLst>
 </p:presentation>
 </file>
 
@@ -233,7 +241,7 @@
           <a:p>
             <a:fld id="{F70C14D9-2B1A-438C-AFD8-DB444CA62868}" type="datetimeFigureOut">
               <a:rPr lang="en-US" smtClean="0"/>
-              <a:t>8/12/2019</a:t>
+              <a:t>8/17/2019</a:t>
             </a:fld>
             <a:endParaRPr lang="en-US"/>
           </a:p>
@@ -584,6 +592,90 @@
 </p:notes>
 </file>
 
+<file path=ppt/notesSlides/notesSlide2.xml><?xml version="1.0" encoding="utf-8"?>
+<p:notes xmlns:a="http://schemas.openxmlformats.org/drawingml/2006/main" xmlns:r="http://schemas.openxmlformats.org/officeDocument/2006/relationships" xmlns:p="http://schemas.openxmlformats.org/presentationml/2006/main">
+  <p:cSld>
+    <p:spTree>
+      <p:nvGrpSpPr>
+        <p:cNvPr id="1" name=""/>
+        <p:cNvGrpSpPr/>
+        <p:nvPr/>
+      </p:nvGrpSpPr>
+      <p:grpSpPr>
+        <a:xfrm>
+          <a:off x="0" y="0"/>
+          <a:ext cx="0" cy="0"/>
+          <a:chOff x="0" y="0"/>
+          <a:chExt cx="0" cy="0"/>
+        </a:xfrm>
+      </p:grpSpPr>
+      <p:sp>
+        <p:nvSpPr>
+          <p:cNvPr id="2" name="Slide Image Placeholder 1"/>
+          <p:cNvSpPr>
+            <a:spLocks noGrp="1" noRot="1" noChangeAspect="1"/>
+          </p:cNvSpPr>
+          <p:nvPr>
+            <p:ph type="sldImg"/>
+          </p:nvPr>
+        </p:nvSpPr>
+        <p:spPr/>
+      </p:sp>
+      <p:sp>
+        <p:nvSpPr>
+          <p:cNvPr id="3" name="Notes Placeholder 2"/>
+          <p:cNvSpPr>
+            <a:spLocks noGrp="1"/>
+          </p:cNvSpPr>
+          <p:nvPr>
+            <p:ph type="body" idx="1"/>
+          </p:nvPr>
+        </p:nvSpPr>
+        <p:spPr/>
+        <p:txBody>
+          <a:bodyPr/>
+          <a:lstStyle/>
+          <a:p>
+            <a:endParaRPr lang="en-US" dirty="0"/>
+          </a:p>
+        </p:txBody>
+      </p:sp>
+      <p:sp>
+        <p:nvSpPr>
+          <p:cNvPr id="4" name="Slide Number Placeholder 3"/>
+          <p:cNvSpPr>
+            <a:spLocks noGrp="1"/>
+          </p:cNvSpPr>
+          <p:nvPr>
+            <p:ph type="sldNum" sz="quarter" idx="5"/>
+          </p:nvPr>
+        </p:nvSpPr>
+        <p:spPr/>
+        <p:txBody>
+          <a:bodyPr/>
+          <a:lstStyle/>
+          <a:p>
+            <a:fld id="{5F45DFA1-7377-4AA9-88CA-BB2B80C55FE7}" type="slidenum">
+              <a:rPr lang="en-US" smtClean="0"/>
+              <a:t>4</a:t>
+            </a:fld>
+            <a:endParaRPr lang="en-US"/>
+          </a:p>
+        </p:txBody>
+      </p:sp>
+    </p:spTree>
+    <p:extLst>
+      <p:ext uri="{BB962C8B-B14F-4D97-AF65-F5344CB8AC3E}">
+        <p14:creationId xmlns:p14="http://schemas.microsoft.com/office/powerpoint/2010/main" val="2291456663"/>
+      </p:ext>
+    </p:extLst>
+  </p:cSld>
+  <p:clrMapOvr>
+    <a:masterClrMapping/>
+  </p:clrMapOvr>
+</p:notes>
+</file>
+
 <file path=ppt/slideLayouts/slideLayout1.xml><?xml version="1.0" encoding="utf-8"?>
 <p:sldLayout xmlns:a="http://schemas.openxmlformats.org/drawingml/2006/main" xmlns:r="http://schemas.openxmlformats.org/officeDocument/2006/relationships" xmlns:p="http://schemas.openxmlformats.org/presentationml/2006/main" type="title" preserve="1">
   <p:cSld name="Title Slide">
@@ -731,7 +823,7 @@
           <a:p>
             <a:fld id="{BCA18799-498F-41D3-8FC0-38E29BE66B2F}" type="datetimeFigureOut">
               <a:rPr lang="en-US" smtClean="0"/>
-              <a:t>8/12/2019</a:t>
+              <a:t>8/17/2019</a:t>
             </a:fld>
             <a:endParaRPr lang="en-US"/>
           </a:p>
@@ -929,7 +1021,7 @@
           <a:p>
             <a:fld id="{BCA18799-498F-41D3-8FC0-38E29BE66B2F}" type="datetimeFigureOut">
               <a:rPr lang="en-US" smtClean="0"/>
-              <a:t>8/12/2019</a:t>
+              <a:t>8/17/2019</a:t>
             </a:fld>
             <a:endParaRPr lang="en-US"/>
           </a:p>
@@ -1137,7 +1229,7 @@
           <a:p>
             <a:fld id="{BCA18799-498F-41D3-8FC0-38E29BE66B2F}" type="datetimeFigureOut">
               <a:rPr lang="en-US" smtClean="0"/>
-              <a:t>8/12/2019</a:t>
+              <a:t>8/17/2019</a:t>
             </a:fld>
             <a:endParaRPr lang="en-US"/>
           </a:p>
@@ -1335,7 +1427,7 @@
           <a:p>
             <a:fld id="{BCA18799-498F-41D3-8FC0-38E29BE66B2F}" type="datetimeFigureOut">
               <a:rPr lang="en-US" smtClean="0"/>
-              <a:t>8/12/2019</a:t>
+              <a:t>8/17/2019</a:t>
             </a:fld>
             <a:endParaRPr lang="en-US"/>
           </a:p>
@@ -1610,7 +1702,7 @@
           <a:p>
             <a:fld id="{BCA18799-498F-41D3-8FC0-38E29BE66B2F}" type="datetimeFigureOut">
               <a:rPr lang="en-US" smtClean="0"/>
-              <a:t>8/12/2019</a:t>
+              <a:t>8/17/2019</a:t>
             </a:fld>
             <a:endParaRPr lang="en-US"/>
           </a:p>
@@ -1875,7 +1967,7 @@
           <a:p>
             <a:fld id="{BCA18799-498F-41D3-8FC0-38E29BE66B2F}" type="datetimeFigureOut">
               <a:rPr lang="en-US" smtClean="0"/>
-              <a:t>8/12/2019</a:t>
+              <a:t>8/17/2019</a:t>
             </a:fld>
             <a:endParaRPr lang="en-US"/>
           </a:p>
@@ -2287,7 +2379,7 @@
           <a:p>
             <a:fld id="{BCA18799-498F-41D3-8FC0-38E29BE66B2F}" type="datetimeFigureOut">
               <a:rPr lang="en-US" smtClean="0"/>
-              <a:t>8/12/2019</a:t>
+              <a:t>8/17/2019</a:t>
             </a:fld>
             <a:endParaRPr lang="en-US"/>
           </a:p>
@@ -2428,7 +2520,7 @@
           <a:p>
             <a:fld id="{BCA18799-498F-41D3-8FC0-38E29BE66B2F}" type="datetimeFigureOut">
               <a:rPr lang="en-US" smtClean="0"/>
-              <a:t>8/12/2019</a:t>
+              <a:t>8/17/2019</a:t>
             </a:fld>
             <a:endParaRPr lang="en-US"/>
           </a:p>
@@ -2541,7 +2633,7 @@
           <a:p>
             <a:fld id="{BCA18799-498F-41D3-8FC0-38E29BE66B2F}" type="datetimeFigureOut">
               <a:rPr lang="en-US" smtClean="0"/>
-              <a:t>8/12/2019</a:t>
+              <a:t>8/17/2019</a:t>
             </a:fld>
             <a:endParaRPr lang="en-US"/>
           </a:p>
@@ -2852,7 +2944,7 @@
           <a:p>
             <a:fld id="{BCA18799-498F-41D3-8FC0-38E29BE66B2F}" type="datetimeFigureOut">
               <a:rPr lang="en-US" smtClean="0"/>
-              <a:t>8/12/2019</a:t>
+              <a:t>8/17/2019</a:t>
             </a:fld>
             <a:endParaRPr lang="en-US"/>
           </a:p>
@@ -3140,7 +3232,7 @@
           <a:p>
             <a:fld id="{BCA18799-498F-41D3-8FC0-38E29BE66B2F}" type="datetimeFigureOut">
               <a:rPr lang="en-US" smtClean="0"/>
-              <a:t>8/12/2019</a:t>
+              <a:t>8/17/2019</a:t>
             </a:fld>
             <a:endParaRPr lang="en-US"/>
           </a:p>
@@ -3381,7 +3473,7 @@
           <a:p>
             <a:fld id="{BCA18799-498F-41D3-8FC0-38E29BE66B2F}" type="datetimeFigureOut">
               <a:rPr lang="en-US" smtClean="0"/>
-              <a:t>8/12/2019</a:t>
+              <a:t>8/17/2019</a:t>
             </a:fld>
             <a:endParaRPr lang="en-US"/>
           </a:p>
@@ -4350,7 +4442,7 @@
         </p:blipFill>
         <p:spPr bwMode="auto">
           <a:xfrm>
-            <a:off x="419382" y="2093984"/>
+            <a:off x="419382" y="2108052"/>
             <a:ext cx="4047843" cy="1301860"/>
           </a:xfrm>
           <a:prstGeom prst="rect">
@@ -4403,7 +4495,7 @@
           <p:cNvPr id="2" name="Title 1">
             <a:extLst>
               <a:ext uri="{FF2B5EF4-FFF2-40B4-BE49-F238E27FC236}">
-                <a16:creationId xmlns:a16="http://schemas.microsoft.com/office/drawing/2014/main" id="{0BDCDA68-EBC4-43A5-AD53-589503CF812E}"/>
+                <a16:creationId xmlns:a16="http://schemas.microsoft.com/office/drawing/2014/main" id="{384F5B33-5317-414E-AF5C-9DEBA0372BEA}"/>
               </a:ext>
             </a:extLst>
           </p:cNvPr>
@@ -4433,7 +4525,7 @@
             </a:r>
             <a:r>
               <a:rPr lang="en-US" dirty="0"/>
-              <a:t>/contacts/1"</a:t>
+              <a:t>/contacts"</a:t>
             </a:r>
           </a:p>
         </p:txBody>
@@ -4443,7 +4535,7 @@
           <p:cNvPr id="4" name="Content Placeholder 3">
             <a:extLst>
               <a:ext uri="{FF2B5EF4-FFF2-40B4-BE49-F238E27FC236}">
-                <a16:creationId xmlns:a16="http://schemas.microsoft.com/office/drawing/2014/main" id="{DD52497A-02EC-45D4-A221-9CD91C0A5622}"/>
+                <a16:creationId xmlns:a16="http://schemas.microsoft.com/office/drawing/2014/main" id="{C58C032A-3163-4E76-B520-440B2D1A0352}"/>
               </a:ext>
             </a:extLst>
           </p:cNvPr>
@@ -4462,38 +4554,8 @@
         </p:blipFill>
         <p:spPr>
           <a:xfrm>
-            <a:off x="683270" y="1803322"/>
-            <a:ext cx="3867098" cy="4351338"/>
-          </a:xfrm>
-          <a:prstGeom prst="rect">
-            <a:avLst/>
-          </a:prstGeom>
-        </p:spPr>
-      </p:pic>
-      <p:pic>
-        <p:nvPicPr>
-          <p:cNvPr id="5" name="Picture 4">
-            <a:extLst>
-              <a:ext uri="{FF2B5EF4-FFF2-40B4-BE49-F238E27FC236}">
-                <a16:creationId xmlns:a16="http://schemas.microsoft.com/office/drawing/2014/main" id="{94635CBD-0E3B-4132-AAF5-C702F3CCF83A}"/>
-              </a:ext>
-            </a:extLst>
-          </p:cNvPr>
-          <p:cNvPicPr>
-            <a:picLocks noChangeAspect="1"/>
-          </p:cNvPicPr>
-          <p:nvPr/>
-        </p:nvPicPr>
-        <p:blipFill>
-          <a:blip r:embed="rId3"/>
-          <a:stretch>
-            <a:fillRect/>
-          </a:stretch>
-        </p:blipFill>
-        <p:spPr>
-          <a:xfrm>
-            <a:off x="4974261" y="1803322"/>
-            <a:ext cx="5972425" cy="4351338"/>
+            <a:off x="1017447" y="1602601"/>
+            <a:ext cx="4358471" cy="4351338"/>
           </a:xfrm>
           <a:prstGeom prst="rect">
             <a:avLst/>
@@ -4503,7 +4565,7 @@
     </p:spTree>
     <p:extLst>
       <p:ext uri="{BB962C8B-B14F-4D97-AF65-F5344CB8AC3E}">
-        <p14:creationId xmlns:p14="http://schemas.microsoft.com/office/powerpoint/2010/main" val="3456553546"/>
+        <p14:creationId xmlns:p14="http://schemas.microsoft.com/office/powerpoint/2010/main" val="794329003"/>
       </p:ext>
     </p:extLst>
   </p:cSld>
@@ -4535,7 +4597,7 @@
           <p:cNvPr id="2" name="Title 1">
             <a:extLst>
               <a:ext uri="{FF2B5EF4-FFF2-40B4-BE49-F238E27FC236}">
-                <a16:creationId xmlns:a16="http://schemas.microsoft.com/office/drawing/2014/main" id="{7510E7FF-2A84-4A18-9357-96D26475E862}"/>
+                <a16:creationId xmlns:a16="http://schemas.microsoft.com/office/drawing/2014/main" id="{0BDCDA68-EBC4-43A5-AD53-589503CF812E}"/>
               </a:ext>
             </a:extLst>
           </p:cNvPr>
@@ -4553,7 +4615,7 @@
           <a:p>
             <a:r>
               <a:rPr lang="fi-FI" dirty="0"/>
-              <a:t>Step 3: post </a:t>
+              <a:t>Step 3: get </a:t>
             </a:r>
             <a:r>
               <a:rPr lang="en-US" dirty="0"/>
@@ -4565,7 +4627,7 @@
             </a:r>
             <a:r>
               <a:rPr lang="en-US" dirty="0"/>
-              <a:t>/contacts"</a:t>
+              <a:t>/contacts/1"</a:t>
             </a:r>
           </a:p>
         </p:txBody>
@@ -4575,7 +4637,7 @@
           <p:cNvPr id="4" name="Content Placeholder 3">
             <a:extLst>
               <a:ext uri="{FF2B5EF4-FFF2-40B4-BE49-F238E27FC236}">
-                <a16:creationId xmlns:a16="http://schemas.microsoft.com/office/drawing/2014/main" id="{FB139382-E284-43D3-8B85-1B7482D7E256}"/>
+                <a16:creationId xmlns:a16="http://schemas.microsoft.com/office/drawing/2014/main" id="{DD52497A-02EC-45D4-A221-9CD91C0A5622}"/>
               </a:ext>
             </a:extLst>
           </p:cNvPr>
@@ -4594,8 +4656,8 @@
         </p:blipFill>
         <p:spPr>
           <a:xfrm>
-            <a:off x="838200" y="1803323"/>
-            <a:ext cx="4991440" cy="4351338"/>
+            <a:off x="683270" y="1803322"/>
+            <a:ext cx="3867098" cy="4351338"/>
           </a:xfrm>
           <a:prstGeom prst="rect">
             <a:avLst/>
@@ -4607,7 +4669,7 @@
           <p:cNvPr id="5" name="Picture 4">
             <a:extLst>
               <a:ext uri="{FF2B5EF4-FFF2-40B4-BE49-F238E27FC236}">
-                <a16:creationId xmlns:a16="http://schemas.microsoft.com/office/drawing/2014/main" id="{ABB2591C-0515-4ED5-B91D-A2FCAFB2F72F}"/>
+                <a16:creationId xmlns:a16="http://schemas.microsoft.com/office/drawing/2014/main" id="{94635CBD-0E3B-4132-AAF5-C702F3CCF83A}"/>
               </a:ext>
             </a:extLst>
           </p:cNvPr>
@@ -4624,8 +4686,8 @@
         </p:blipFill>
         <p:spPr>
           <a:xfrm>
-            <a:off x="6668026" y="1803323"/>
-            <a:ext cx="4338228" cy="4673585"/>
+            <a:off x="4974261" y="1803322"/>
+            <a:ext cx="5972425" cy="4351338"/>
           </a:xfrm>
           <a:prstGeom prst="rect">
             <a:avLst/>
@@ -4635,7 +4697,7 @@
     </p:spTree>
     <p:extLst>
       <p:ext uri="{BB962C8B-B14F-4D97-AF65-F5344CB8AC3E}">
-        <p14:creationId xmlns:p14="http://schemas.microsoft.com/office/powerpoint/2010/main" val="3529264065"/>
+        <p14:creationId xmlns:p14="http://schemas.microsoft.com/office/powerpoint/2010/main" val="3456553546"/>
       </p:ext>
     </p:extLst>
   </p:cSld>
@@ -4648,14 +4710,6 @@
 <file path=ppt/slides/slide12.xml><?xml version="1.0" encoding="utf-8"?>
 <p:sld xmlns:a="http://schemas.openxmlformats.org/drawingml/2006/main" xmlns:r="http://schemas.openxmlformats.org/officeDocument/2006/relationships" xmlns:p="http://schemas.openxmlformats.org/presentationml/2006/main">
   <p:cSld>
-    <p:bg>
-      <p:bgPr>
-        <a:solidFill>
-          <a:schemeClr val="bg1"/>
-        </a:solidFill>
-        <a:effectLst/>
-      </p:bgPr>
-    </p:bg>
     <p:spTree>
       <p:nvGrpSpPr>
         <p:cNvPr id="1" name=""/>
@@ -4675,7 +4729,7 @@
           <p:cNvPr id="2" name="Title 1">
             <a:extLst>
               <a:ext uri="{FF2B5EF4-FFF2-40B4-BE49-F238E27FC236}">
-                <a16:creationId xmlns:a16="http://schemas.microsoft.com/office/drawing/2014/main" id="{CC325714-2A43-4D6C-98E0-295562B3CBD6}"/>
+                <a16:creationId xmlns:a16="http://schemas.microsoft.com/office/drawing/2014/main" id="{7510E7FF-2A84-4A18-9357-96D26475E862}"/>
               </a:ext>
             </a:extLst>
           </p:cNvPr>
@@ -4683,172 +4737,48 @@
             <a:spLocks noGrp="1"/>
           </p:cNvSpPr>
           <p:nvPr>
-            <p:ph type="title" idx="4294967295"/>
+            <p:ph type="title"/>
           </p:nvPr>
         </p:nvSpPr>
-        <p:spPr>
-          <a:xfrm>
-            <a:off x="838200" y="365125"/>
-            <a:ext cx="10515600" cy="1325563"/>
-          </a:xfrm>
-        </p:spPr>
-        <p:txBody>
-          <a:bodyPr vert="horz" lIns="91440" tIns="45720" rIns="91440" bIns="45720" rtlCol="0" anchor="ctr">
-            <a:normAutofit/>
-          </a:bodyPr>
-          <a:lstStyle/>
-          <a:p>
-            <a:r>
-              <a:rPr lang="en-US" kern="1200" dirty="0">
-                <a:solidFill>
-                  <a:schemeClr val="tx1"/>
-                </a:solidFill>
-                <a:latin typeface="+mj-lt"/>
-                <a:ea typeface="+mj-ea"/>
-                <a:cs typeface="+mj-cs"/>
-              </a:rPr>
-              <a:t>Step 4: UI</a:t>
-            </a:r>
-          </a:p>
-        </p:txBody>
-      </p:sp>
-      <p:sp>
-        <p:nvSpPr>
-          <p:cNvPr id="4" name="Rectangle 3">
-            <a:extLst>
-              <a:ext uri="{FF2B5EF4-FFF2-40B4-BE49-F238E27FC236}">
-                <a16:creationId xmlns:a16="http://schemas.microsoft.com/office/drawing/2014/main" id="{C71C8FBD-726E-45A0-A65F-90D968F9DD28}"/>
-              </a:ext>
-            </a:extLst>
-          </p:cNvPr>
-          <p:cNvSpPr/>
-          <p:nvPr/>
-        </p:nvSpPr>
-        <p:spPr>
-          <a:xfrm>
-            <a:off x="838200" y="1825625"/>
-            <a:ext cx="3044687" cy="4351338"/>
-          </a:xfrm>
-          <a:prstGeom prst="rect">
-            <a:avLst/>
-          </a:prstGeom>
-        </p:spPr>
+        <p:spPr/>
         <p:txBody>
           <a:bodyPr/>
           <a:lstStyle/>
           <a:p>
-            <a:pPr lvl="0">
-              <a:buChar char="•"/>
-            </a:pPr>
-            <a:r>
-              <a:rPr lang="fi-FI" sz="2000" dirty="0"/>
-              <a:t>main page </a:t>
-            </a:r>
-          </a:p>
-          <a:p>
-            <a:pPr lvl="1">
-              <a:buChar char="•"/>
-            </a:pPr>
-            <a:r>
-              <a:rPr lang="fi-FI" sz="2000" dirty="0"/>
-              <a:t>jobs list</a:t>
-            </a:r>
-            <a:endParaRPr lang="en-US" sz="2000" dirty="0"/>
-          </a:p>
-          <a:p>
-            <a:pPr lvl="2">
-              <a:buChar char="•"/>
-            </a:pPr>
-            <a:r>
-              <a:rPr lang="fi-FI" sz="2000" dirty="0"/>
-              <a:t>job detail</a:t>
-            </a:r>
-            <a:endParaRPr lang="en-US" sz="2000" dirty="0"/>
-          </a:p>
-          <a:p>
-            <a:pPr lvl="1">
-              <a:buChar char="•"/>
-            </a:pPr>
-            <a:r>
-              <a:rPr lang="fi-FI" sz="2000" dirty="0"/>
-              <a:t>companies list</a:t>
-            </a:r>
-            <a:endParaRPr lang="en-US" sz="2000" dirty="0"/>
-          </a:p>
-          <a:p>
-            <a:pPr lvl="2">
-              <a:buChar char="•"/>
-            </a:pPr>
-            <a:r>
-              <a:rPr lang="fi-FI" sz="2000" dirty="0"/>
-              <a:t>company detail</a:t>
-            </a:r>
-            <a:endParaRPr lang="en-US" sz="2000" dirty="0"/>
-          </a:p>
-          <a:p>
-            <a:pPr lvl="0">
-              <a:buChar char="•"/>
-            </a:pPr>
-            <a:r>
-              <a:rPr lang="fi-FI" sz="2000" dirty="0"/>
-              <a:t>login page</a:t>
-            </a:r>
-          </a:p>
-          <a:p>
-            <a:pPr lvl="1">
-              <a:buChar char="•"/>
-            </a:pPr>
-            <a:r>
-              <a:rPr lang="fi-FI" sz="2000" dirty="0"/>
-              <a:t>users list</a:t>
-            </a:r>
-            <a:endParaRPr lang="en-US" sz="2000" dirty="0"/>
-          </a:p>
-          <a:p>
-            <a:pPr lvl="1">
-              <a:buChar char="•"/>
-            </a:pPr>
-            <a:r>
-              <a:rPr lang="fi-FI" sz="2000" dirty="0"/>
-              <a:t>user detail</a:t>
-            </a:r>
-            <a:endParaRPr lang="en-US" sz="2000" dirty="0"/>
-          </a:p>
-          <a:p>
-            <a:pPr lvl="0">
-              <a:buChar char="•"/>
-            </a:pPr>
-            <a:r>
-              <a:rPr lang="fi-FI" sz="2000" dirty="0"/>
-              <a:t>user registration</a:t>
-            </a:r>
-            <a:endParaRPr lang="en-US" sz="2000" dirty="0"/>
-          </a:p>
-          <a:p>
-            <a:pPr lvl="0">
-              <a:buChar char="•"/>
-            </a:pPr>
-            <a:r>
-              <a:rPr lang="fi-FI" sz="2000" dirty="0"/>
-              <a:t>company registration</a:t>
-            </a:r>
-            <a:endParaRPr lang="en-US" sz="2000" dirty="0"/>
+            <a:r>
+              <a:rPr lang="fi-FI" dirty="0"/>
+              <a:t>Step 3: post </a:t>
+            </a:r>
+            <a:r>
+              <a:rPr lang="en-US" dirty="0"/>
+              <a:t>"/</a:t>
+            </a:r>
+            <a:r>
+              <a:rPr lang="en-US" dirty="0" err="1"/>
+              <a:t>api</a:t>
+            </a:r>
+            <a:r>
+              <a:rPr lang="en-US" dirty="0"/>
+              <a:t>/contacts"</a:t>
+            </a:r>
           </a:p>
         </p:txBody>
       </p:sp>
       <p:pic>
         <p:nvPicPr>
-          <p:cNvPr id="5" name="Picture 4">
-            <a:extLst>
-              <a:ext uri="{FF2B5EF4-FFF2-40B4-BE49-F238E27FC236}">
-                <a16:creationId xmlns:a16="http://schemas.microsoft.com/office/drawing/2014/main" id="{1ADE37D4-653A-446D-A6E6-3BDFECD0B6F0}"/>
+          <p:cNvPr id="4" name="Content Placeholder 3">
+            <a:extLst>
+              <a:ext uri="{FF2B5EF4-FFF2-40B4-BE49-F238E27FC236}">
+                <a16:creationId xmlns:a16="http://schemas.microsoft.com/office/drawing/2014/main" id="{FB139382-E284-43D3-8B85-1B7482D7E256}"/>
               </a:ext>
             </a:extLst>
           </p:cNvPr>
           <p:cNvPicPr>
-            <a:picLocks noChangeAspect="1"/>
+            <a:picLocks noGrp="1" noChangeAspect="1"/>
           </p:cNvPicPr>
-          <p:nvPr/>
+          <p:nvPr>
+            <p:ph idx="1"/>
+          </p:nvPr>
         </p:nvPicPr>
         <p:blipFill>
           <a:blip r:embed="rId2"/>
@@ -4858,8 +4788,8 @@
         </p:blipFill>
         <p:spPr>
           <a:xfrm>
-            <a:off x="7737448" y="1690688"/>
-            <a:ext cx="2867425" cy="3267531"/>
+            <a:off x="838200" y="1803323"/>
+            <a:ext cx="4991440" cy="4351338"/>
           </a:xfrm>
           <a:prstGeom prst="rect">
             <a:avLst/>
@@ -4868,10 +4798,10 @@
       </p:pic>
       <p:pic>
         <p:nvPicPr>
-          <p:cNvPr id="6" name="Picture 5">
-            <a:extLst>
-              <a:ext uri="{FF2B5EF4-FFF2-40B4-BE49-F238E27FC236}">
-                <a16:creationId xmlns:a16="http://schemas.microsoft.com/office/drawing/2014/main" id="{5CA5D367-8486-417A-B8CC-8BE85C10959F}"/>
+          <p:cNvPr id="5" name="Picture 4">
+            <a:extLst>
+              <a:ext uri="{FF2B5EF4-FFF2-40B4-BE49-F238E27FC236}">
+                <a16:creationId xmlns:a16="http://schemas.microsoft.com/office/drawing/2014/main" id="{ABB2591C-0515-4ED5-B91D-A2FCAFB2F72F}"/>
               </a:ext>
             </a:extLst>
           </p:cNvPr>
@@ -4888,8 +4818,8 @@
         </p:blipFill>
         <p:spPr>
           <a:xfrm>
-            <a:off x="3747230" y="1690688"/>
-            <a:ext cx="3372321" cy="4029637"/>
+            <a:off x="6668026" y="1803323"/>
+            <a:ext cx="4338228" cy="4673585"/>
           </a:xfrm>
           <a:prstGeom prst="rect">
             <a:avLst/>
@@ -4899,7 +4829,7 @@
     </p:spTree>
     <p:extLst>
       <p:ext uri="{BB962C8B-B14F-4D97-AF65-F5344CB8AC3E}">
-        <p14:creationId xmlns:p14="http://schemas.microsoft.com/office/powerpoint/2010/main" val="3632734525"/>
+        <p14:creationId xmlns:p14="http://schemas.microsoft.com/office/powerpoint/2010/main" val="3529264065"/>
       </p:ext>
     </p:extLst>
   </p:cSld>
@@ -4931,7 +4861,7 @@
           <p:cNvPr id="2" name="Title 1">
             <a:extLst>
               <a:ext uri="{FF2B5EF4-FFF2-40B4-BE49-F238E27FC236}">
-                <a16:creationId xmlns:a16="http://schemas.microsoft.com/office/drawing/2014/main" id="{CF5CE5A3-63ED-42DA-A51D-D7E8F98728CE}"/>
+                <a16:creationId xmlns:a16="http://schemas.microsoft.com/office/drawing/2014/main" id="{5B16B4D3-E7D7-42F5-840D-B9CD114B750C}"/>
               </a:ext>
             </a:extLst>
           </p:cNvPr>
@@ -4942,1172 +4872,96 @@
             <p:ph type="title"/>
           </p:nvPr>
         </p:nvSpPr>
-        <p:spPr>
-          <a:xfrm>
-            <a:off x="838200" y="365125"/>
-            <a:ext cx="10433538" cy="1109177"/>
-          </a:xfrm>
-        </p:spPr>
+        <p:spPr/>
         <p:txBody>
           <a:bodyPr/>
           <a:lstStyle/>
           <a:p>
             <a:r>
               <a:rPr lang="fi-FI" dirty="0"/>
-              <a:t>Step 4:</a:t>
-            </a:r>
-            <a:endParaRPr lang="en-US" dirty="0"/>
-          </a:p>
-        </p:txBody>
-      </p:sp>
-      <p:sp>
-        <p:nvSpPr>
-          <p:cNvPr id="29" name="Suorakulmio 3">
-            <a:extLst>
-              <a:ext uri="{FF2B5EF4-FFF2-40B4-BE49-F238E27FC236}">
-                <a16:creationId xmlns:a16="http://schemas.microsoft.com/office/drawing/2014/main" id="{81C48E78-ACDD-452D-A4B2-5E322923198F}"/>
-              </a:ext>
-            </a:extLst>
-          </p:cNvPr>
-          <p:cNvSpPr/>
-          <p:nvPr/>
-        </p:nvSpPr>
-        <p:spPr>
-          <a:xfrm>
-            <a:off x="963260" y="1690688"/>
-            <a:ext cx="3420275" cy="4710112"/>
+              <a:t>Step 3: put </a:t>
+            </a:r>
+            <a:r>
+              <a:rPr lang="en-US" dirty="0"/>
+              <a:t>"/</a:t>
+            </a:r>
+            <a:r>
+              <a:rPr lang="en-US" dirty="0" err="1"/>
+              <a:t>api</a:t>
+            </a:r>
+            <a:r>
+              <a:rPr lang="en-US" dirty="0"/>
+              <a:t>/contacts/16"</a:t>
+            </a:r>
+          </a:p>
+        </p:txBody>
+      </p:sp>
+      <p:pic>
+        <p:nvPicPr>
+          <p:cNvPr id="4" name="Content Placeholder 3">
+            <a:extLst>
+              <a:ext uri="{FF2B5EF4-FFF2-40B4-BE49-F238E27FC236}">
+                <a16:creationId xmlns:a16="http://schemas.microsoft.com/office/drawing/2014/main" id="{4B85F319-77C1-4DBF-BA6F-3B73373AE585}"/>
+              </a:ext>
+            </a:extLst>
+          </p:cNvPr>
+          <p:cNvPicPr>
+            <a:picLocks noGrp="1" noChangeAspect="1"/>
+          </p:cNvPicPr>
+          <p:nvPr>
+            <p:ph idx="1"/>
+          </p:nvPr>
+        </p:nvPicPr>
+        <p:blipFill>
+          <a:blip r:embed="rId2"/>
+          <a:stretch>
+            <a:fillRect/>
+          </a:stretch>
+        </p:blipFill>
+        <p:spPr>
+          <a:xfrm>
+            <a:off x="838200" y="1690688"/>
+            <a:ext cx="4248743" cy="2400635"/>
           </a:xfrm>
           <a:prstGeom prst="rect">
             <a:avLst/>
           </a:prstGeom>
-          <a:solidFill>
-            <a:schemeClr val="bg1"/>
-          </a:solidFill>
-        </p:spPr>
-        <p:style>
-          <a:lnRef idx="2">
-            <a:schemeClr val="accent1">
-              <a:shade val="50000"/>
-            </a:schemeClr>
-          </a:lnRef>
-          <a:fillRef idx="1">
-            <a:schemeClr val="accent1"/>
-          </a:fillRef>
-          <a:effectRef idx="0">
-            <a:schemeClr val="accent1"/>
-          </a:effectRef>
-          <a:fontRef idx="minor">
-            <a:schemeClr val="lt1"/>
-          </a:fontRef>
-        </p:style>
-        <p:txBody>
-          <a:bodyPr rtlCol="0" anchor="ctr"/>
-          <a:lstStyle/>
-          <a:p>
-            <a:pPr algn="ctr"/>
-            <a:endParaRPr lang="en-US" dirty="0"/>
-          </a:p>
-        </p:txBody>
-      </p:sp>
-      <p:sp>
-        <p:nvSpPr>
-          <p:cNvPr id="30" name="Tekstiruutu 4">
-            <a:extLst>
-              <a:ext uri="{FF2B5EF4-FFF2-40B4-BE49-F238E27FC236}">
-                <a16:creationId xmlns:a16="http://schemas.microsoft.com/office/drawing/2014/main" id="{DAA4FFF4-8130-4003-AE76-6D7558F6F627}"/>
-              </a:ext>
-            </a:extLst>
-          </p:cNvPr>
-          <p:cNvSpPr txBox="1"/>
+        </p:spPr>
+      </p:pic>
+      <p:pic>
+        <p:nvPicPr>
+          <p:cNvPr id="5" name="Picture 4">
+            <a:extLst>
+              <a:ext uri="{FF2B5EF4-FFF2-40B4-BE49-F238E27FC236}">
+                <a16:creationId xmlns:a16="http://schemas.microsoft.com/office/drawing/2014/main" id="{6BA46D9A-DC12-465C-BCD3-4625FA52FCF9}"/>
+              </a:ext>
+            </a:extLst>
+          </p:cNvPr>
+          <p:cNvPicPr>
+            <a:picLocks noChangeAspect="1"/>
+          </p:cNvPicPr>
           <p:nvPr/>
-        </p:nvSpPr>
-        <p:spPr>
-          <a:xfrm>
-            <a:off x="963260" y="1732522"/>
-            <a:ext cx="1226618" cy="369332"/>
+        </p:nvPicPr>
+        <p:blipFill>
+          <a:blip r:embed="rId3"/>
+          <a:stretch>
+            <a:fillRect/>
+          </a:stretch>
+        </p:blipFill>
+        <p:spPr>
+          <a:xfrm>
+            <a:off x="6096000" y="1377236"/>
+            <a:ext cx="3305636" cy="5115639"/>
           </a:xfrm>
           <a:prstGeom prst="rect">
             <a:avLst/>
           </a:prstGeom>
-          <a:noFill/>
-        </p:spPr>
-        <p:txBody>
-          <a:bodyPr wrap="none" rtlCol="0">
-            <a:spAutoFit/>
-          </a:bodyPr>
-          <a:lstStyle/>
-          <a:p>
-            <a:r>
-              <a:rPr lang="fi-FI" u="sng" dirty="0"/>
-              <a:t>C</a:t>
-            </a:r>
-            <a:r>
-              <a:rPr lang="en-US" u="sng" dirty="0" err="1"/>
-              <a:t>ompanies</a:t>
-            </a:r>
-            <a:endParaRPr lang="en-US" u="sng" dirty="0"/>
-          </a:p>
-        </p:txBody>
-      </p:sp>
-      <p:sp>
-        <p:nvSpPr>
-          <p:cNvPr id="31" name="Tekstiruutu 5">
-            <a:extLst>
-              <a:ext uri="{FF2B5EF4-FFF2-40B4-BE49-F238E27FC236}">
-                <a16:creationId xmlns:a16="http://schemas.microsoft.com/office/drawing/2014/main" id="{8D5F1632-F565-4A5C-AD34-9302C9382482}"/>
-              </a:ext>
-            </a:extLst>
-          </p:cNvPr>
-          <p:cNvSpPr txBox="1"/>
-          <p:nvPr/>
-        </p:nvSpPr>
-        <p:spPr>
-          <a:xfrm>
-            <a:off x="2115633" y="1728626"/>
-            <a:ext cx="590675" cy="369332"/>
-          </a:xfrm>
-          <a:prstGeom prst="rect">
-            <a:avLst/>
-          </a:prstGeom>
-          <a:noFill/>
-        </p:spPr>
-        <p:txBody>
-          <a:bodyPr wrap="none" rtlCol="0">
-            <a:spAutoFit/>
-          </a:bodyPr>
-          <a:lstStyle/>
-          <a:p>
-            <a:r>
-              <a:rPr lang="en-US" dirty="0"/>
-              <a:t>Jobs</a:t>
-            </a:r>
-          </a:p>
-        </p:txBody>
-      </p:sp>
-      <p:sp>
-        <p:nvSpPr>
-          <p:cNvPr id="32" name="Tekstiruutu 6">
-            <a:extLst>
-              <a:ext uri="{FF2B5EF4-FFF2-40B4-BE49-F238E27FC236}">
-                <a16:creationId xmlns:a16="http://schemas.microsoft.com/office/drawing/2014/main" id="{5C9EC3C6-7074-433F-8B5A-698F199C0B13}"/>
-              </a:ext>
-            </a:extLst>
-          </p:cNvPr>
-          <p:cNvSpPr txBox="1"/>
-          <p:nvPr/>
-        </p:nvSpPr>
-        <p:spPr>
-          <a:xfrm>
-            <a:off x="2716293" y="1746896"/>
-            <a:ext cx="703269" cy="369332"/>
-          </a:xfrm>
-          <a:prstGeom prst="rect">
-            <a:avLst/>
-          </a:prstGeom>
-          <a:noFill/>
-        </p:spPr>
-        <p:txBody>
-          <a:bodyPr wrap="none" rtlCol="0">
-            <a:spAutoFit/>
-          </a:bodyPr>
-          <a:lstStyle/>
-          <a:p>
-            <a:r>
-              <a:rPr lang="en-US" dirty="0"/>
-              <a:t>Users</a:t>
-            </a:r>
-          </a:p>
-        </p:txBody>
-      </p:sp>
-      <p:sp>
-        <p:nvSpPr>
-          <p:cNvPr id="33" name="Suorakulmio 7">
-            <a:extLst>
-              <a:ext uri="{FF2B5EF4-FFF2-40B4-BE49-F238E27FC236}">
-                <a16:creationId xmlns:a16="http://schemas.microsoft.com/office/drawing/2014/main" id="{927791EA-3F1A-4F4C-91C6-278233E57A77}"/>
-              </a:ext>
-            </a:extLst>
-          </p:cNvPr>
-          <p:cNvSpPr/>
-          <p:nvPr/>
-        </p:nvSpPr>
-        <p:spPr>
-          <a:xfrm>
-            <a:off x="1011083" y="2258396"/>
-            <a:ext cx="3246936" cy="773306"/>
-          </a:xfrm>
-          <a:prstGeom prst="rect">
-            <a:avLst/>
-          </a:prstGeom>
-          <a:solidFill>
-            <a:schemeClr val="bg1"/>
-          </a:solidFill>
-        </p:spPr>
-        <p:style>
-          <a:lnRef idx="2">
-            <a:schemeClr val="accent1">
-              <a:shade val="50000"/>
-            </a:schemeClr>
-          </a:lnRef>
-          <a:fillRef idx="1">
-            <a:schemeClr val="accent1"/>
-          </a:fillRef>
-          <a:effectRef idx="0">
-            <a:schemeClr val="accent1"/>
-          </a:effectRef>
-          <a:fontRef idx="minor">
-            <a:schemeClr val="lt1"/>
-          </a:fontRef>
-        </p:style>
-        <p:txBody>
-          <a:bodyPr rtlCol="0" anchor="ctr"/>
-          <a:lstStyle/>
-          <a:p>
-            <a:pPr algn="ctr"/>
-            <a:endParaRPr lang="en-US" dirty="0"/>
-          </a:p>
-        </p:txBody>
-      </p:sp>
-      <p:sp>
-        <p:nvSpPr>
-          <p:cNvPr id="34" name="Tekstiruutu 8">
-            <a:extLst>
-              <a:ext uri="{FF2B5EF4-FFF2-40B4-BE49-F238E27FC236}">
-                <a16:creationId xmlns:a16="http://schemas.microsoft.com/office/drawing/2014/main" id="{D372C3EA-A0C0-402B-83CB-4A4E2A958D1C}"/>
-              </a:ext>
-            </a:extLst>
-          </p:cNvPr>
-          <p:cNvSpPr txBox="1"/>
-          <p:nvPr/>
-        </p:nvSpPr>
-        <p:spPr>
-          <a:xfrm>
-            <a:off x="1144870" y="2306796"/>
-            <a:ext cx="2463994" cy="646331"/>
-          </a:xfrm>
-          <a:prstGeom prst="rect">
-            <a:avLst/>
-          </a:prstGeom>
-          <a:noFill/>
-        </p:spPr>
-        <p:txBody>
-          <a:bodyPr wrap="square" rtlCol="0">
-            <a:spAutoFit/>
-          </a:bodyPr>
-          <a:lstStyle/>
-          <a:p>
-            <a:r>
-              <a:rPr lang="en-US" dirty="0"/>
-              <a:t>Lauri</a:t>
-            </a:r>
-            <a:br>
-              <a:rPr lang="en-US" dirty="0"/>
-            </a:br>
-            <a:endParaRPr lang="en-US" dirty="0"/>
-          </a:p>
-        </p:txBody>
-      </p:sp>
-      <p:sp>
-        <p:nvSpPr>
-          <p:cNvPr id="35" name="Tekstiruutu 9">
-            <a:extLst>
-              <a:ext uri="{FF2B5EF4-FFF2-40B4-BE49-F238E27FC236}">
-                <a16:creationId xmlns:a16="http://schemas.microsoft.com/office/drawing/2014/main" id="{E980404A-E4F1-472C-A25E-94BA266DB072}"/>
-              </a:ext>
-            </a:extLst>
-          </p:cNvPr>
-          <p:cNvSpPr txBox="1"/>
-          <p:nvPr/>
-        </p:nvSpPr>
-        <p:spPr>
-          <a:xfrm>
-            <a:off x="3504557" y="2352962"/>
-            <a:ext cx="683264" cy="523220"/>
-          </a:xfrm>
-          <a:prstGeom prst="rect">
-            <a:avLst/>
-          </a:prstGeom>
-          <a:noFill/>
-        </p:spPr>
-        <p:txBody>
-          <a:bodyPr wrap="none" rtlCol="0">
-            <a:spAutoFit/>
-          </a:bodyPr>
-          <a:lstStyle/>
-          <a:p>
-            <a:pPr algn="r"/>
-            <a:r>
-              <a:rPr lang="en-US" sz="1400" dirty="0"/>
-              <a:t>Details</a:t>
-            </a:r>
-          </a:p>
-          <a:p>
-            <a:pPr algn="r"/>
-            <a:r>
-              <a:rPr lang="en-US" sz="1400" dirty="0"/>
-              <a:t>Edit</a:t>
-            </a:r>
-          </a:p>
-        </p:txBody>
-      </p:sp>
-      <p:sp>
-        <p:nvSpPr>
-          <p:cNvPr id="36" name="Suorakulmio 11">
-            <a:extLst>
-              <a:ext uri="{FF2B5EF4-FFF2-40B4-BE49-F238E27FC236}">
-                <a16:creationId xmlns:a16="http://schemas.microsoft.com/office/drawing/2014/main" id="{4F33F159-F0B3-4032-B3F1-2F1B0043C070}"/>
-              </a:ext>
-            </a:extLst>
-          </p:cNvPr>
-          <p:cNvSpPr/>
-          <p:nvPr/>
-        </p:nvSpPr>
-        <p:spPr>
-          <a:xfrm>
-            <a:off x="1011083" y="3181678"/>
-            <a:ext cx="3246936" cy="1253786"/>
-          </a:xfrm>
-          <a:prstGeom prst="rect">
-            <a:avLst/>
-          </a:prstGeom>
-          <a:solidFill>
-            <a:schemeClr val="bg1"/>
-          </a:solidFill>
-        </p:spPr>
-        <p:style>
-          <a:lnRef idx="2">
-            <a:schemeClr val="accent1">
-              <a:shade val="50000"/>
-            </a:schemeClr>
-          </a:lnRef>
-          <a:fillRef idx="1">
-            <a:schemeClr val="accent1"/>
-          </a:fillRef>
-          <a:effectRef idx="0">
-            <a:schemeClr val="accent1"/>
-          </a:effectRef>
-          <a:fontRef idx="minor">
-            <a:schemeClr val="lt1"/>
-          </a:fontRef>
-        </p:style>
-        <p:txBody>
-          <a:bodyPr rtlCol="0" anchor="ctr"/>
-          <a:lstStyle/>
-          <a:p>
-            <a:pPr algn="ctr"/>
-            <a:endParaRPr lang="en-US" dirty="0"/>
-          </a:p>
-        </p:txBody>
-      </p:sp>
-      <p:sp>
-        <p:nvSpPr>
-          <p:cNvPr id="37" name="Tekstiruutu 12">
-            <a:extLst>
-              <a:ext uri="{FF2B5EF4-FFF2-40B4-BE49-F238E27FC236}">
-                <a16:creationId xmlns:a16="http://schemas.microsoft.com/office/drawing/2014/main" id="{70890CA3-CA5A-4542-B4ED-80B5A1773DDE}"/>
-              </a:ext>
-            </a:extLst>
-          </p:cNvPr>
-          <p:cNvSpPr txBox="1"/>
-          <p:nvPr/>
-        </p:nvSpPr>
-        <p:spPr>
-          <a:xfrm>
-            <a:off x="1144870" y="3230078"/>
-            <a:ext cx="2463994" cy="615553"/>
-          </a:xfrm>
-          <a:prstGeom prst="rect">
-            <a:avLst/>
-          </a:prstGeom>
-          <a:noFill/>
-        </p:spPr>
-        <p:txBody>
-          <a:bodyPr wrap="square" rtlCol="0">
-            <a:spAutoFit/>
-          </a:bodyPr>
-          <a:lstStyle/>
-          <a:p>
-            <a:r>
-              <a:rPr lang="en-US" dirty="0" err="1"/>
-              <a:t>lauri</a:t>
-            </a:r>
-            <a:br>
-              <a:rPr lang="en-US" dirty="0"/>
-            </a:br>
-            <a:r>
-              <a:rPr lang="en-US" sz="1600" dirty="0"/>
-              <a:t>lauri@Hotmail.com</a:t>
-            </a:r>
-            <a:endParaRPr lang="en-US" dirty="0"/>
-          </a:p>
-        </p:txBody>
-      </p:sp>
-      <p:sp>
-        <p:nvSpPr>
-          <p:cNvPr id="38" name="Tekstiruutu 13">
-            <a:extLst>
-              <a:ext uri="{FF2B5EF4-FFF2-40B4-BE49-F238E27FC236}">
-                <a16:creationId xmlns:a16="http://schemas.microsoft.com/office/drawing/2014/main" id="{D40458B3-E562-4BD4-B1E2-11609C1C5EBD}"/>
-              </a:ext>
-            </a:extLst>
-          </p:cNvPr>
-          <p:cNvSpPr txBox="1"/>
-          <p:nvPr/>
-        </p:nvSpPr>
-        <p:spPr>
-          <a:xfrm>
-            <a:off x="3126247" y="3276244"/>
-            <a:ext cx="1061574" cy="523220"/>
-          </a:xfrm>
-          <a:prstGeom prst="rect">
-            <a:avLst/>
-          </a:prstGeom>
-          <a:noFill/>
-        </p:spPr>
-        <p:txBody>
-          <a:bodyPr wrap="none" rtlCol="0">
-            <a:spAutoFit/>
-          </a:bodyPr>
-          <a:lstStyle/>
-          <a:p>
-            <a:pPr algn="r"/>
-            <a:r>
-              <a:rPr lang="en-US" sz="1400" dirty="0"/>
-              <a:t>Hide Details</a:t>
-            </a:r>
-          </a:p>
-          <a:p>
-            <a:pPr algn="r"/>
-            <a:r>
-              <a:rPr lang="en-US" sz="1400" dirty="0"/>
-              <a:t>Edit</a:t>
-            </a:r>
-          </a:p>
-        </p:txBody>
-      </p:sp>
-      <p:sp>
-        <p:nvSpPr>
-          <p:cNvPr id="39" name="Tekstiruutu 14">
-            <a:extLst>
-              <a:ext uri="{FF2B5EF4-FFF2-40B4-BE49-F238E27FC236}">
-                <a16:creationId xmlns:a16="http://schemas.microsoft.com/office/drawing/2014/main" id="{4ADBC63A-CE65-4AC0-8BB7-0BA6D9CB8F7E}"/>
-              </a:ext>
-            </a:extLst>
-          </p:cNvPr>
-          <p:cNvSpPr txBox="1"/>
-          <p:nvPr/>
-        </p:nvSpPr>
-        <p:spPr>
-          <a:xfrm>
-            <a:off x="1299057" y="3799464"/>
-            <a:ext cx="881780" cy="523220"/>
-          </a:xfrm>
-          <a:prstGeom prst="rect">
-            <a:avLst/>
-          </a:prstGeom>
-          <a:noFill/>
-        </p:spPr>
-        <p:txBody>
-          <a:bodyPr wrap="none" rtlCol="0">
-            <a:spAutoFit/>
-          </a:bodyPr>
-          <a:lstStyle/>
-          <a:p>
-            <a:r>
-              <a:rPr lang="en-US" sz="1400" dirty="0"/>
-              <a:t>phone</a:t>
-            </a:r>
-          </a:p>
-          <a:p>
-            <a:r>
-              <a:rPr lang="en-US" sz="1400" dirty="0"/>
-              <a:t>password</a:t>
-            </a:r>
-          </a:p>
-        </p:txBody>
-      </p:sp>
-      <p:sp>
-        <p:nvSpPr>
-          <p:cNvPr id="40" name="Suorakulmio 15">
-            <a:extLst>
-              <a:ext uri="{FF2B5EF4-FFF2-40B4-BE49-F238E27FC236}">
-                <a16:creationId xmlns:a16="http://schemas.microsoft.com/office/drawing/2014/main" id="{48948726-3B3C-48F2-ACEF-C8169CC4FCC2}"/>
-              </a:ext>
-            </a:extLst>
-          </p:cNvPr>
-          <p:cNvSpPr/>
-          <p:nvPr/>
-        </p:nvSpPr>
-        <p:spPr>
-          <a:xfrm>
-            <a:off x="1011083" y="4557986"/>
-            <a:ext cx="3246936" cy="1720291"/>
-          </a:xfrm>
-          <a:prstGeom prst="rect">
-            <a:avLst/>
-          </a:prstGeom>
-          <a:solidFill>
-            <a:schemeClr val="bg1"/>
-          </a:solidFill>
-        </p:spPr>
-        <p:style>
-          <a:lnRef idx="2">
-            <a:schemeClr val="accent1">
-              <a:shade val="50000"/>
-            </a:schemeClr>
-          </a:lnRef>
-          <a:fillRef idx="1">
-            <a:schemeClr val="accent1"/>
-          </a:fillRef>
-          <a:effectRef idx="0">
-            <a:schemeClr val="accent1"/>
-          </a:effectRef>
-          <a:fontRef idx="minor">
-            <a:schemeClr val="lt1"/>
-          </a:fontRef>
-        </p:style>
-        <p:txBody>
-          <a:bodyPr rtlCol="0" anchor="ctr"/>
-          <a:lstStyle/>
-          <a:p>
-            <a:pPr algn="ctr"/>
-            <a:endParaRPr lang="en-US" dirty="0"/>
-          </a:p>
-        </p:txBody>
-      </p:sp>
-      <p:sp>
-        <p:nvSpPr>
-          <p:cNvPr id="41" name="Suorakulmio 18">
-            <a:extLst>
-              <a:ext uri="{FF2B5EF4-FFF2-40B4-BE49-F238E27FC236}">
-                <a16:creationId xmlns:a16="http://schemas.microsoft.com/office/drawing/2014/main" id="{4876E0B9-3209-41A3-8607-84E4BB892D66}"/>
-              </a:ext>
-            </a:extLst>
-          </p:cNvPr>
-          <p:cNvSpPr/>
-          <p:nvPr/>
-        </p:nvSpPr>
-        <p:spPr>
-          <a:xfrm>
-            <a:off x="1210600" y="4716725"/>
-            <a:ext cx="2847902" cy="265246"/>
-          </a:xfrm>
-          <a:prstGeom prst="rect">
-            <a:avLst/>
-          </a:prstGeom>
-          <a:solidFill>
-            <a:schemeClr val="bg1"/>
-          </a:solidFill>
-        </p:spPr>
-        <p:style>
-          <a:lnRef idx="2">
-            <a:schemeClr val="accent1">
-              <a:shade val="50000"/>
-            </a:schemeClr>
-          </a:lnRef>
-          <a:fillRef idx="1">
-            <a:schemeClr val="accent1"/>
-          </a:fillRef>
-          <a:effectRef idx="0">
-            <a:schemeClr val="accent1"/>
-          </a:effectRef>
-          <a:fontRef idx="minor">
-            <a:schemeClr val="lt1"/>
-          </a:fontRef>
-        </p:style>
-        <p:txBody>
-          <a:bodyPr rtlCol="0" anchor="ctr"/>
-          <a:lstStyle/>
-          <a:p>
-            <a:r>
-              <a:rPr lang="fi-FI" dirty="0">
-                <a:solidFill>
-                  <a:schemeClr val="tx1"/>
-                </a:solidFill>
-              </a:rPr>
-              <a:t>L</a:t>
-            </a:r>
-            <a:r>
-              <a:rPr lang="en-US" dirty="0" err="1">
-                <a:solidFill>
-                  <a:schemeClr val="tx1"/>
-                </a:solidFill>
-              </a:rPr>
-              <a:t>auri</a:t>
-            </a:r>
-            <a:endParaRPr lang="en-US" dirty="0">
-              <a:solidFill>
-                <a:schemeClr val="tx1"/>
-              </a:solidFill>
-            </a:endParaRPr>
-          </a:p>
-        </p:txBody>
-      </p:sp>
-      <p:sp>
-        <p:nvSpPr>
-          <p:cNvPr id="42" name="Suorakulmio 19">
-            <a:extLst>
-              <a:ext uri="{FF2B5EF4-FFF2-40B4-BE49-F238E27FC236}">
-                <a16:creationId xmlns:a16="http://schemas.microsoft.com/office/drawing/2014/main" id="{B5F41262-D058-4FD5-8BDB-9002D735D307}"/>
-              </a:ext>
-            </a:extLst>
-          </p:cNvPr>
-          <p:cNvSpPr/>
-          <p:nvPr/>
-        </p:nvSpPr>
-        <p:spPr>
-          <a:xfrm>
-            <a:off x="1210600" y="5001271"/>
-            <a:ext cx="2847902" cy="265246"/>
-          </a:xfrm>
-          <a:prstGeom prst="rect">
-            <a:avLst/>
-          </a:prstGeom>
-          <a:solidFill>
-            <a:schemeClr val="bg1"/>
-          </a:solidFill>
-        </p:spPr>
-        <p:style>
-          <a:lnRef idx="2">
-            <a:schemeClr val="accent1">
-              <a:shade val="50000"/>
-            </a:schemeClr>
-          </a:lnRef>
-          <a:fillRef idx="1">
-            <a:schemeClr val="accent1"/>
-          </a:fillRef>
-          <a:effectRef idx="0">
-            <a:schemeClr val="accent1"/>
-          </a:effectRef>
-          <a:fontRef idx="minor">
-            <a:schemeClr val="lt1"/>
-          </a:fontRef>
-        </p:style>
-        <p:txBody>
-          <a:bodyPr rtlCol="0" anchor="ctr"/>
-          <a:lstStyle/>
-          <a:p>
-            <a:r>
-              <a:rPr lang="fi-FI" dirty="0">
-                <a:solidFill>
-                  <a:schemeClr val="tx1"/>
-                </a:solidFill>
-              </a:rPr>
-              <a:t>L</a:t>
-            </a:r>
-            <a:r>
-              <a:rPr lang="en-US" dirty="0" err="1">
-                <a:solidFill>
-                  <a:schemeClr val="tx1"/>
-                </a:solidFill>
-              </a:rPr>
-              <a:t>ee</a:t>
-            </a:r>
-            <a:endParaRPr lang="en-US" dirty="0">
-              <a:solidFill>
-                <a:schemeClr val="tx1"/>
-              </a:solidFill>
-            </a:endParaRPr>
-          </a:p>
-        </p:txBody>
-      </p:sp>
-      <p:sp>
-        <p:nvSpPr>
-          <p:cNvPr id="43" name="Suorakulmio 20">
-            <a:extLst>
-              <a:ext uri="{FF2B5EF4-FFF2-40B4-BE49-F238E27FC236}">
-                <a16:creationId xmlns:a16="http://schemas.microsoft.com/office/drawing/2014/main" id="{9CBE1F89-D88D-434F-804A-4902B125F6FB}"/>
-              </a:ext>
-            </a:extLst>
-          </p:cNvPr>
-          <p:cNvSpPr/>
-          <p:nvPr/>
-        </p:nvSpPr>
-        <p:spPr>
-          <a:xfrm>
-            <a:off x="1210600" y="5331293"/>
-            <a:ext cx="2847902" cy="265246"/>
-          </a:xfrm>
-          <a:prstGeom prst="rect">
-            <a:avLst/>
-          </a:prstGeom>
-          <a:solidFill>
-            <a:schemeClr val="bg1"/>
-          </a:solidFill>
-        </p:spPr>
-        <p:style>
-          <a:lnRef idx="2">
-            <a:schemeClr val="accent1">
-              <a:shade val="50000"/>
-            </a:schemeClr>
-          </a:lnRef>
-          <a:fillRef idx="1">
-            <a:schemeClr val="accent1"/>
-          </a:fillRef>
-          <a:effectRef idx="0">
-            <a:schemeClr val="accent1"/>
-          </a:effectRef>
-          <a:fontRef idx="minor">
-            <a:schemeClr val="lt1"/>
-          </a:fontRef>
-        </p:style>
-        <p:txBody>
-          <a:bodyPr rtlCol="0" anchor="ctr"/>
-          <a:lstStyle/>
-          <a:p>
-            <a:r>
-              <a:rPr lang="fi-FI" dirty="0">
-                <a:solidFill>
-                  <a:schemeClr val="tx1"/>
-                </a:solidFill>
-              </a:rPr>
-              <a:t>e</a:t>
-            </a:r>
-            <a:r>
-              <a:rPr lang="en-US" dirty="0">
-                <a:solidFill>
-                  <a:schemeClr val="tx1"/>
-                </a:solidFill>
-              </a:rPr>
-              <a:t>mail</a:t>
-            </a:r>
-          </a:p>
-        </p:txBody>
-      </p:sp>
-      <p:sp>
-        <p:nvSpPr>
-          <p:cNvPr id="44" name="Suorakulmio 21">
-            <a:extLst>
-              <a:ext uri="{FF2B5EF4-FFF2-40B4-BE49-F238E27FC236}">
-                <a16:creationId xmlns:a16="http://schemas.microsoft.com/office/drawing/2014/main" id="{304A736A-797F-4321-9EF1-86252A908355}"/>
-              </a:ext>
-            </a:extLst>
-          </p:cNvPr>
-          <p:cNvSpPr/>
-          <p:nvPr/>
-        </p:nvSpPr>
-        <p:spPr>
-          <a:xfrm>
-            <a:off x="1210600" y="5635139"/>
-            <a:ext cx="2847902" cy="265246"/>
-          </a:xfrm>
-          <a:prstGeom prst="rect">
-            <a:avLst/>
-          </a:prstGeom>
-          <a:solidFill>
-            <a:schemeClr val="bg1"/>
-          </a:solidFill>
-        </p:spPr>
-        <p:style>
-          <a:lnRef idx="2">
-            <a:schemeClr val="accent1">
-              <a:shade val="50000"/>
-            </a:schemeClr>
-          </a:lnRef>
-          <a:fillRef idx="1">
-            <a:schemeClr val="accent1"/>
-          </a:fillRef>
-          <a:effectRef idx="0">
-            <a:schemeClr val="accent1"/>
-          </a:effectRef>
-          <a:fontRef idx="minor">
-            <a:schemeClr val="lt1"/>
-          </a:fontRef>
-        </p:style>
-        <p:txBody>
-          <a:bodyPr rtlCol="0" anchor="ctr"/>
-          <a:lstStyle/>
-          <a:p>
-            <a:r>
-              <a:rPr lang="fi-FI" dirty="0">
-                <a:solidFill>
-                  <a:schemeClr val="tx1"/>
-                </a:solidFill>
-              </a:rPr>
-              <a:t>n</a:t>
-            </a:r>
-            <a:r>
-              <a:rPr lang="en-US" dirty="0" err="1">
-                <a:solidFill>
-                  <a:schemeClr val="tx1"/>
-                </a:solidFill>
-              </a:rPr>
-              <a:t>ame</a:t>
-            </a:r>
-            <a:endParaRPr lang="en-US" dirty="0">
-              <a:solidFill>
-                <a:schemeClr val="tx1"/>
-              </a:solidFill>
-            </a:endParaRPr>
-          </a:p>
-        </p:txBody>
-      </p:sp>
-      <p:sp>
-        <p:nvSpPr>
-          <p:cNvPr id="45" name="Tekstiruutu 22">
-            <a:extLst>
-              <a:ext uri="{FF2B5EF4-FFF2-40B4-BE49-F238E27FC236}">
-                <a16:creationId xmlns:a16="http://schemas.microsoft.com/office/drawing/2014/main" id="{7F013DD7-174C-41D7-84E7-3F5560DBABB3}"/>
-              </a:ext>
-            </a:extLst>
-          </p:cNvPr>
-          <p:cNvSpPr txBox="1"/>
-          <p:nvPr/>
-        </p:nvSpPr>
-        <p:spPr>
-          <a:xfrm>
-            <a:off x="1366348" y="5966604"/>
-            <a:ext cx="519822" cy="307777"/>
-          </a:xfrm>
-          <a:prstGeom prst="rect">
-            <a:avLst/>
-          </a:prstGeom>
-          <a:noFill/>
-        </p:spPr>
-        <p:txBody>
-          <a:bodyPr wrap="none" rtlCol="0">
-            <a:spAutoFit/>
-          </a:bodyPr>
-          <a:lstStyle/>
-          <a:p>
-            <a:r>
-              <a:rPr lang="en-US" sz="1400" dirty="0"/>
-              <a:t>Save</a:t>
-            </a:r>
-          </a:p>
-        </p:txBody>
-      </p:sp>
-      <p:sp>
-        <p:nvSpPr>
-          <p:cNvPr id="46" name="Tekstiruutu 23">
-            <a:extLst>
-              <a:ext uri="{FF2B5EF4-FFF2-40B4-BE49-F238E27FC236}">
-                <a16:creationId xmlns:a16="http://schemas.microsoft.com/office/drawing/2014/main" id="{9BC6691D-AE4D-4E61-AA86-C88B54B97C50}"/>
-              </a:ext>
-            </a:extLst>
-          </p:cNvPr>
-          <p:cNvSpPr txBox="1"/>
-          <p:nvPr/>
-        </p:nvSpPr>
-        <p:spPr>
-          <a:xfrm>
-            <a:off x="2015582" y="5966604"/>
-            <a:ext cx="722570" cy="307777"/>
-          </a:xfrm>
-          <a:prstGeom prst="rect">
-            <a:avLst/>
-          </a:prstGeom>
-          <a:noFill/>
-        </p:spPr>
-        <p:txBody>
-          <a:bodyPr wrap="none" rtlCol="0">
-            <a:spAutoFit/>
-          </a:bodyPr>
-          <a:lstStyle/>
-          <a:p>
-            <a:r>
-              <a:rPr lang="en-US" sz="1400" dirty="0"/>
-              <a:t>Discard</a:t>
-            </a:r>
-          </a:p>
-        </p:txBody>
-      </p:sp>
-      <p:sp>
-        <p:nvSpPr>
-          <p:cNvPr id="47" name="Suorakulmio 24">
-            <a:extLst>
-              <a:ext uri="{FF2B5EF4-FFF2-40B4-BE49-F238E27FC236}">
-                <a16:creationId xmlns:a16="http://schemas.microsoft.com/office/drawing/2014/main" id="{220E08EE-9997-4E88-BB90-422CBBAAA71B}"/>
-              </a:ext>
-            </a:extLst>
-          </p:cNvPr>
-          <p:cNvSpPr/>
-          <p:nvPr/>
-        </p:nvSpPr>
-        <p:spPr>
-          <a:xfrm>
-            <a:off x="5914641" y="1027906"/>
-            <a:ext cx="3420275" cy="816677"/>
-          </a:xfrm>
-          <a:prstGeom prst="rect">
-            <a:avLst/>
-          </a:prstGeom>
-        </p:spPr>
-        <p:style>
-          <a:lnRef idx="2">
-            <a:schemeClr val="accent1">
-              <a:shade val="50000"/>
-            </a:schemeClr>
-          </a:lnRef>
-          <a:fillRef idx="1">
-            <a:schemeClr val="accent1"/>
-          </a:fillRef>
-          <a:effectRef idx="0">
-            <a:schemeClr val="accent1"/>
-          </a:effectRef>
-          <a:fontRef idx="minor">
-            <a:schemeClr val="lt1"/>
-          </a:fontRef>
-        </p:style>
-        <p:txBody>
-          <a:bodyPr rtlCol="0" anchor="ctr"/>
-          <a:lstStyle/>
-          <a:p>
-            <a:pPr algn="ctr"/>
-            <a:r>
-              <a:rPr lang="en-US" dirty="0"/>
-              <a:t>Option only available for </a:t>
-            </a:r>
-            <a:r>
-              <a:rPr lang="en-US" dirty="0" err="1"/>
-              <a:t>administor</a:t>
-            </a:r>
-            <a:endParaRPr lang="en-US" dirty="0"/>
-          </a:p>
-        </p:txBody>
-      </p:sp>
-      <p:cxnSp>
-        <p:nvCxnSpPr>
-          <p:cNvPr id="48" name="Suora nuoliyhdysviiva 26">
-            <a:extLst>
-              <a:ext uri="{FF2B5EF4-FFF2-40B4-BE49-F238E27FC236}">
-                <a16:creationId xmlns:a16="http://schemas.microsoft.com/office/drawing/2014/main" id="{B4DE637F-74BB-42EC-94D7-A07226CF03E2}"/>
-              </a:ext>
-            </a:extLst>
-          </p:cNvPr>
-          <p:cNvCxnSpPr>
-            <a:stCxn id="47" idx="1"/>
-            <a:endCxn id="32" idx="3"/>
-          </p:cNvCxnSpPr>
-          <p:nvPr/>
-        </p:nvCxnSpPr>
-        <p:spPr>
-          <a:xfrm flipH="1">
-            <a:off x="3419562" y="1436245"/>
-            <a:ext cx="2495079" cy="495317"/>
-          </a:xfrm>
-          <a:prstGeom prst="straightConnector1">
-            <a:avLst/>
-          </a:prstGeom>
-          <a:ln>
-            <a:tailEnd type="triangle"/>
-          </a:ln>
-        </p:spPr>
-        <p:style>
-          <a:lnRef idx="1">
-            <a:schemeClr val="accent1"/>
-          </a:lnRef>
-          <a:fillRef idx="0">
-            <a:schemeClr val="accent1"/>
-          </a:fillRef>
-          <a:effectRef idx="0">
-            <a:schemeClr val="accent1"/>
-          </a:effectRef>
-          <a:fontRef idx="minor">
-            <a:schemeClr val="tx1"/>
-          </a:fontRef>
-        </p:style>
-      </p:cxnSp>
-      <p:cxnSp>
-        <p:nvCxnSpPr>
-          <p:cNvPr id="49" name="Suora nuoliyhdysviiva 28">
-            <a:extLst>
-              <a:ext uri="{FF2B5EF4-FFF2-40B4-BE49-F238E27FC236}">
-                <a16:creationId xmlns:a16="http://schemas.microsoft.com/office/drawing/2014/main" id="{7BCD48DA-4A15-4844-9D5F-4868B270561C}"/>
-              </a:ext>
-            </a:extLst>
-          </p:cNvPr>
-          <p:cNvCxnSpPr/>
-          <p:nvPr/>
-        </p:nvCxnSpPr>
-        <p:spPr>
-          <a:xfrm flipH="1">
-            <a:off x="4118290" y="1562230"/>
-            <a:ext cx="1563554" cy="1204735"/>
-          </a:xfrm>
-          <a:prstGeom prst="straightConnector1">
-            <a:avLst/>
-          </a:prstGeom>
-          <a:ln>
-            <a:tailEnd type="triangle"/>
-          </a:ln>
-        </p:spPr>
-        <p:style>
-          <a:lnRef idx="1">
-            <a:schemeClr val="accent1"/>
-          </a:lnRef>
-          <a:fillRef idx="0">
-            <a:schemeClr val="accent1"/>
-          </a:fillRef>
-          <a:effectRef idx="0">
-            <a:schemeClr val="accent1"/>
-          </a:effectRef>
-          <a:fontRef idx="minor">
-            <a:schemeClr val="tx1"/>
-          </a:fontRef>
-        </p:style>
-      </p:cxnSp>
-      <p:sp>
-        <p:nvSpPr>
-          <p:cNvPr id="50" name="Tekstiruutu 29">
-            <a:extLst>
-              <a:ext uri="{FF2B5EF4-FFF2-40B4-BE49-F238E27FC236}">
-                <a16:creationId xmlns:a16="http://schemas.microsoft.com/office/drawing/2014/main" id="{96E99C7D-22BA-4091-B23D-347DEFEFB21C}"/>
-              </a:ext>
-            </a:extLst>
-          </p:cNvPr>
-          <p:cNvSpPr txBox="1"/>
-          <p:nvPr/>
-        </p:nvSpPr>
-        <p:spPr>
-          <a:xfrm>
-            <a:off x="3394218" y="5935442"/>
-            <a:ext cx="664284" cy="307777"/>
-          </a:xfrm>
-          <a:prstGeom prst="rect">
-            <a:avLst/>
-          </a:prstGeom>
-          <a:noFill/>
-        </p:spPr>
-        <p:txBody>
-          <a:bodyPr wrap="none" rtlCol="0">
-            <a:spAutoFit/>
-          </a:bodyPr>
-          <a:lstStyle/>
-          <a:p>
-            <a:r>
-              <a:rPr lang="en-US" sz="1400" dirty="0"/>
-              <a:t>Delete</a:t>
-            </a:r>
-          </a:p>
-        </p:txBody>
-      </p:sp>
-      <p:sp>
-        <p:nvSpPr>
-          <p:cNvPr id="51" name="Tekstiruutu 30">
-            <a:extLst>
-              <a:ext uri="{FF2B5EF4-FFF2-40B4-BE49-F238E27FC236}">
-                <a16:creationId xmlns:a16="http://schemas.microsoft.com/office/drawing/2014/main" id="{A6530E28-AEED-42EB-95E5-AA1F65726800}"/>
-              </a:ext>
-            </a:extLst>
-          </p:cNvPr>
-          <p:cNvSpPr txBox="1"/>
-          <p:nvPr/>
-        </p:nvSpPr>
-        <p:spPr>
-          <a:xfrm>
-            <a:off x="6239396" y="2503473"/>
-            <a:ext cx="2867708" cy="3139321"/>
-          </a:xfrm>
-          <a:prstGeom prst="rect">
-            <a:avLst/>
-          </a:prstGeom>
-          <a:noFill/>
-        </p:spPr>
-        <p:txBody>
-          <a:bodyPr wrap="none" rtlCol="0">
-            <a:spAutoFit/>
-          </a:bodyPr>
-          <a:lstStyle/>
-          <a:p>
-            <a:r>
-              <a:rPr lang="en-US" dirty="0" err="1"/>
-              <a:t>UserListComponent</a:t>
-            </a:r>
-            <a:endParaRPr lang="en-US" dirty="0"/>
-          </a:p>
-          <a:p>
-            <a:pPr marL="285750" indent="-285750">
-              <a:buFontTx/>
-              <a:buChar char="-"/>
-            </a:pPr>
-            <a:r>
-              <a:rPr lang="en-US" dirty="0"/>
-              <a:t>List of </a:t>
-            </a:r>
-            <a:r>
-              <a:rPr lang="en-US" dirty="0" err="1"/>
-              <a:t>UserComponents</a:t>
-            </a:r>
-            <a:endParaRPr lang="en-US" dirty="0"/>
-          </a:p>
-          <a:p>
-            <a:pPr marL="285750" indent="-285750">
-              <a:buFontTx/>
-              <a:buChar char="-"/>
-            </a:pPr>
-            <a:endParaRPr lang="en-US" dirty="0"/>
-          </a:p>
-          <a:p>
-            <a:r>
-              <a:rPr lang="en-US" dirty="0" err="1"/>
-              <a:t>CompanyComponent</a:t>
-            </a:r>
-            <a:endParaRPr lang="en-US" dirty="0"/>
-          </a:p>
-          <a:p>
-            <a:pPr marL="285750" indent="-285750">
-              <a:buFontTx/>
-              <a:buChar char="-"/>
-            </a:pPr>
-            <a:r>
-              <a:rPr lang="en-US" dirty="0"/>
-              <a:t>Default (the essentials)</a:t>
-            </a:r>
-          </a:p>
-          <a:p>
-            <a:pPr marL="285750" indent="-285750">
-              <a:buFontTx/>
-              <a:buChar char="-"/>
-            </a:pPr>
-            <a:r>
-              <a:rPr lang="en-US" dirty="0"/>
-              <a:t>Details (the company list)</a:t>
-            </a:r>
-          </a:p>
-          <a:p>
-            <a:pPr marL="285750" indent="-285750">
-              <a:buFontTx/>
-              <a:buChar char="-"/>
-            </a:pPr>
-            <a:r>
-              <a:rPr lang="en-US" dirty="0"/>
-              <a:t>Edit (input fields for data)</a:t>
-            </a:r>
-          </a:p>
-          <a:p>
-            <a:pPr marL="285750" indent="-285750">
-              <a:buFontTx/>
-              <a:buChar char="-"/>
-            </a:pPr>
-            <a:endParaRPr lang="en-US" dirty="0"/>
-          </a:p>
-          <a:p>
-            <a:r>
-              <a:rPr lang="en-US" dirty="0" err="1"/>
-              <a:t>TextInput</a:t>
-            </a:r>
-            <a:endParaRPr lang="en-US" dirty="0"/>
-          </a:p>
-          <a:p>
-            <a:pPr marL="285750" indent="-285750">
-              <a:buFontTx/>
-              <a:buChar char="-"/>
-            </a:pPr>
-            <a:r>
-              <a:rPr lang="en-US" dirty="0"/>
-              <a:t>Display and Edit modes</a:t>
-            </a:r>
-          </a:p>
-          <a:p>
-            <a:endParaRPr lang="en-US" dirty="0"/>
-          </a:p>
-        </p:txBody>
-      </p:sp>
+        </p:spPr>
+      </p:pic>
     </p:spTree>
     <p:extLst>
       <p:ext uri="{BB962C8B-B14F-4D97-AF65-F5344CB8AC3E}">
-        <p14:creationId xmlns:p14="http://schemas.microsoft.com/office/powerpoint/2010/main" val="1802802418"/>
+        <p14:creationId xmlns:p14="http://schemas.microsoft.com/office/powerpoint/2010/main" val="4016111361"/>
       </p:ext>
     </p:extLst>
   </p:cSld>
@@ -6139,7 +4993,7 @@
           <p:cNvPr id="2" name="Title 1">
             <a:extLst>
               <a:ext uri="{FF2B5EF4-FFF2-40B4-BE49-F238E27FC236}">
-                <a16:creationId xmlns:a16="http://schemas.microsoft.com/office/drawing/2014/main" id="{68C2C0C4-72B0-492C-84B5-FBBB070A084D}"/>
+                <a16:creationId xmlns:a16="http://schemas.microsoft.com/office/drawing/2014/main" id="{5B16B4D3-E7D7-42F5-840D-B9CD114B750C}"/>
               </a:ext>
             </a:extLst>
           </p:cNvPr>
@@ -6157,126 +5011,89 @@
           <a:p>
             <a:r>
               <a:rPr lang="fi-FI" dirty="0"/>
-              <a:t>Step 5:</a:t>
+              <a:t>Step 3: delete </a:t>
             </a:r>
             <a:r>
               <a:rPr lang="en-US" dirty="0"/>
-              <a:t>Security</a:t>
-            </a:r>
-          </a:p>
-        </p:txBody>
-      </p:sp>
-      <p:sp>
-        <p:nvSpPr>
-          <p:cNvPr id="3" name="Content Placeholder 2">
-            <a:extLst>
-              <a:ext uri="{FF2B5EF4-FFF2-40B4-BE49-F238E27FC236}">
-                <a16:creationId xmlns:a16="http://schemas.microsoft.com/office/drawing/2014/main" id="{C5D10A53-0431-47BC-B1C8-7E5855905C8C}"/>
-              </a:ext>
-            </a:extLst>
-          </p:cNvPr>
-          <p:cNvSpPr>
-            <a:spLocks noGrp="1"/>
-          </p:cNvSpPr>
+              <a:t>"/</a:t>
+            </a:r>
+            <a:r>
+              <a:rPr lang="en-US" dirty="0" err="1"/>
+              <a:t>api</a:t>
+            </a:r>
+            <a:r>
+              <a:rPr lang="en-US" dirty="0"/>
+              <a:t>/contacts/16"</a:t>
+            </a:r>
+          </a:p>
+        </p:txBody>
+      </p:sp>
+      <p:pic>
+        <p:nvPicPr>
+          <p:cNvPr id="4" name="Content Placeholder 3">
+            <a:extLst>
+              <a:ext uri="{FF2B5EF4-FFF2-40B4-BE49-F238E27FC236}">
+                <a16:creationId xmlns:a16="http://schemas.microsoft.com/office/drawing/2014/main" id="{2F51F098-FC60-4CBF-A1FB-80F762A44012}"/>
+              </a:ext>
+            </a:extLst>
+          </p:cNvPr>
+          <p:cNvPicPr>
+            <a:picLocks noGrp="1" noChangeAspect="1"/>
+          </p:cNvPicPr>
           <p:nvPr>
             <p:ph idx="1"/>
           </p:nvPr>
-        </p:nvSpPr>
-        <p:spPr/>
-        <p:txBody>
-          <a:bodyPr>
-            <a:normAutofit fontScale="92500" lnSpcReduction="20000"/>
-          </a:bodyPr>
-          <a:lstStyle/>
-          <a:p>
-            <a:r>
-              <a:rPr lang="en-US" dirty="0"/>
-              <a:t>Description of security implementation</a:t>
-            </a:r>
-          </a:p>
-          <a:p>
-            <a:pPr lvl="1"/>
-            <a:r>
-              <a:rPr lang="en-US" dirty="0"/>
-              <a:t>Evaluate from different perspectives</a:t>
-            </a:r>
-          </a:p>
-          <a:p>
-            <a:endParaRPr lang="en-US" dirty="0"/>
-          </a:p>
-          <a:p>
-            <a:endParaRPr lang="en-US" dirty="0"/>
-          </a:p>
-          <a:p>
-            <a:r>
-              <a:rPr lang="en-US" dirty="0"/>
-              <a:t>All PUT, POST and DELETE calls are denied</a:t>
-            </a:r>
-          </a:p>
-          <a:p>
-            <a:pPr lvl="1"/>
-            <a:r>
-              <a:rPr lang="en-US" dirty="0"/>
-              <a:t>Apart from Administrator</a:t>
-            </a:r>
-          </a:p>
-          <a:p>
-            <a:r>
-              <a:rPr lang="en-US" dirty="0"/>
-              <a:t>User may query books and authors</a:t>
-            </a:r>
-          </a:p>
-          <a:p>
-            <a:pPr lvl="1"/>
-            <a:r>
-              <a:rPr lang="en-US" dirty="0"/>
-              <a:t>And own data</a:t>
-            </a:r>
-          </a:p>
-          <a:p>
-            <a:r>
-              <a:rPr lang="en-US" dirty="0"/>
-              <a:t>Separate service </a:t>
-            </a:r>
-            <a:r>
-              <a:rPr lang="en-US" dirty="0" err="1"/>
-              <a:t>api</a:t>
-            </a:r>
-            <a:r>
-              <a:rPr lang="en-US" dirty="0"/>
-              <a:t>/user</a:t>
-            </a:r>
-          </a:p>
-          <a:p>
-            <a:pPr lvl="1"/>
-            <a:r>
-              <a:rPr lang="en-US" dirty="0"/>
-              <a:t>PUT, login</a:t>
-            </a:r>
-          </a:p>
-          <a:p>
-            <a:pPr lvl="1"/>
-            <a:r>
-              <a:rPr lang="en-US" dirty="0"/>
-              <a:t>POST, add (register)</a:t>
-            </a:r>
-          </a:p>
-          <a:p>
-            <a:pPr lvl="1"/>
-            <a:r>
-              <a:rPr lang="en-US" dirty="0"/>
-              <a:t>GET, </a:t>
-            </a:r>
-          </a:p>
-          <a:p>
-            <a:endParaRPr lang="en-US" dirty="0"/>
-          </a:p>
-        </p:txBody>
-      </p:sp>
+        </p:nvPicPr>
+        <p:blipFill>
+          <a:blip r:embed="rId2"/>
+          <a:stretch>
+            <a:fillRect/>
+          </a:stretch>
+        </p:blipFill>
+        <p:spPr>
+          <a:xfrm>
+            <a:off x="838200" y="1690688"/>
+            <a:ext cx="3415293" cy="4351338"/>
+          </a:xfrm>
+          <a:prstGeom prst="rect">
+            <a:avLst/>
+          </a:prstGeom>
+        </p:spPr>
+      </p:pic>
+      <p:pic>
+        <p:nvPicPr>
+          <p:cNvPr id="5" name="Picture 4">
+            <a:extLst>
+              <a:ext uri="{FF2B5EF4-FFF2-40B4-BE49-F238E27FC236}">
+                <a16:creationId xmlns:a16="http://schemas.microsoft.com/office/drawing/2014/main" id="{AC8162C8-6008-4BB5-9562-F6A342DD26DF}"/>
+              </a:ext>
+            </a:extLst>
+          </p:cNvPr>
+          <p:cNvPicPr>
+            <a:picLocks noChangeAspect="1"/>
+          </p:cNvPicPr>
+          <p:nvPr/>
+        </p:nvPicPr>
+        <p:blipFill>
+          <a:blip r:embed="rId3"/>
+          <a:stretch>
+            <a:fillRect/>
+          </a:stretch>
+        </p:blipFill>
+        <p:spPr>
+          <a:xfrm>
+            <a:off x="5087779" y="1690688"/>
+            <a:ext cx="3362794" cy="4220164"/>
+          </a:xfrm>
+          <a:prstGeom prst="rect">
+            <a:avLst/>
+          </a:prstGeom>
+        </p:spPr>
+      </p:pic>
     </p:spTree>
     <p:extLst>
       <p:ext uri="{BB962C8B-B14F-4D97-AF65-F5344CB8AC3E}">
-        <p14:creationId xmlns:p14="http://schemas.microsoft.com/office/powerpoint/2010/main" val="3648463181"/>
+        <p14:creationId xmlns:p14="http://schemas.microsoft.com/office/powerpoint/2010/main" val="629504497"/>
       </p:ext>
     </p:extLst>
   </p:cSld>
@@ -6287,6 +5104,270 @@
 </file>
 
 <file path=ppt/slides/slide15.xml><?xml version="1.0" encoding="utf-8"?>
+<p:sld xmlns:a="http://schemas.openxmlformats.org/drawingml/2006/main" xmlns:r="http://schemas.openxmlformats.org/officeDocument/2006/relationships" xmlns:p="http://schemas.openxmlformats.org/presentationml/2006/main">
+  <p:cSld>
+    <p:bg>
+      <p:bgPr>
+        <a:solidFill>
+          <a:schemeClr val="bg1"/>
+        </a:solidFill>
+        <a:effectLst/>
+      </p:bgPr>
+    </p:bg>
+    <p:spTree>
+      <p:nvGrpSpPr>
+        <p:cNvPr id="1" name=""/>
+        <p:cNvGrpSpPr/>
+        <p:nvPr/>
+      </p:nvGrpSpPr>
+      <p:grpSpPr>
+        <a:xfrm>
+          <a:off x="0" y="0"/>
+          <a:ext cx="0" cy="0"/>
+          <a:chOff x="0" y="0"/>
+          <a:chExt cx="0" cy="0"/>
+        </a:xfrm>
+      </p:grpSpPr>
+      <p:sp>
+        <p:nvSpPr>
+          <p:cNvPr id="2" name="Title 1">
+            <a:extLst>
+              <a:ext uri="{FF2B5EF4-FFF2-40B4-BE49-F238E27FC236}">
+                <a16:creationId xmlns:a16="http://schemas.microsoft.com/office/drawing/2014/main" id="{CC325714-2A43-4D6C-98E0-295562B3CBD6}"/>
+              </a:ext>
+            </a:extLst>
+          </p:cNvPr>
+          <p:cNvSpPr>
+            <a:spLocks noGrp="1"/>
+          </p:cNvSpPr>
+          <p:nvPr>
+            <p:ph type="title" idx="4294967295"/>
+          </p:nvPr>
+        </p:nvSpPr>
+        <p:spPr>
+          <a:xfrm>
+            <a:off x="838200" y="365125"/>
+            <a:ext cx="10515600" cy="1325563"/>
+          </a:xfrm>
+        </p:spPr>
+        <p:txBody>
+          <a:bodyPr vert="horz" lIns="91440" tIns="45720" rIns="91440" bIns="45720" rtlCol="0" anchor="ctr">
+            <a:normAutofit/>
+          </a:bodyPr>
+          <a:lstStyle/>
+          <a:p>
+            <a:r>
+              <a:rPr lang="en-US" kern="1200" dirty="0">
+                <a:solidFill>
+                  <a:schemeClr val="tx1"/>
+                </a:solidFill>
+                <a:latin typeface="+mj-lt"/>
+                <a:ea typeface="+mj-ea"/>
+                <a:cs typeface="+mj-cs"/>
+              </a:rPr>
+              <a:t>Step 4: UI</a:t>
+            </a:r>
+          </a:p>
+        </p:txBody>
+      </p:sp>
+      <p:sp>
+        <p:nvSpPr>
+          <p:cNvPr id="4" name="Rectangle 3">
+            <a:extLst>
+              <a:ext uri="{FF2B5EF4-FFF2-40B4-BE49-F238E27FC236}">
+                <a16:creationId xmlns:a16="http://schemas.microsoft.com/office/drawing/2014/main" id="{C71C8FBD-726E-45A0-A65F-90D968F9DD28}"/>
+              </a:ext>
+            </a:extLst>
+          </p:cNvPr>
+          <p:cNvSpPr/>
+          <p:nvPr/>
+        </p:nvSpPr>
+        <p:spPr>
+          <a:xfrm>
+            <a:off x="838200" y="1825625"/>
+            <a:ext cx="3044687" cy="4351338"/>
+          </a:xfrm>
+          <a:prstGeom prst="rect">
+            <a:avLst/>
+          </a:prstGeom>
+        </p:spPr>
+        <p:txBody>
+          <a:bodyPr/>
+          <a:lstStyle/>
+          <a:p>
+            <a:pPr lvl="0">
+              <a:buChar char="•"/>
+            </a:pPr>
+            <a:r>
+              <a:rPr lang="fi-FI" sz="2000" dirty="0"/>
+              <a:t>main page </a:t>
+            </a:r>
+          </a:p>
+          <a:p>
+            <a:pPr lvl="1">
+              <a:buChar char="•"/>
+            </a:pPr>
+            <a:r>
+              <a:rPr lang="fi-FI" sz="2000" dirty="0"/>
+              <a:t>jobs list</a:t>
+            </a:r>
+            <a:endParaRPr lang="en-US" sz="2000" dirty="0"/>
+          </a:p>
+          <a:p>
+            <a:pPr lvl="2">
+              <a:buChar char="•"/>
+            </a:pPr>
+            <a:r>
+              <a:rPr lang="fi-FI" sz="2000" dirty="0"/>
+              <a:t>job detail</a:t>
+            </a:r>
+            <a:endParaRPr lang="en-US" sz="2000" dirty="0"/>
+          </a:p>
+          <a:p>
+            <a:pPr lvl="1">
+              <a:buChar char="•"/>
+            </a:pPr>
+            <a:r>
+              <a:rPr lang="fi-FI" sz="2000" dirty="0"/>
+              <a:t>companies list</a:t>
+            </a:r>
+            <a:endParaRPr lang="en-US" sz="2000" dirty="0"/>
+          </a:p>
+          <a:p>
+            <a:pPr lvl="2">
+              <a:buChar char="•"/>
+            </a:pPr>
+            <a:r>
+              <a:rPr lang="fi-FI" sz="2000" dirty="0"/>
+              <a:t>company detail</a:t>
+            </a:r>
+            <a:endParaRPr lang="en-US" sz="2000" dirty="0"/>
+          </a:p>
+          <a:p>
+            <a:pPr lvl="0">
+              <a:buChar char="•"/>
+            </a:pPr>
+            <a:r>
+              <a:rPr lang="fi-FI" sz="2000" dirty="0"/>
+              <a:t>login page</a:t>
+            </a:r>
+          </a:p>
+          <a:p>
+            <a:pPr lvl="1">
+              <a:buChar char="•"/>
+            </a:pPr>
+            <a:r>
+              <a:rPr lang="fi-FI" sz="2000" dirty="0"/>
+              <a:t>users list</a:t>
+            </a:r>
+            <a:endParaRPr lang="en-US" sz="2000" dirty="0"/>
+          </a:p>
+          <a:p>
+            <a:pPr lvl="1">
+              <a:buChar char="•"/>
+            </a:pPr>
+            <a:r>
+              <a:rPr lang="fi-FI" sz="2000" dirty="0"/>
+              <a:t>user detail</a:t>
+            </a:r>
+            <a:endParaRPr lang="en-US" sz="2000" dirty="0"/>
+          </a:p>
+          <a:p>
+            <a:pPr lvl="0">
+              <a:buChar char="•"/>
+            </a:pPr>
+            <a:r>
+              <a:rPr lang="fi-FI" sz="2000" dirty="0"/>
+              <a:t>user registration</a:t>
+            </a:r>
+            <a:endParaRPr lang="en-US" sz="2000" dirty="0"/>
+          </a:p>
+          <a:p>
+            <a:pPr lvl="0">
+              <a:buChar char="•"/>
+            </a:pPr>
+            <a:r>
+              <a:rPr lang="fi-FI" sz="2000" dirty="0"/>
+              <a:t>company registration</a:t>
+            </a:r>
+            <a:endParaRPr lang="en-US" sz="2000" dirty="0"/>
+          </a:p>
+        </p:txBody>
+      </p:sp>
+      <p:pic>
+        <p:nvPicPr>
+          <p:cNvPr id="5" name="Picture 4">
+            <a:extLst>
+              <a:ext uri="{FF2B5EF4-FFF2-40B4-BE49-F238E27FC236}">
+                <a16:creationId xmlns:a16="http://schemas.microsoft.com/office/drawing/2014/main" id="{1ADE37D4-653A-446D-A6E6-3BDFECD0B6F0}"/>
+              </a:ext>
+            </a:extLst>
+          </p:cNvPr>
+          <p:cNvPicPr>
+            <a:picLocks noChangeAspect="1"/>
+          </p:cNvPicPr>
+          <p:nvPr/>
+        </p:nvPicPr>
+        <p:blipFill>
+          <a:blip r:embed="rId2"/>
+          <a:stretch>
+            <a:fillRect/>
+          </a:stretch>
+        </p:blipFill>
+        <p:spPr>
+          <a:xfrm>
+            <a:off x="7737448" y="1690688"/>
+            <a:ext cx="2867425" cy="3267531"/>
+          </a:xfrm>
+          <a:prstGeom prst="rect">
+            <a:avLst/>
+          </a:prstGeom>
+        </p:spPr>
+      </p:pic>
+      <p:pic>
+        <p:nvPicPr>
+          <p:cNvPr id="6" name="Picture 5">
+            <a:extLst>
+              <a:ext uri="{FF2B5EF4-FFF2-40B4-BE49-F238E27FC236}">
+                <a16:creationId xmlns:a16="http://schemas.microsoft.com/office/drawing/2014/main" id="{5CA5D367-8486-417A-B8CC-8BE85C10959F}"/>
+              </a:ext>
+            </a:extLst>
+          </p:cNvPr>
+          <p:cNvPicPr>
+            <a:picLocks noChangeAspect="1"/>
+          </p:cNvPicPr>
+          <p:nvPr/>
+        </p:nvPicPr>
+        <p:blipFill>
+          <a:blip r:embed="rId3"/>
+          <a:stretch>
+            <a:fillRect/>
+          </a:stretch>
+        </p:blipFill>
+        <p:spPr>
+          <a:xfrm>
+            <a:off x="3882887" y="2147326"/>
+            <a:ext cx="3372321" cy="4029637"/>
+          </a:xfrm>
+          <a:prstGeom prst="rect">
+            <a:avLst/>
+          </a:prstGeom>
+        </p:spPr>
+      </p:pic>
+    </p:spTree>
+    <p:extLst>
+      <p:ext uri="{BB962C8B-B14F-4D97-AF65-F5344CB8AC3E}">
+        <p14:creationId xmlns:p14="http://schemas.microsoft.com/office/powerpoint/2010/main" val="3632734525"/>
+      </p:ext>
+    </p:extLst>
+  </p:cSld>
+  <p:clrMapOvr>
+    <a:masterClrMapping/>
+  </p:clrMapOvr>
+</p:sld>
+</file>
+
+<file path=ppt/slides/slide16.xml><?xml version="1.0" encoding="utf-8"?>
 <p:sld xmlns:a="http://schemas.openxmlformats.org/drawingml/2006/main" xmlns:r="http://schemas.openxmlformats.org/officeDocument/2006/relationships" xmlns:p="http://schemas.openxmlformats.org/presentationml/2006/main">
   <p:cSld>
     <p:spTree>
@@ -6308,6 +5389,1383 @@
           <p:cNvPr id="2" name="Title 1">
             <a:extLst>
               <a:ext uri="{FF2B5EF4-FFF2-40B4-BE49-F238E27FC236}">
+                <a16:creationId xmlns:a16="http://schemas.microsoft.com/office/drawing/2014/main" id="{CF5CE5A3-63ED-42DA-A51D-D7E8F98728CE}"/>
+              </a:ext>
+            </a:extLst>
+          </p:cNvPr>
+          <p:cNvSpPr>
+            <a:spLocks noGrp="1"/>
+          </p:cNvSpPr>
+          <p:nvPr>
+            <p:ph type="title"/>
+          </p:nvPr>
+        </p:nvSpPr>
+        <p:spPr>
+          <a:xfrm>
+            <a:off x="838200" y="365125"/>
+            <a:ext cx="10433538" cy="1109177"/>
+          </a:xfrm>
+        </p:spPr>
+        <p:txBody>
+          <a:bodyPr/>
+          <a:lstStyle/>
+          <a:p>
+            <a:r>
+              <a:rPr lang="fi-FI" dirty="0"/>
+              <a:t>Step 4:</a:t>
+            </a:r>
+            <a:endParaRPr lang="en-US" dirty="0"/>
+          </a:p>
+        </p:txBody>
+      </p:sp>
+      <p:sp>
+        <p:nvSpPr>
+          <p:cNvPr id="29" name="Suorakulmio 3">
+            <a:extLst>
+              <a:ext uri="{FF2B5EF4-FFF2-40B4-BE49-F238E27FC236}">
+                <a16:creationId xmlns:a16="http://schemas.microsoft.com/office/drawing/2014/main" id="{81C48E78-ACDD-452D-A4B2-5E322923198F}"/>
+              </a:ext>
+            </a:extLst>
+          </p:cNvPr>
+          <p:cNvSpPr/>
+          <p:nvPr/>
+        </p:nvSpPr>
+        <p:spPr>
+          <a:xfrm>
+            <a:off x="963260" y="1690688"/>
+            <a:ext cx="3420275" cy="4710112"/>
+          </a:xfrm>
+          <a:prstGeom prst="rect">
+            <a:avLst/>
+          </a:prstGeom>
+          <a:solidFill>
+            <a:schemeClr val="bg1"/>
+          </a:solidFill>
+        </p:spPr>
+        <p:style>
+          <a:lnRef idx="2">
+            <a:schemeClr val="accent1">
+              <a:shade val="50000"/>
+            </a:schemeClr>
+          </a:lnRef>
+          <a:fillRef idx="1">
+            <a:schemeClr val="accent1"/>
+          </a:fillRef>
+          <a:effectRef idx="0">
+            <a:schemeClr val="accent1"/>
+          </a:effectRef>
+          <a:fontRef idx="minor">
+            <a:schemeClr val="lt1"/>
+          </a:fontRef>
+        </p:style>
+        <p:txBody>
+          <a:bodyPr rtlCol="0" anchor="ctr"/>
+          <a:lstStyle/>
+          <a:p>
+            <a:pPr algn="ctr"/>
+            <a:endParaRPr lang="en-US" dirty="0"/>
+          </a:p>
+        </p:txBody>
+      </p:sp>
+      <p:sp>
+        <p:nvSpPr>
+          <p:cNvPr id="30" name="Tekstiruutu 4">
+            <a:extLst>
+              <a:ext uri="{FF2B5EF4-FFF2-40B4-BE49-F238E27FC236}">
+                <a16:creationId xmlns:a16="http://schemas.microsoft.com/office/drawing/2014/main" id="{DAA4FFF4-8130-4003-AE76-6D7558F6F627}"/>
+              </a:ext>
+            </a:extLst>
+          </p:cNvPr>
+          <p:cNvSpPr txBox="1"/>
+          <p:nvPr/>
+        </p:nvSpPr>
+        <p:spPr>
+          <a:xfrm>
+            <a:off x="963260" y="1732522"/>
+            <a:ext cx="1226618" cy="369332"/>
+          </a:xfrm>
+          <a:prstGeom prst="rect">
+            <a:avLst/>
+          </a:prstGeom>
+          <a:noFill/>
+        </p:spPr>
+        <p:txBody>
+          <a:bodyPr wrap="none" rtlCol="0">
+            <a:spAutoFit/>
+          </a:bodyPr>
+          <a:lstStyle/>
+          <a:p>
+            <a:r>
+              <a:rPr lang="fi-FI" u="sng" dirty="0"/>
+              <a:t>C</a:t>
+            </a:r>
+            <a:r>
+              <a:rPr lang="en-US" u="sng" dirty="0" err="1"/>
+              <a:t>ompanies</a:t>
+            </a:r>
+            <a:endParaRPr lang="en-US" u="sng" dirty="0"/>
+          </a:p>
+        </p:txBody>
+      </p:sp>
+      <p:sp>
+        <p:nvSpPr>
+          <p:cNvPr id="31" name="Tekstiruutu 5">
+            <a:extLst>
+              <a:ext uri="{FF2B5EF4-FFF2-40B4-BE49-F238E27FC236}">
+                <a16:creationId xmlns:a16="http://schemas.microsoft.com/office/drawing/2014/main" id="{8D5F1632-F565-4A5C-AD34-9302C9382482}"/>
+              </a:ext>
+            </a:extLst>
+          </p:cNvPr>
+          <p:cNvSpPr txBox="1"/>
+          <p:nvPr/>
+        </p:nvSpPr>
+        <p:spPr>
+          <a:xfrm>
+            <a:off x="2115633" y="1728626"/>
+            <a:ext cx="590675" cy="369332"/>
+          </a:xfrm>
+          <a:prstGeom prst="rect">
+            <a:avLst/>
+          </a:prstGeom>
+          <a:noFill/>
+        </p:spPr>
+        <p:txBody>
+          <a:bodyPr wrap="none" rtlCol="0">
+            <a:spAutoFit/>
+          </a:bodyPr>
+          <a:lstStyle/>
+          <a:p>
+            <a:r>
+              <a:rPr lang="en-US" dirty="0"/>
+              <a:t>Jobs</a:t>
+            </a:r>
+          </a:p>
+        </p:txBody>
+      </p:sp>
+      <p:sp>
+        <p:nvSpPr>
+          <p:cNvPr id="32" name="Tekstiruutu 6">
+            <a:extLst>
+              <a:ext uri="{FF2B5EF4-FFF2-40B4-BE49-F238E27FC236}">
+                <a16:creationId xmlns:a16="http://schemas.microsoft.com/office/drawing/2014/main" id="{5C9EC3C6-7074-433F-8B5A-698F199C0B13}"/>
+              </a:ext>
+            </a:extLst>
+          </p:cNvPr>
+          <p:cNvSpPr txBox="1"/>
+          <p:nvPr/>
+        </p:nvSpPr>
+        <p:spPr>
+          <a:xfrm>
+            <a:off x="2716293" y="1746896"/>
+            <a:ext cx="703269" cy="369332"/>
+          </a:xfrm>
+          <a:prstGeom prst="rect">
+            <a:avLst/>
+          </a:prstGeom>
+          <a:noFill/>
+        </p:spPr>
+        <p:txBody>
+          <a:bodyPr wrap="none" rtlCol="0">
+            <a:spAutoFit/>
+          </a:bodyPr>
+          <a:lstStyle/>
+          <a:p>
+            <a:r>
+              <a:rPr lang="en-US" dirty="0"/>
+              <a:t>Users</a:t>
+            </a:r>
+          </a:p>
+        </p:txBody>
+      </p:sp>
+      <p:sp>
+        <p:nvSpPr>
+          <p:cNvPr id="33" name="Suorakulmio 7">
+            <a:extLst>
+              <a:ext uri="{FF2B5EF4-FFF2-40B4-BE49-F238E27FC236}">
+                <a16:creationId xmlns:a16="http://schemas.microsoft.com/office/drawing/2014/main" id="{927791EA-3F1A-4F4C-91C6-278233E57A77}"/>
+              </a:ext>
+            </a:extLst>
+          </p:cNvPr>
+          <p:cNvSpPr/>
+          <p:nvPr/>
+        </p:nvSpPr>
+        <p:spPr>
+          <a:xfrm>
+            <a:off x="1011083" y="2258396"/>
+            <a:ext cx="3246936" cy="773306"/>
+          </a:xfrm>
+          <a:prstGeom prst="rect">
+            <a:avLst/>
+          </a:prstGeom>
+          <a:solidFill>
+            <a:schemeClr val="bg1"/>
+          </a:solidFill>
+        </p:spPr>
+        <p:style>
+          <a:lnRef idx="2">
+            <a:schemeClr val="accent1">
+              <a:shade val="50000"/>
+            </a:schemeClr>
+          </a:lnRef>
+          <a:fillRef idx="1">
+            <a:schemeClr val="accent1"/>
+          </a:fillRef>
+          <a:effectRef idx="0">
+            <a:schemeClr val="accent1"/>
+          </a:effectRef>
+          <a:fontRef idx="minor">
+            <a:schemeClr val="lt1"/>
+          </a:fontRef>
+        </p:style>
+        <p:txBody>
+          <a:bodyPr rtlCol="0" anchor="ctr"/>
+          <a:lstStyle/>
+          <a:p>
+            <a:pPr algn="ctr"/>
+            <a:endParaRPr lang="en-US" dirty="0"/>
+          </a:p>
+        </p:txBody>
+      </p:sp>
+      <p:sp>
+        <p:nvSpPr>
+          <p:cNvPr id="34" name="Tekstiruutu 8">
+            <a:extLst>
+              <a:ext uri="{FF2B5EF4-FFF2-40B4-BE49-F238E27FC236}">
+                <a16:creationId xmlns:a16="http://schemas.microsoft.com/office/drawing/2014/main" id="{D372C3EA-A0C0-402B-83CB-4A4E2A958D1C}"/>
+              </a:ext>
+            </a:extLst>
+          </p:cNvPr>
+          <p:cNvSpPr txBox="1"/>
+          <p:nvPr/>
+        </p:nvSpPr>
+        <p:spPr>
+          <a:xfrm>
+            <a:off x="1144870" y="2306796"/>
+            <a:ext cx="2463994" cy="646331"/>
+          </a:xfrm>
+          <a:prstGeom prst="rect">
+            <a:avLst/>
+          </a:prstGeom>
+          <a:noFill/>
+        </p:spPr>
+        <p:txBody>
+          <a:bodyPr wrap="square" rtlCol="0">
+            <a:spAutoFit/>
+          </a:bodyPr>
+          <a:lstStyle/>
+          <a:p>
+            <a:r>
+              <a:rPr lang="en-US" dirty="0"/>
+              <a:t>Lauri</a:t>
+            </a:r>
+            <a:br>
+              <a:rPr lang="en-US" dirty="0"/>
+            </a:br>
+            <a:endParaRPr lang="en-US" dirty="0"/>
+          </a:p>
+        </p:txBody>
+      </p:sp>
+      <p:sp>
+        <p:nvSpPr>
+          <p:cNvPr id="35" name="Tekstiruutu 9">
+            <a:extLst>
+              <a:ext uri="{FF2B5EF4-FFF2-40B4-BE49-F238E27FC236}">
+                <a16:creationId xmlns:a16="http://schemas.microsoft.com/office/drawing/2014/main" id="{E980404A-E4F1-472C-A25E-94BA266DB072}"/>
+              </a:ext>
+            </a:extLst>
+          </p:cNvPr>
+          <p:cNvSpPr txBox="1"/>
+          <p:nvPr/>
+        </p:nvSpPr>
+        <p:spPr>
+          <a:xfrm>
+            <a:off x="3504557" y="2352962"/>
+            <a:ext cx="683264" cy="523220"/>
+          </a:xfrm>
+          <a:prstGeom prst="rect">
+            <a:avLst/>
+          </a:prstGeom>
+          <a:noFill/>
+        </p:spPr>
+        <p:txBody>
+          <a:bodyPr wrap="none" rtlCol="0">
+            <a:spAutoFit/>
+          </a:bodyPr>
+          <a:lstStyle/>
+          <a:p>
+            <a:pPr algn="r"/>
+            <a:r>
+              <a:rPr lang="en-US" sz="1400" dirty="0"/>
+              <a:t>Details</a:t>
+            </a:r>
+          </a:p>
+          <a:p>
+            <a:pPr algn="r"/>
+            <a:r>
+              <a:rPr lang="en-US" sz="1400" dirty="0"/>
+              <a:t>Edit</a:t>
+            </a:r>
+          </a:p>
+        </p:txBody>
+      </p:sp>
+      <p:sp>
+        <p:nvSpPr>
+          <p:cNvPr id="36" name="Suorakulmio 11">
+            <a:extLst>
+              <a:ext uri="{FF2B5EF4-FFF2-40B4-BE49-F238E27FC236}">
+                <a16:creationId xmlns:a16="http://schemas.microsoft.com/office/drawing/2014/main" id="{4F33F159-F0B3-4032-B3F1-2F1B0043C070}"/>
+              </a:ext>
+            </a:extLst>
+          </p:cNvPr>
+          <p:cNvSpPr/>
+          <p:nvPr/>
+        </p:nvSpPr>
+        <p:spPr>
+          <a:xfrm>
+            <a:off x="1011083" y="3181678"/>
+            <a:ext cx="3246936" cy="1253786"/>
+          </a:xfrm>
+          <a:prstGeom prst="rect">
+            <a:avLst/>
+          </a:prstGeom>
+          <a:solidFill>
+            <a:schemeClr val="bg1"/>
+          </a:solidFill>
+        </p:spPr>
+        <p:style>
+          <a:lnRef idx="2">
+            <a:schemeClr val="accent1">
+              <a:shade val="50000"/>
+            </a:schemeClr>
+          </a:lnRef>
+          <a:fillRef idx="1">
+            <a:schemeClr val="accent1"/>
+          </a:fillRef>
+          <a:effectRef idx="0">
+            <a:schemeClr val="accent1"/>
+          </a:effectRef>
+          <a:fontRef idx="minor">
+            <a:schemeClr val="lt1"/>
+          </a:fontRef>
+        </p:style>
+        <p:txBody>
+          <a:bodyPr rtlCol="0" anchor="ctr"/>
+          <a:lstStyle/>
+          <a:p>
+            <a:pPr algn="ctr"/>
+            <a:endParaRPr lang="en-US" dirty="0"/>
+          </a:p>
+        </p:txBody>
+      </p:sp>
+      <p:sp>
+        <p:nvSpPr>
+          <p:cNvPr id="37" name="Tekstiruutu 12">
+            <a:extLst>
+              <a:ext uri="{FF2B5EF4-FFF2-40B4-BE49-F238E27FC236}">
+                <a16:creationId xmlns:a16="http://schemas.microsoft.com/office/drawing/2014/main" id="{70890CA3-CA5A-4542-B4ED-80B5A1773DDE}"/>
+              </a:ext>
+            </a:extLst>
+          </p:cNvPr>
+          <p:cNvSpPr txBox="1"/>
+          <p:nvPr/>
+        </p:nvSpPr>
+        <p:spPr>
+          <a:xfrm>
+            <a:off x="1144870" y="3230078"/>
+            <a:ext cx="2463994" cy="615553"/>
+          </a:xfrm>
+          <a:prstGeom prst="rect">
+            <a:avLst/>
+          </a:prstGeom>
+          <a:noFill/>
+        </p:spPr>
+        <p:txBody>
+          <a:bodyPr wrap="square" rtlCol="0">
+            <a:spAutoFit/>
+          </a:bodyPr>
+          <a:lstStyle/>
+          <a:p>
+            <a:r>
+              <a:rPr lang="en-US" dirty="0" err="1"/>
+              <a:t>lauri</a:t>
+            </a:r>
+            <a:br>
+              <a:rPr lang="en-US" dirty="0"/>
+            </a:br>
+            <a:r>
+              <a:rPr lang="en-US" sz="1600" dirty="0"/>
+              <a:t>lauri@Hotmail.com</a:t>
+            </a:r>
+            <a:endParaRPr lang="en-US" dirty="0"/>
+          </a:p>
+        </p:txBody>
+      </p:sp>
+      <p:sp>
+        <p:nvSpPr>
+          <p:cNvPr id="38" name="Tekstiruutu 13">
+            <a:extLst>
+              <a:ext uri="{FF2B5EF4-FFF2-40B4-BE49-F238E27FC236}">
+                <a16:creationId xmlns:a16="http://schemas.microsoft.com/office/drawing/2014/main" id="{D40458B3-E562-4BD4-B1E2-11609C1C5EBD}"/>
+              </a:ext>
+            </a:extLst>
+          </p:cNvPr>
+          <p:cNvSpPr txBox="1"/>
+          <p:nvPr/>
+        </p:nvSpPr>
+        <p:spPr>
+          <a:xfrm>
+            <a:off x="3126247" y="3276244"/>
+            <a:ext cx="1061574" cy="523220"/>
+          </a:xfrm>
+          <a:prstGeom prst="rect">
+            <a:avLst/>
+          </a:prstGeom>
+          <a:noFill/>
+        </p:spPr>
+        <p:txBody>
+          <a:bodyPr wrap="none" rtlCol="0">
+            <a:spAutoFit/>
+          </a:bodyPr>
+          <a:lstStyle/>
+          <a:p>
+            <a:pPr algn="r"/>
+            <a:r>
+              <a:rPr lang="en-US" sz="1400" dirty="0"/>
+              <a:t>Hide Details</a:t>
+            </a:r>
+          </a:p>
+          <a:p>
+            <a:pPr algn="r"/>
+            <a:r>
+              <a:rPr lang="en-US" sz="1400" dirty="0"/>
+              <a:t>Edit</a:t>
+            </a:r>
+          </a:p>
+        </p:txBody>
+      </p:sp>
+      <p:sp>
+        <p:nvSpPr>
+          <p:cNvPr id="39" name="Tekstiruutu 14">
+            <a:extLst>
+              <a:ext uri="{FF2B5EF4-FFF2-40B4-BE49-F238E27FC236}">
+                <a16:creationId xmlns:a16="http://schemas.microsoft.com/office/drawing/2014/main" id="{4ADBC63A-CE65-4AC0-8BB7-0BA6D9CB8F7E}"/>
+              </a:ext>
+            </a:extLst>
+          </p:cNvPr>
+          <p:cNvSpPr txBox="1"/>
+          <p:nvPr/>
+        </p:nvSpPr>
+        <p:spPr>
+          <a:xfrm>
+            <a:off x="1299057" y="3799464"/>
+            <a:ext cx="881780" cy="523220"/>
+          </a:xfrm>
+          <a:prstGeom prst="rect">
+            <a:avLst/>
+          </a:prstGeom>
+          <a:noFill/>
+        </p:spPr>
+        <p:txBody>
+          <a:bodyPr wrap="none" rtlCol="0">
+            <a:spAutoFit/>
+          </a:bodyPr>
+          <a:lstStyle/>
+          <a:p>
+            <a:r>
+              <a:rPr lang="en-US" sz="1400" dirty="0"/>
+              <a:t>phone</a:t>
+            </a:r>
+          </a:p>
+          <a:p>
+            <a:r>
+              <a:rPr lang="en-US" sz="1400" dirty="0"/>
+              <a:t>password</a:t>
+            </a:r>
+          </a:p>
+        </p:txBody>
+      </p:sp>
+      <p:sp>
+        <p:nvSpPr>
+          <p:cNvPr id="40" name="Suorakulmio 15">
+            <a:extLst>
+              <a:ext uri="{FF2B5EF4-FFF2-40B4-BE49-F238E27FC236}">
+                <a16:creationId xmlns:a16="http://schemas.microsoft.com/office/drawing/2014/main" id="{48948726-3B3C-48F2-ACEF-C8169CC4FCC2}"/>
+              </a:ext>
+            </a:extLst>
+          </p:cNvPr>
+          <p:cNvSpPr/>
+          <p:nvPr/>
+        </p:nvSpPr>
+        <p:spPr>
+          <a:xfrm>
+            <a:off x="1011083" y="4557986"/>
+            <a:ext cx="3246936" cy="1720291"/>
+          </a:xfrm>
+          <a:prstGeom prst="rect">
+            <a:avLst/>
+          </a:prstGeom>
+          <a:solidFill>
+            <a:schemeClr val="bg1"/>
+          </a:solidFill>
+        </p:spPr>
+        <p:style>
+          <a:lnRef idx="2">
+            <a:schemeClr val="accent1">
+              <a:shade val="50000"/>
+            </a:schemeClr>
+          </a:lnRef>
+          <a:fillRef idx="1">
+            <a:schemeClr val="accent1"/>
+          </a:fillRef>
+          <a:effectRef idx="0">
+            <a:schemeClr val="accent1"/>
+          </a:effectRef>
+          <a:fontRef idx="minor">
+            <a:schemeClr val="lt1"/>
+          </a:fontRef>
+        </p:style>
+        <p:txBody>
+          <a:bodyPr rtlCol="0" anchor="ctr"/>
+          <a:lstStyle/>
+          <a:p>
+            <a:pPr algn="ctr"/>
+            <a:endParaRPr lang="en-US" dirty="0"/>
+          </a:p>
+        </p:txBody>
+      </p:sp>
+      <p:sp>
+        <p:nvSpPr>
+          <p:cNvPr id="41" name="Suorakulmio 18">
+            <a:extLst>
+              <a:ext uri="{FF2B5EF4-FFF2-40B4-BE49-F238E27FC236}">
+                <a16:creationId xmlns:a16="http://schemas.microsoft.com/office/drawing/2014/main" id="{4876E0B9-3209-41A3-8607-84E4BB892D66}"/>
+              </a:ext>
+            </a:extLst>
+          </p:cNvPr>
+          <p:cNvSpPr/>
+          <p:nvPr/>
+        </p:nvSpPr>
+        <p:spPr>
+          <a:xfrm>
+            <a:off x="1210600" y="4716725"/>
+            <a:ext cx="2847902" cy="265246"/>
+          </a:xfrm>
+          <a:prstGeom prst="rect">
+            <a:avLst/>
+          </a:prstGeom>
+          <a:solidFill>
+            <a:schemeClr val="bg1"/>
+          </a:solidFill>
+        </p:spPr>
+        <p:style>
+          <a:lnRef idx="2">
+            <a:schemeClr val="accent1">
+              <a:shade val="50000"/>
+            </a:schemeClr>
+          </a:lnRef>
+          <a:fillRef idx="1">
+            <a:schemeClr val="accent1"/>
+          </a:fillRef>
+          <a:effectRef idx="0">
+            <a:schemeClr val="accent1"/>
+          </a:effectRef>
+          <a:fontRef idx="minor">
+            <a:schemeClr val="lt1"/>
+          </a:fontRef>
+        </p:style>
+        <p:txBody>
+          <a:bodyPr rtlCol="0" anchor="ctr"/>
+          <a:lstStyle/>
+          <a:p>
+            <a:r>
+              <a:rPr lang="fi-FI" dirty="0">
+                <a:solidFill>
+                  <a:schemeClr val="tx1"/>
+                </a:solidFill>
+              </a:rPr>
+              <a:t>L</a:t>
+            </a:r>
+            <a:r>
+              <a:rPr lang="en-US" dirty="0" err="1">
+                <a:solidFill>
+                  <a:schemeClr val="tx1"/>
+                </a:solidFill>
+              </a:rPr>
+              <a:t>auri</a:t>
+            </a:r>
+            <a:endParaRPr lang="en-US" dirty="0">
+              <a:solidFill>
+                <a:schemeClr val="tx1"/>
+              </a:solidFill>
+            </a:endParaRPr>
+          </a:p>
+        </p:txBody>
+      </p:sp>
+      <p:sp>
+        <p:nvSpPr>
+          <p:cNvPr id="42" name="Suorakulmio 19">
+            <a:extLst>
+              <a:ext uri="{FF2B5EF4-FFF2-40B4-BE49-F238E27FC236}">
+                <a16:creationId xmlns:a16="http://schemas.microsoft.com/office/drawing/2014/main" id="{B5F41262-D058-4FD5-8BDB-9002D735D307}"/>
+              </a:ext>
+            </a:extLst>
+          </p:cNvPr>
+          <p:cNvSpPr/>
+          <p:nvPr/>
+        </p:nvSpPr>
+        <p:spPr>
+          <a:xfrm>
+            <a:off x="1210600" y="5001271"/>
+            <a:ext cx="2847902" cy="265246"/>
+          </a:xfrm>
+          <a:prstGeom prst="rect">
+            <a:avLst/>
+          </a:prstGeom>
+          <a:solidFill>
+            <a:schemeClr val="bg1"/>
+          </a:solidFill>
+        </p:spPr>
+        <p:style>
+          <a:lnRef idx="2">
+            <a:schemeClr val="accent1">
+              <a:shade val="50000"/>
+            </a:schemeClr>
+          </a:lnRef>
+          <a:fillRef idx="1">
+            <a:schemeClr val="accent1"/>
+          </a:fillRef>
+          <a:effectRef idx="0">
+            <a:schemeClr val="accent1"/>
+          </a:effectRef>
+          <a:fontRef idx="minor">
+            <a:schemeClr val="lt1"/>
+          </a:fontRef>
+        </p:style>
+        <p:txBody>
+          <a:bodyPr rtlCol="0" anchor="ctr"/>
+          <a:lstStyle/>
+          <a:p>
+            <a:r>
+              <a:rPr lang="fi-FI" dirty="0">
+                <a:solidFill>
+                  <a:schemeClr val="tx1"/>
+                </a:solidFill>
+              </a:rPr>
+              <a:t>L</a:t>
+            </a:r>
+            <a:r>
+              <a:rPr lang="en-US" dirty="0" err="1">
+                <a:solidFill>
+                  <a:schemeClr val="tx1"/>
+                </a:solidFill>
+              </a:rPr>
+              <a:t>ee</a:t>
+            </a:r>
+            <a:endParaRPr lang="en-US" dirty="0">
+              <a:solidFill>
+                <a:schemeClr val="tx1"/>
+              </a:solidFill>
+            </a:endParaRPr>
+          </a:p>
+        </p:txBody>
+      </p:sp>
+      <p:sp>
+        <p:nvSpPr>
+          <p:cNvPr id="43" name="Suorakulmio 20">
+            <a:extLst>
+              <a:ext uri="{FF2B5EF4-FFF2-40B4-BE49-F238E27FC236}">
+                <a16:creationId xmlns:a16="http://schemas.microsoft.com/office/drawing/2014/main" id="{9CBE1F89-D88D-434F-804A-4902B125F6FB}"/>
+              </a:ext>
+            </a:extLst>
+          </p:cNvPr>
+          <p:cNvSpPr/>
+          <p:nvPr/>
+        </p:nvSpPr>
+        <p:spPr>
+          <a:xfrm>
+            <a:off x="1210600" y="5331293"/>
+            <a:ext cx="2847902" cy="265246"/>
+          </a:xfrm>
+          <a:prstGeom prst="rect">
+            <a:avLst/>
+          </a:prstGeom>
+          <a:solidFill>
+            <a:schemeClr val="bg1"/>
+          </a:solidFill>
+        </p:spPr>
+        <p:style>
+          <a:lnRef idx="2">
+            <a:schemeClr val="accent1">
+              <a:shade val="50000"/>
+            </a:schemeClr>
+          </a:lnRef>
+          <a:fillRef idx="1">
+            <a:schemeClr val="accent1"/>
+          </a:fillRef>
+          <a:effectRef idx="0">
+            <a:schemeClr val="accent1"/>
+          </a:effectRef>
+          <a:fontRef idx="minor">
+            <a:schemeClr val="lt1"/>
+          </a:fontRef>
+        </p:style>
+        <p:txBody>
+          <a:bodyPr rtlCol="0" anchor="ctr"/>
+          <a:lstStyle/>
+          <a:p>
+            <a:r>
+              <a:rPr lang="fi-FI" dirty="0">
+                <a:solidFill>
+                  <a:schemeClr val="tx1"/>
+                </a:solidFill>
+              </a:rPr>
+              <a:t>e</a:t>
+            </a:r>
+            <a:r>
+              <a:rPr lang="en-US" dirty="0">
+                <a:solidFill>
+                  <a:schemeClr val="tx1"/>
+                </a:solidFill>
+              </a:rPr>
+              <a:t>mail</a:t>
+            </a:r>
+          </a:p>
+        </p:txBody>
+      </p:sp>
+      <p:sp>
+        <p:nvSpPr>
+          <p:cNvPr id="44" name="Suorakulmio 21">
+            <a:extLst>
+              <a:ext uri="{FF2B5EF4-FFF2-40B4-BE49-F238E27FC236}">
+                <a16:creationId xmlns:a16="http://schemas.microsoft.com/office/drawing/2014/main" id="{304A736A-797F-4321-9EF1-86252A908355}"/>
+              </a:ext>
+            </a:extLst>
+          </p:cNvPr>
+          <p:cNvSpPr/>
+          <p:nvPr/>
+        </p:nvSpPr>
+        <p:spPr>
+          <a:xfrm>
+            <a:off x="1210600" y="5635139"/>
+            <a:ext cx="2847902" cy="265246"/>
+          </a:xfrm>
+          <a:prstGeom prst="rect">
+            <a:avLst/>
+          </a:prstGeom>
+          <a:solidFill>
+            <a:schemeClr val="bg1"/>
+          </a:solidFill>
+        </p:spPr>
+        <p:style>
+          <a:lnRef idx="2">
+            <a:schemeClr val="accent1">
+              <a:shade val="50000"/>
+            </a:schemeClr>
+          </a:lnRef>
+          <a:fillRef idx="1">
+            <a:schemeClr val="accent1"/>
+          </a:fillRef>
+          <a:effectRef idx="0">
+            <a:schemeClr val="accent1"/>
+          </a:effectRef>
+          <a:fontRef idx="minor">
+            <a:schemeClr val="lt1"/>
+          </a:fontRef>
+        </p:style>
+        <p:txBody>
+          <a:bodyPr rtlCol="0" anchor="ctr"/>
+          <a:lstStyle/>
+          <a:p>
+            <a:r>
+              <a:rPr lang="fi-FI" dirty="0">
+                <a:solidFill>
+                  <a:schemeClr val="tx1"/>
+                </a:solidFill>
+              </a:rPr>
+              <a:t>n</a:t>
+            </a:r>
+            <a:r>
+              <a:rPr lang="en-US" dirty="0" err="1">
+                <a:solidFill>
+                  <a:schemeClr val="tx1"/>
+                </a:solidFill>
+              </a:rPr>
+              <a:t>ame</a:t>
+            </a:r>
+            <a:endParaRPr lang="en-US" dirty="0">
+              <a:solidFill>
+                <a:schemeClr val="tx1"/>
+              </a:solidFill>
+            </a:endParaRPr>
+          </a:p>
+        </p:txBody>
+      </p:sp>
+      <p:sp>
+        <p:nvSpPr>
+          <p:cNvPr id="45" name="Tekstiruutu 22">
+            <a:extLst>
+              <a:ext uri="{FF2B5EF4-FFF2-40B4-BE49-F238E27FC236}">
+                <a16:creationId xmlns:a16="http://schemas.microsoft.com/office/drawing/2014/main" id="{7F013DD7-174C-41D7-84E7-3F5560DBABB3}"/>
+              </a:ext>
+            </a:extLst>
+          </p:cNvPr>
+          <p:cNvSpPr txBox="1"/>
+          <p:nvPr/>
+        </p:nvSpPr>
+        <p:spPr>
+          <a:xfrm>
+            <a:off x="1366348" y="5966604"/>
+            <a:ext cx="519822" cy="307777"/>
+          </a:xfrm>
+          <a:prstGeom prst="rect">
+            <a:avLst/>
+          </a:prstGeom>
+          <a:noFill/>
+        </p:spPr>
+        <p:txBody>
+          <a:bodyPr wrap="none" rtlCol="0">
+            <a:spAutoFit/>
+          </a:bodyPr>
+          <a:lstStyle/>
+          <a:p>
+            <a:r>
+              <a:rPr lang="en-US" sz="1400" dirty="0"/>
+              <a:t>Save</a:t>
+            </a:r>
+          </a:p>
+        </p:txBody>
+      </p:sp>
+      <p:sp>
+        <p:nvSpPr>
+          <p:cNvPr id="46" name="Tekstiruutu 23">
+            <a:extLst>
+              <a:ext uri="{FF2B5EF4-FFF2-40B4-BE49-F238E27FC236}">
+                <a16:creationId xmlns:a16="http://schemas.microsoft.com/office/drawing/2014/main" id="{9BC6691D-AE4D-4E61-AA86-C88B54B97C50}"/>
+              </a:ext>
+            </a:extLst>
+          </p:cNvPr>
+          <p:cNvSpPr txBox="1"/>
+          <p:nvPr/>
+        </p:nvSpPr>
+        <p:spPr>
+          <a:xfrm>
+            <a:off x="2015582" y="5966604"/>
+            <a:ext cx="722570" cy="307777"/>
+          </a:xfrm>
+          <a:prstGeom prst="rect">
+            <a:avLst/>
+          </a:prstGeom>
+          <a:noFill/>
+        </p:spPr>
+        <p:txBody>
+          <a:bodyPr wrap="none" rtlCol="0">
+            <a:spAutoFit/>
+          </a:bodyPr>
+          <a:lstStyle/>
+          <a:p>
+            <a:r>
+              <a:rPr lang="en-US" sz="1400" dirty="0"/>
+              <a:t>Discard</a:t>
+            </a:r>
+          </a:p>
+        </p:txBody>
+      </p:sp>
+      <p:sp>
+        <p:nvSpPr>
+          <p:cNvPr id="47" name="Suorakulmio 24">
+            <a:extLst>
+              <a:ext uri="{FF2B5EF4-FFF2-40B4-BE49-F238E27FC236}">
+                <a16:creationId xmlns:a16="http://schemas.microsoft.com/office/drawing/2014/main" id="{220E08EE-9997-4E88-BB90-422CBBAAA71B}"/>
+              </a:ext>
+            </a:extLst>
+          </p:cNvPr>
+          <p:cNvSpPr/>
+          <p:nvPr/>
+        </p:nvSpPr>
+        <p:spPr>
+          <a:xfrm>
+            <a:off x="5914641" y="1027906"/>
+            <a:ext cx="3420275" cy="816677"/>
+          </a:xfrm>
+          <a:prstGeom prst="rect">
+            <a:avLst/>
+          </a:prstGeom>
+        </p:spPr>
+        <p:style>
+          <a:lnRef idx="2">
+            <a:schemeClr val="accent1">
+              <a:shade val="50000"/>
+            </a:schemeClr>
+          </a:lnRef>
+          <a:fillRef idx="1">
+            <a:schemeClr val="accent1"/>
+          </a:fillRef>
+          <a:effectRef idx="0">
+            <a:schemeClr val="accent1"/>
+          </a:effectRef>
+          <a:fontRef idx="minor">
+            <a:schemeClr val="lt1"/>
+          </a:fontRef>
+        </p:style>
+        <p:txBody>
+          <a:bodyPr rtlCol="0" anchor="ctr"/>
+          <a:lstStyle/>
+          <a:p>
+            <a:pPr algn="ctr"/>
+            <a:r>
+              <a:rPr lang="en-US" dirty="0"/>
+              <a:t>Option only available for </a:t>
+            </a:r>
+            <a:r>
+              <a:rPr lang="en-US" dirty="0" err="1"/>
+              <a:t>administor</a:t>
+            </a:r>
+            <a:endParaRPr lang="en-US" dirty="0"/>
+          </a:p>
+        </p:txBody>
+      </p:sp>
+      <p:cxnSp>
+        <p:nvCxnSpPr>
+          <p:cNvPr id="48" name="Suora nuoliyhdysviiva 26">
+            <a:extLst>
+              <a:ext uri="{FF2B5EF4-FFF2-40B4-BE49-F238E27FC236}">
+                <a16:creationId xmlns:a16="http://schemas.microsoft.com/office/drawing/2014/main" id="{B4DE637F-74BB-42EC-94D7-A07226CF03E2}"/>
+              </a:ext>
+            </a:extLst>
+          </p:cNvPr>
+          <p:cNvCxnSpPr>
+            <a:stCxn id="47" idx="1"/>
+            <a:endCxn id="32" idx="3"/>
+          </p:cNvCxnSpPr>
+          <p:nvPr/>
+        </p:nvCxnSpPr>
+        <p:spPr>
+          <a:xfrm flipH="1">
+            <a:off x="3419562" y="1436245"/>
+            <a:ext cx="2495079" cy="495317"/>
+          </a:xfrm>
+          <a:prstGeom prst="straightConnector1">
+            <a:avLst/>
+          </a:prstGeom>
+          <a:ln>
+            <a:tailEnd type="triangle"/>
+          </a:ln>
+        </p:spPr>
+        <p:style>
+          <a:lnRef idx="1">
+            <a:schemeClr val="accent1"/>
+          </a:lnRef>
+          <a:fillRef idx="0">
+            <a:schemeClr val="accent1"/>
+          </a:fillRef>
+          <a:effectRef idx="0">
+            <a:schemeClr val="accent1"/>
+          </a:effectRef>
+          <a:fontRef idx="minor">
+            <a:schemeClr val="tx1"/>
+          </a:fontRef>
+        </p:style>
+      </p:cxnSp>
+      <p:cxnSp>
+        <p:nvCxnSpPr>
+          <p:cNvPr id="49" name="Suora nuoliyhdysviiva 28">
+            <a:extLst>
+              <a:ext uri="{FF2B5EF4-FFF2-40B4-BE49-F238E27FC236}">
+                <a16:creationId xmlns:a16="http://schemas.microsoft.com/office/drawing/2014/main" id="{7BCD48DA-4A15-4844-9D5F-4868B270561C}"/>
+              </a:ext>
+            </a:extLst>
+          </p:cNvPr>
+          <p:cNvCxnSpPr/>
+          <p:nvPr/>
+        </p:nvCxnSpPr>
+        <p:spPr>
+          <a:xfrm flipH="1">
+            <a:off x="4118290" y="1562230"/>
+            <a:ext cx="1563554" cy="1204735"/>
+          </a:xfrm>
+          <a:prstGeom prst="straightConnector1">
+            <a:avLst/>
+          </a:prstGeom>
+          <a:ln>
+            <a:tailEnd type="triangle"/>
+          </a:ln>
+        </p:spPr>
+        <p:style>
+          <a:lnRef idx="1">
+            <a:schemeClr val="accent1"/>
+          </a:lnRef>
+          <a:fillRef idx="0">
+            <a:schemeClr val="accent1"/>
+          </a:fillRef>
+          <a:effectRef idx="0">
+            <a:schemeClr val="accent1"/>
+          </a:effectRef>
+          <a:fontRef idx="minor">
+            <a:schemeClr val="tx1"/>
+          </a:fontRef>
+        </p:style>
+      </p:cxnSp>
+      <p:sp>
+        <p:nvSpPr>
+          <p:cNvPr id="50" name="Tekstiruutu 29">
+            <a:extLst>
+              <a:ext uri="{FF2B5EF4-FFF2-40B4-BE49-F238E27FC236}">
+                <a16:creationId xmlns:a16="http://schemas.microsoft.com/office/drawing/2014/main" id="{96E99C7D-22BA-4091-B23D-347DEFEFB21C}"/>
+              </a:ext>
+            </a:extLst>
+          </p:cNvPr>
+          <p:cNvSpPr txBox="1"/>
+          <p:nvPr/>
+        </p:nvSpPr>
+        <p:spPr>
+          <a:xfrm>
+            <a:off x="3394218" y="5935442"/>
+            <a:ext cx="664284" cy="307777"/>
+          </a:xfrm>
+          <a:prstGeom prst="rect">
+            <a:avLst/>
+          </a:prstGeom>
+          <a:noFill/>
+        </p:spPr>
+        <p:txBody>
+          <a:bodyPr wrap="none" rtlCol="0">
+            <a:spAutoFit/>
+          </a:bodyPr>
+          <a:lstStyle/>
+          <a:p>
+            <a:r>
+              <a:rPr lang="en-US" sz="1400" dirty="0"/>
+              <a:t>Delete</a:t>
+            </a:r>
+          </a:p>
+        </p:txBody>
+      </p:sp>
+      <p:sp>
+        <p:nvSpPr>
+          <p:cNvPr id="51" name="Tekstiruutu 30">
+            <a:extLst>
+              <a:ext uri="{FF2B5EF4-FFF2-40B4-BE49-F238E27FC236}">
+                <a16:creationId xmlns:a16="http://schemas.microsoft.com/office/drawing/2014/main" id="{A6530E28-AEED-42EB-95E5-AA1F65726800}"/>
+              </a:ext>
+            </a:extLst>
+          </p:cNvPr>
+          <p:cNvSpPr txBox="1"/>
+          <p:nvPr/>
+        </p:nvSpPr>
+        <p:spPr>
+          <a:xfrm>
+            <a:off x="6239396" y="2503473"/>
+            <a:ext cx="2867708" cy="3139321"/>
+          </a:xfrm>
+          <a:prstGeom prst="rect">
+            <a:avLst/>
+          </a:prstGeom>
+          <a:noFill/>
+        </p:spPr>
+        <p:txBody>
+          <a:bodyPr wrap="none" rtlCol="0">
+            <a:spAutoFit/>
+          </a:bodyPr>
+          <a:lstStyle/>
+          <a:p>
+            <a:r>
+              <a:rPr lang="en-US" dirty="0" err="1"/>
+              <a:t>UserListComponent</a:t>
+            </a:r>
+            <a:endParaRPr lang="en-US" dirty="0"/>
+          </a:p>
+          <a:p>
+            <a:pPr marL="285750" indent="-285750">
+              <a:buFontTx/>
+              <a:buChar char="-"/>
+            </a:pPr>
+            <a:r>
+              <a:rPr lang="en-US" dirty="0"/>
+              <a:t>List of </a:t>
+            </a:r>
+            <a:r>
+              <a:rPr lang="en-US" dirty="0" err="1"/>
+              <a:t>UserComponents</a:t>
+            </a:r>
+            <a:endParaRPr lang="en-US" dirty="0"/>
+          </a:p>
+          <a:p>
+            <a:pPr marL="285750" indent="-285750">
+              <a:buFontTx/>
+              <a:buChar char="-"/>
+            </a:pPr>
+            <a:endParaRPr lang="en-US" dirty="0"/>
+          </a:p>
+          <a:p>
+            <a:r>
+              <a:rPr lang="en-US" dirty="0" err="1"/>
+              <a:t>CompanyComponent</a:t>
+            </a:r>
+            <a:endParaRPr lang="en-US" dirty="0"/>
+          </a:p>
+          <a:p>
+            <a:pPr marL="285750" indent="-285750">
+              <a:buFontTx/>
+              <a:buChar char="-"/>
+            </a:pPr>
+            <a:r>
+              <a:rPr lang="en-US" dirty="0"/>
+              <a:t>Default (the essentials)</a:t>
+            </a:r>
+          </a:p>
+          <a:p>
+            <a:pPr marL="285750" indent="-285750">
+              <a:buFontTx/>
+              <a:buChar char="-"/>
+            </a:pPr>
+            <a:r>
+              <a:rPr lang="en-US" dirty="0"/>
+              <a:t>Details (the company list)</a:t>
+            </a:r>
+          </a:p>
+          <a:p>
+            <a:pPr marL="285750" indent="-285750">
+              <a:buFontTx/>
+              <a:buChar char="-"/>
+            </a:pPr>
+            <a:r>
+              <a:rPr lang="en-US" dirty="0"/>
+              <a:t>Edit (input fields for data)</a:t>
+            </a:r>
+          </a:p>
+          <a:p>
+            <a:pPr marL="285750" indent="-285750">
+              <a:buFontTx/>
+              <a:buChar char="-"/>
+            </a:pPr>
+            <a:endParaRPr lang="en-US" dirty="0"/>
+          </a:p>
+          <a:p>
+            <a:r>
+              <a:rPr lang="en-US" dirty="0" err="1"/>
+              <a:t>TextInput</a:t>
+            </a:r>
+            <a:endParaRPr lang="en-US" dirty="0"/>
+          </a:p>
+          <a:p>
+            <a:pPr marL="285750" indent="-285750">
+              <a:buFontTx/>
+              <a:buChar char="-"/>
+            </a:pPr>
+            <a:r>
+              <a:rPr lang="en-US" dirty="0"/>
+              <a:t>Display and Edit modes</a:t>
+            </a:r>
+          </a:p>
+          <a:p>
+            <a:endParaRPr lang="en-US" dirty="0"/>
+          </a:p>
+        </p:txBody>
+      </p:sp>
+    </p:spTree>
+    <p:extLst>
+      <p:ext uri="{BB962C8B-B14F-4D97-AF65-F5344CB8AC3E}">
+        <p14:creationId xmlns:p14="http://schemas.microsoft.com/office/powerpoint/2010/main" val="1802802418"/>
+      </p:ext>
+    </p:extLst>
+  </p:cSld>
+  <p:clrMapOvr>
+    <a:masterClrMapping/>
+  </p:clrMapOvr>
+</p:sld>
+</file>
+
+<file path=ppt/slides/slide17.xml><?xml version="1.0" encoding="utf-8"?>
+<p:sld xmlns:a="http://schemas.openxmlformats.org/drawingml/2006/main" xmlns:r="http://schemas.openxmlformats.org/officeDocument/2006/relationships" xmlns:p="http://schemas.openxmlformats.org/presentationml/2006/main">
+  <p:cSld>
+    <p:spTree>
+      <p:nvGrpSpPr>
+        <p:cNvPr id="1" name=""/>
+        <p:cNvGrpSpPr/>
+        <p:nvPr/>
+      </p:nvGrpSpPr>
+      <p:grpSpPr>
+        <a:xfrm>
+          <a:off x="0" y="0"/>
+          <a:ext cx="0" cy="0"/>
+          <a:chOff x="0" y="0"/>
+          <a:chExt cx="0" cy="0"/>
+        </a:xfrm>
+      </p:grpSpPr>
+      <p:sp>
+        <p:nvSpPr>
+          <p:cNvPr id="2" name="Title 1">
+            <a:extLst>
+              <a:ext uri="{FF2B5EF4-FFF2-40B4-BE49-F238E27FC236}">
+                <a16:creationId xmlns:a16="http://schemas.microsoft.com/office/drawing/2014/main" id="{68C2C0C4-72B0-492C-84B5-FBBB070A084D}"/>
+              </a:ext>
+            </a:extLst>
+          </p:cNvPr>
+          <p:cNvSpPr>
+            <a:spLocks noGrp="1"/>
+          </p:cNvSpPr>
+          <p:nvPr>
+            <p:ph type="title"/>
+          </p:nvPr>
+        </p:nvSpPr>
+        <p:spPr/>
+        <p:txBody>
+          <a:bodyPr/>
+          <a:lstStyle/>
+          <a:p>
+            <a:r>
+              <a:rPr lang="fi-FI" dirty="0"/>
+              <a:t>Step 5:</a:t>
+            </a:r>
+            <a:r>
+              <a:rPr lang="en-US" dirty="0"/>
+              <a:t>Security</a:t>
+            </a:r>
+          </a:p>
+        </p:txBody>
+      </p:sp>
+      <p:sp>
+        <p:nvSpPr>
+          <p:cNvPr id="3" name="Content Placeholder 2">
+            <a:extLst>
+              <a:ext uri="{FF2B5EF4-FFF2-40B4-BE49-F238E27FC236}">
+                <a16:creationId xmlns:a16="http://schemas.microsoft.com/office/drawing/2014/main" id="{C5D10A53-0431-47BC-B1C8-7E5855905C8C}"/>
+              </a:ext>
+            </a:extLst>
+          </p:cNvPr>
+          <p:cNvSpPr>
+            <a:spLocks noGrp="1"/>
+          </p:cNvSpPr>
+          <p:nvPr>
+            <p:ph idx="1"/>
+          </p:nvPr>
+        </p:nvSpPr>
+        <p:spPr/>
+        <p:txBody>
+          <a:bodyPr>
+            <a:normAutofit fontScale="92500" lnSpcReduction="20000"/>
+          </a:bodyPr>
+          <a:lstStyle/>
+          <a:p>
+            <a:r>
+              <a:rPr lang="en-US" dirty="0"/>
+              <a:t>Description of security implementation</a:t>
+            </a:r>
+          </a:p>
+          <a:p>
+            <a:pPr lvl="1"/>
+            <a:r>
+              <a:rPr lang="en-US" dirty="0"/>
+              <a:t>Evaluate from different perspectives</a:t>
+            </a:r>
+          </a:p>
+          <a:p>
+            <a:endParaRPr lang="en-US" dirty="0"/>
+          </a:p>
+          <a:p>
+            <a:endParaRPr lang="en-US" dirty="0"/>
+          </a:p>
+          <a:p>
+            <a:r>
+              <a:rPr lang="en-US" dirty="0"/>
+              <a:t>All PUT, POST and DELETE calls are denied</a:t>
+            </a:r>
+          </a:p>
+          <a:p>
+            <a:pPr lvl="1"/>
+            <a:r>
+              <a:rPr lang="en-US" dirty="0"/>
+              <a:t>Apart from Administrator</a:t>
+            </a:r>
+          </a:p>
+          <a:p>
+            <a:r>
+              <a:rPr lang="en-US" dirty="0"/>
+              <a:t>User may query books and authors</a:t>
+            </a:r>
+          </a:p>
+          <a:p>
+            <a:pPr lvl="1"/>
+            <a:r>
+              <a:rPr lang="en-US" dirty="0"/>
+              <a:t>And own data</a:t>
+            </a:r>
+          </a:p>
+          <a:p>
+            <a:r>
+              <a:rPr lang="en-US" dirty="0"/>
+              <a:t>Separate service </a:t>
+            </a:r>
+            <a:r>
+              <a:rPr lang="en-US" dirty="0" err="1"/>
+              <a:t>api</a:t>
+            </a:r>
+            <a:r>
+              <a:rPr lang="en-US" dirty="0"/>
+              <a:t>/user</a:t>
+            </a:r>
+          </a:p>
+          <a:p>
+            <a:pPr lvl="1"/>
+            <a:r>
+              <a:rPr lang="en-US" dirty="0"/>
+              <a:t>PUT, login</a:t>
+            </a:r>
+          </a:p>
+          <a:p>
+            <a:pPr lvl="1"/>
+            <a:r>
+              <a:rPr lang="en-US" dirty="0"/>
+              <a:t>POST, add (register)</a:t>
+            </a:r>
+          </a:p>
+          <a:p>
+            <a:pPr lvl="1"/>
+            <a:r>
+              <a:rPr lang="en-US" dirty="0"/>
+              <a:t>GET, </a:t>
+            </a:r>
+          </a:p>
+          <a:p>
+            <a:endParaRPr lang="en-US" dirty="0"/>
+          </a:p>
+        </p:txBody>
+      </p:sp>
+    </p:spTree>
+    <p:extLst>
+      <p:ext uri="{BB962C8B-B14F-4D97-AF65-F5344CB8AC3E}">
+        <p14:creationId xmlns:p14="http://schemas.microsoft.com/office/powerpoint/2010/main" val="3648463181"/>
+      </p:ext>
+    </p:extLst>
+  </p:cSld>
+  <p:clrMapOvr>
+    <a:masterClrMapping/>
+  </p:clrMapOvr>
+</p:sld>
+</file>
+
+<file path=ppt/slides/slide18.xml><?xml version="1.0" encoding="utf-8"?>
+<p:sld xmlns:a="http://schemas.openxmlformats.org/drawingml/2006/main" xmlns:r="http://schemas.openxmlformats.org/officeDocument/2006/relationships" xmlns:p="http://schemas.openxmlformats.org/presentationml/2006/main">
+  <p:cSld>
+    <p:spTree>
+      <p:nvGrpSpPr>
+        <p:cNvPr id="1" name=""/>
+        <p:cNvGrpSpPr/>
+        <p:nvPr/>
+      </p:nvGrpSpPr>
+      <p:grpSpPr>
+        <a:xfrm>
+          <a:off x="0" y="0"/>
+          <a:ext cx="0" cy="0"/>
+          <a:chOff x="0" y="0"/>
+          <a:chExt cx="0" cy="0"/>
+        </a:xfrm>
+      </p:grpSpPr>
+      <p:sp>
+        <p:nvSpPr>
+          <p:cNvPr id="2" name="Title 1">
+            <a:extLst>
+              <a:ext uri="{FF2B5EF4-FFF2-40B4-BE49-F238E27FC236}">
                 <a16:creationId xmlns:a16="http://schemas.microsoft.com/office/drawing/2014/main" id="{093E31DA-FBFE-47D6-A9B9-7484EA1DFC2E}"/>
               </a:ext>
             </a:extLst>
@@ -6437,7 +6895,7 @@
 </p:sld>
 </file>
 
-<file path=ppt/slides/slide16.xml><?xml version="1.0" encoding="utf-8"?>
+<file path=ppt/slides/slide19.xml><?xml version="1.0" encoding="utf-8"?>
 <p:sld xmlns:a="http://schemas.openxmlformats.org/drawingml/2006/main" xmlns:r="http://schemas.openxmlformats.org/officeDocument/2006/relationships" xmlns:p="http://schemas.openxmlformats.org/presentationml/2006/main">
   <p:cSld>
     <p:spTree>
@@ -6959,7 +7417,10 @@
             <a:pPr marL="0" indent="0">
               <a:buNone/>
             </a:pPr>
-            <a:endParaRPr lang="fi-FI" dirty="0"/>
+            <a:r>
+              <a:rPr lang="fi-FI" dirty="0"/>
+              <a:t>id</a:t>
+            </a:r>
           </a:p>
           <a:p>
             <a:pPr marL="0" indent="0">
@@ -6967,7 +7428,7 @@
             </a:pPr>
             <a:r>
               <a:rPr lang="fi-FI" dirty="0"/>
-              <a:t>id</a:t>
+              <a:t>company_id</a:t>
             </a:r>
           </a:p>
           <a:p>
@@ -7219,7 +7680,10 @@
               <a:buFont typeface="Arial" panose="020B0604020202020204" pitchFamily="34" charset="0"/>
               <a:buNone/>
             </a:pPr>
-            <a:endParaRPr lang="fi-FI" dirty="0"/>
+            <a:r>
+              <a:rPr lang="fi-FI" dirty="0"/>
+              <a:t>id</a:t>
+            </a:r>
           </a:p>
           <a:p>
             <a:pPr marL="0" indent="0">
@@ -7228,7 +7692,7 @@
             </a:pPr>
             <a:r>
               <a:rPr lang="fi-FI" dirty="0"/>
-              <a:t>id</a:t>
+              <a:t>user_id</a:t>
             </a:r>
           </a:p>
           <a:p>
@@ -7298,288 +7762,7 @@
         <p:spPr>
           <a:xfrm>
             <a:off x="3561520" y="1995487"/>
-            <a:ext cx="2179984" cy="4124601"/>
-          </a:xfrm>
-          <a:prstGeom prst="rect">
-            <a:avLst/>
-          </a:prstGeom>
-          <a:ln>
-            <a:solidFill>
-              <a:schemeClr val="tx1"/>
-            </a:solidFill>
-          </a:ln>
-        </p:spPr>
-        <p:txBody>
-          <a:bodyPr vert="horz" lIns="91440" tIns="45720" rIns="91440" bIns="45720" rtlCol="0">
-            <a:normAutofit lnSpcReduction="10000"/>
-          </a:bodyPr>
-          <a:lstStyle>
-            <a:lvl1pPr marL="228600" indent="-228600" algn="l" defTabSz="914400" rtl="0" eaLnBrk="1" latinLnBrk="0" hangingPunct="1">
-              <a:lnSpc>
-                <a:spcPct val="90000"/>
-              </a:lnSpc>
-              <a:spcBef>
-                <a:spcPts val="1000"/>
-              </a:spcBef>
-              <a:buFont typeface="Arial" panose="020B0604020202020204" pitchFamily="34" charset="0"/>
-              <a:buChar char="•"/>
-              <a:defRPr sz="2800" kern="1200">
-                <a:solidFill>
-                  <a:schemeClr val="tx1"/>
-                </a:solidFill>
-                <a:latin typeface="+mn-lt"/>
-                <a:ea typeface="+mn-ea"/>
-                <a:cs typeface="+mn-cs"/>
-              </a:defRPr>
-            </a:lvl1pPr>
-            <a:lvl2pPr marL="685800" indent="-228600" algn="l" defTabSz="914400" rtl="0" eaLnBrk="1" latinLnBrk="0" hangingPunct="1">
-              <a:lnSpc>
-                <a:spcPct val="90000"/>
-              </a:lnSpc>
-              <a:spcBef>
-                <a:spcPts val="500"/>
-              </a:spcBef>
-              <a:buFont typeface="Arial" panose="020B0604020202020204" pitchFamily="34" charset="0"/>
-              <a:buChar char="•"/>
-              <a:defRPr sz="2400" kern="1200">
-                <a:solidFill>
-                  <a:schemeClr val="tx1"/>
-                </a:solidFill>
-                <a:latin typeface="+mn-lt"/>
-                <a:ea typeface="+mn-ea"/>
-                <a:cs typeface="+mn-cs"/>
-              </a:defRPr>
-            </a:lvl2pPr>
-            <a:lvl3pPr marL="1143000" indent="-228600" algn="l" defTabSz="914400" rtl="0" eaLnBrk="1" latinLnBrk="0" hangingPunct="1">
-              <a:lnSpc>
-                <a:spcPct val="90000"/>
-              </a:lnSpc>
-              <a:spcBef>
-                <a:spcPts val="500"/>
-              </a:spcBef>
-              <a:buFont typeface="Arial" panose="020B0604020202020204" pitchFamily="34" charset="0"/>
-              <a:buChar char="•"/>
-              <a:defRPr sz="2000" kern="1200">
-                <a:solidFill>
-                  <a:schemeClr val="tx1"/>
-                </a:solidFill>
-                <a:latin typeface="+mn-lt"/>
-                <a:ea typeface="+mn-ea"/>
-                <a:cs typeface="+mn-cs"/>
-              </a:defRPr>
-            </a:lvl3pPr>
-            <a:lvl4pPr marL="1600200" indent="-228600" algn="l" defTabSz="914400" rtl="0" eaLnBrk="1" latinLnBrk="0" hangingPunct="1">
-              <a:lnSpc>
-                <a:spcPct val="90000"/>
-              </a:lnSpc>
-              <a:spcBef>
-                <a:spcPts val="500"/>
-              </a:spcBef>
-              <a:buFont typeface="Arial" panose="020B0604020202020204" pitchFamily="34" charset="0"/>
-              <a:buChar char="•"/>
-              <a:defRPr sz="1800" kern="1200">
-                <a:solidFill>
-                  <a:schemeClr val="tx1"/>
-                </a:solidFill>
-                <a:latin typeface="+mn-lt"/>
-                <a:ea typeface="+mn-ea"/>
-                <a:cs typeface="+mn-cs"/>
-              </a:defRPr>
-            </a:lvl4pPr>
-            <a:lvl5pPr marL="2057400" indent="-228600" algn="l" defTabSz="914400" rtl="0" eaLnBrk="1" latinLnBrk="0" hangingPunct="1">
-              <a:lnSpc>
-                <a:spcPct val="90000"/>
-              </a:lnSpc>
-              <a:spcBef>
-                <a:spcPts val="500"/>
-              </a:spcBef>
-              <a:buFont typeface="Arial" panose="020B0604020202020204" pitchFamily="34" charset="0"/>
-              <a:buChar char="•"/>
-              <a:defRPr sz="1800" kern="1200">
-                <a:solidFill>
-                  <a:schemeClr val="tx1"/>
-                </a:solidFill>
-                <a:latin typeface="+mn-lt"/>
-                <a:ea typeface="+mn-ea"/>
-                <a:cs typeface="+mn-cs"/>
-              </a:defRPr>
-            </a:lvl5pPr>
-            <a:lvl6pPr marL="2514600" indent="-228600" algn="l" defTabSz="914400" rtl="0" eaLnBrk="1" latinLnBrk="0" hangingPunct="1">
-              <a:lnSpc>
-                <a:spcPct val="90000"/>
-              </a:lnSpc>
-              <a:spcBef>
-                <a:spcPts val="500"/>
-              </a:spcBef>
-              <a:buFont typeface="Arial" panose="020B0604020202020204" pitchFamily="34" charset="0"/>
-              <a:buChar char="•"/>
-              <a:defRPr sz="1800" kern="1200">
-                <a:solidFill>
-                  <a:schemeClr val="tx1"/>
-                </a:solidFill>
-                <a:latin typeface="+mn-lt"/>
-                <a:ea typeface="+mn-ea"/>
-                <a:cs typeface="+mn-cs"/>
-              </a:defRPr>
-            </a:lvl6pPr>
-            <a:lvl7pPr marL="2971800" indent="-228600" algn="l" defTabSz="914400" rtl="0" eaLnBrk="1" latinLnBrk="0" hangingPunct="1">
-              <a:lnSpc>
-                <a:spcPct val="90000"/>
-              </a:lnSpc>
-              <a:spcBef>
-                <a:spcPts val="500"/>
-              </a:spcBef>
-              <a:buFont typeface="Arial" panose="020B0604020202020204" pitchFamily="34" charset="0"/>
-              <a:buChar char="•"/>
-              <a:defRPr sz="1800" kern="1200">
-                <a:solidFill>
-                  <a:schemeClr val="tx1"/>
-                </a:solidFill>
-                <a:latin typeface="+mn-lt"/>
-                <a:ea typeface="+mn-ea"/>
-                <a:cs typeface="+mn-cs"/>
-              </a:defRPr>
-            </a:lvl7pPr>
-            <a:lvl8pPr marL="3429000" indent="-228600" algn="l" defTabSz="914400" rtl="0" eaLnBrk="1" latinLnBrk="0" hangingPunct="1">
-              <a:lnSpc>
-                <a:spcPct val="90000"/>
-              </a:lnSpc>
-              <a:spcBef>
-                <a:spcPts val="500"/>
-              </a:spcBef>
-              <a:buFont typeface="Arial" panose="020B0604020202020204" pitchFamily="34" charset="0"/>
-              <a:buChar char="•"/>
-              <a:defRPr sz="1800" kern="1200">
-                <a:solidFill>
-                  <a:schemeClr val="tx1"/>
-                </a:solidFill>
-                <a:latin typeface="+mn-lt"/>
-                <a:ea typeface="+mn-ea"/>
-                <a:cs typeface="+mn-cs"/>
-              </a:defRPr>
-            </a:lvl8pPr>
-            <a:lvl9pPr marL="3886200" indent="-228600" algn="l" defTabSz="914400" rtl="0" eaLnBrk="1" latinLnBrk="0" hangingPunct="1">
-              <a:lnSpc>
-                <a:spcPct val="90000"/>
-              </a:lnSpc>
-              <a:spcBef>
-                <a:spcPts val="500"/>
-              </a:spcBef>
-              <a:buFont typeface="Arial" panose="020B0604020202020204" pitchFamily="34" charset="0"/>
-              <a:buChar char="•"/>
-              <a:defRPr sz="1800" kern="1200">
-                <a:solidFill>
-                  <a:schemeClr val="tx1"/>
-                </a:solidFill>
-                <a:latin typeface="+mn-lt"/>
-                <a:ea typeface="+mn-ea"/>
-                <a:cs typeface="+mn-cs"/>
-              </a:defRPr>
-            </a:lvl9pPr>
-          </a:lstStyle>
-          <a:p>
-            <a:pPr marL="0" indent="0">
-              <a:lnSpc>
-                <a:spcPct val="100000"/>
-              </a:lnSpc>
-              <a:buNone/>
-            </a:pPr>
-            <a:r>
-              <a:rPr lang="fi-FI" sz="3000" b="1" dirty="0"/>
-              <a:t>Job</a:t>
-            </a:r>
-          </a:p>
-          <a:p>
-            <a:pPr marL="0" indent="0">
-              <a:buFont typeface="Arial" panose="020B0604020202020204" pitchFamily="34" charset="0"/>
-              <a:buNone/>
-            </a:pPr>
-            <a:endParaRPr lang="fi-FI" dirty="0"/>
-          </a:p>
-          <a:p>
-            <a:pPr marL="0" indent="0">
-              <a:buFont typeface="Arial" panose="020B0604020202020204" pitchFamily="34" charset="0"/>
-              <a:buNone/>
-            </a:pPr>
-            <a:r>
-              <a:rPr lang="fi-FI" dirty="0"/>
-              <a:t>id</a:t>
-            </a:r>
-          </a:p>
-          <a:p>
-            <a:pPr marL="0" indent="0">
-              <a:buFont typeface="Arial" panose="020B0604020202020204" pitchFamily="34" charset="0"/>
-              <a:buNone/>
-            </a:pPr>
-            <a:r>
-              <a:rPr lang="fi-FI" dirty="0"/>
-              <a:t>name</a:t>
-            </a:r>
-          </a:p>
-          <a:p>
-            <a:pPr marL="0" indent="0">
-              <a:buFont typeface="Arial" panose="020B0604020202020204" pitchFamily="34" charset="0"/>
-              <a:buNone/>
-            </a:pPr>
-            <a:r>
-              <a:rPr lang="fi-FI" dirty="0"/>
-              <a:t>salary_low</a:t>
-            </a:r>
-          </a:p>
-          <a:p>
-            <a:pPr marL="0" indent="0">
-              <a:buFont typeface="Arial" panose="020B0604020202020204" pitchFamily="34" charset="0"/>
-              <a:buNone/>
-            </a:pPr>
-            <a:r>
-              <a:rPr lang="fi-FI" dirty="0"/>
-              <a:t>salary_high</a:t>
-            </a:r>
-          </a:p>
-          <a:p>
-            <a:pPr marL="0" indent="0">
-              <a:buFont typeface="Arial" panose="020B0604020202020204" pitchFamily="34" charset="0"/>
-              <a:buNone/>
-            </a:pPr>
-            <a:endParaRPr lang="fi-FI" dirty="0"/>
-          </a:p>
-          <a:p>
-            <a:pPr marL="0" indent="0">
-              <a:buFont typeface="Arial" panose="020B0604020202020204" pitchFamily="34" charset="0"/>
-              <a:buNone/>
-            </a:pPr>
-            <a:r>
-              <a:rPr lang="fi-FI" dirty="0"/>
-              <a:t>company_id</a:t>
-            </a:r>
-          </a:p>
-          <a:p>
-            <a:pPr marL="0" indent="0">
-              <a:buFont typeface="Arial" panose="020B0604020202020204" pitchFamily="34" charset="0"/>
-              <a:buNone/>
-            </a:pPr>
-            <a:endParaRPr lang="fi-FI" dirty="0"/>
-          </a:p>
-        </p:txBody>
-      </p:sp>
-      <p:sp>
-        <p:nvSpPr>
-          <p:cNvPr id="7" name="Content Placeholder 2">
-            <a:extLst>
-              <a:ext uri="{FF2B5EF4-FFF2-40B4-BE49-F238E27FC236}">
-                <a16:creationId xmlns:a16="http://schemas.microsoft.com/office/drawing/2014/main" id="{6F15E2B3-BDE2-4177-89C5-6E095E35843E}"/>
-              </a:ext>
-            </a:extLst>
-          </p:cNvPr>
-          <p:cNvSpPr txBox="1">
-            <a:spLocks/>
-          </p:cNvSpPr>
-          <p:nvPr/>
-        </p:nvSpPr>
-        <p:spPr>
-          <a:xfrm>
-            <a:off x="6521725" y="1995487"/>
-            <a:ext cx="2179984" cy="4124601"/>
+            <a:ext cx="2321994" cy="4094025"/>
           </a:xfrm>
           <a:prstGeom prst="rect">
             <a:avLst/>
@@ -7760,12 +7943,14 @@
           </a:lstStyle>
           <a:p>
             <a:pPr marL="0" indent="0">
-              <a:buFont typeface="Arial" panose="020B0604020202020204" pitchFamily="34" charset="0"/>
+              <a:lnSpc>
+                <a:spcPct val="100000"/>
+              </a:lnSpc>
               <a:buNone/>
             </a:pPr>
             <a:r>
-              <a:rPr lang="fi-FI" b="1" dirty="0"/>
-              <a:t>Apply</a:t>
+              <a:rPr lang="fi-FI" sz="3000" b="1" dirty="0"/>
+              <a:t>Job</a:t>
             </a:r>
           </a:p>
           <a:p>
@@ -7773,7 +7958,10 @@
               <a:buFont typeface="Arial" panose="020B0604020202020204" pitchFamily="34" charset="0"/>
               <a:buNone/>
             </a:pPr>
-            <a:endParaRPr lang="fi-FI" dirty="0"/>
+            <a:r>
+              <a:rPr lang="fi-FI" dirty="0"/>
+              <a:t>id</a:t>
+            </a:r>
           </a:p>
           <a:p>
             <a:pPr marL="0" indent="0">
@@ -7782,7 +7970,7 @@
             </a:pPr>
             <a:r>
               <a:rPr lang="fi-FI" dirty="0"/>
-              <a:t>id</a:t>
+              <a:t>job_id</a:t>
             </a:r>
           </a:p>
           <a:p>
@@ -7792,7 +7980,7 @@
             </a:pPr>
             <a:r>
               <a:rPr lang="fi-FI" dirty="0"/>
-              <a:t>job_id</a:t>
+              <a:t>name</a:t>
             </a:r>
           </a:p>
           <a:p>
@@ -7802,7 +7990,7 @@
             </a:pPr>
             <a:r>
               <a:rPr lang="fi-FI" dirty="0"/>
-              <a:t>user_id</a:t>
+              <a:t>description</a:t>
             </a:r>
           </a:p>
           <a:p>
@@ -7810,1117 +7998,29 @@
               <a:buFont typeface="Arial" panose="020B0604020202020204" pitchFamily="34" charset="0"/>
               <a:buNone/>
             </a:pPr>
-            <a:endParaRPr lang="fi-FI" dirty="0"/>
+            <a:r>
+              <a:rPr lang="fi-FI" dirty="0"/>
+              <a:t>company_id</a:t>
+            </a:r>
           </a:p>
           <a:p>
             <a:pPr marL="0" indent="0">
               <a:buFont typeface="Arial" panose="020B0604020202020204" pitchFamily="34" charset="0"/>
               <a:buNone/>
             </a:pPr>
-            <a:endParaRPr lang="fi-FI" dirty="0"/>
-          </a:p>
-        </p:txBody>
-      </p:sp>
-      <mc:AlternateContent xmlns:mc="http://schemas.openxmlformats.org/markup-compatibility/2006">
-        <mc:Choice xmlns:p14="http://schemas.microsoft.com/office/powerpoint/2010/main" Requires="p14">
-          <p:contentPart p14:bwMode="auto" r:id="rId2">
-            <p14:nvContentPartPr>
-              <p14:cNvPr id="8" name="Ink 7">
-                <a:extLst>
-                  <a:ext uri="{FF2B5EF4-FFF2-40B4-BE49-F238E27FC236}">
-                    <a16:creationId xmlns:a16="http://schemas.microsoft.com/office/drawing/2014/main" id="{5CB69F9B-BC05-4BFD-965C-6C8ADF476352}"/>
-                  </a:ext>
-                </a:extLst>
-              </p14:cNvPr>
-              <p14:cNvContentPartPr/>
-              <p14:nvPr/>
-            </p14:nvContentPartPr>
-            <p14:xfrm>
-              <a:off x="3418790" y="5326779"/>
-              <a:ext cx="360" cy="360"/>
-            </p14:xfrm>
-          </p:contentPart>
-        </mc:Choice>
-        <mc:Fallback>
-          <p:pic>
-            <p:nvPicPr>
-              <p:cNvPr id="8" name="Ink 7">
-                <a:extLst>
-                  <a:ext uri="{FF2B5EF4-FFF2-40B4-BE49-F238E27FC236}">
-                    <a16:creationId xmlns:a16="http://schemas.microsoft.com/office/drawing/2014/main" id="{5CB69F9B-BC05-4BFD-965C-6C8ADF476352}"/>
-                  </a:ext>
-                </a:extLst>
-              </p:cNvPr>
-              <p:cNvPicPr/>
-              <p:nvPr/>
-            </p:nvPicPr>
-            <p:blipFill>
-              <a:blip r:embed="rId3"/>
-              <a:stretch>
-                <a:fillRect/>
-              </a:stretch>
-            </p:blipFill>
-            <p:spPr>
-              <a:xfrm>
-                <a:off x="3410150" y="5317779"/>
-                <a:ext cx="18000" cy="18000"/>
-              </a:xfrm>
-              <a:prstGeom prst="rect">
-                <a:avLst/>
-              </a:prstGeom>
-            </p:spPr>
-          </p:pic>
-        </mc:Fallback>
-      </mc:AlternateContent>
-      <p:cxnSp>
-        <p:nvCxnSpPr>
-          <p:cNvPr id="21" name="Straight Arrow Connector 20">
-            <a:extLst>
-              <a:ext uri="{FF2B5EF4-FFF2-40B4-BE49-F238E27FC236}">
-                <a16:creationId xmlns:a16="http://schemas.microsoft.com/office/drawing/2014/main" id="{42720161-5BB3-4F54-A8AE-FE868CDFA33D}"/>
-              </a:ext>
-            </a:extLst>
-          </p:cNvPr>
-          <p:cNvCxnSpPr/>
-          <p:nvPr/>
-        </p:nvCxnSpPr>
-        <p:spPr>
-          <a:xfrm flipV="1">
-            <a:off x="7765774" y="3299791"/>
-            <a:ext cx="1716156" cy="980661"/>
-          </a:xfrm>
-          <a:prstGeom prst="straightConnector1">
-            <a:avLst/>
-          </a:prstGeom>
-          <a:ln>
-            <a:tailEnd type="triangle"/>
-          </a:ln>
-        </p:spPr>
-        <p:style>
-          <a:lnRef idx="1">
-            <a:schemeClr val="accent1"/>
-          </a:lnRef>
-          <a:fillRef idx="0">
-            <a:schemeClr val="accent1"/>
-          </a:fillRef>
-          <a:effectRef idx="0">
-            <a:schemeClr val="accent1"/>
-          </a:effectRef>
-          <a:fontRef idx="minor">
-            <a:schemeClr val="tx1"/>
-          </a:fontRef>
-        </p:style>
-      </p:cxnSp>
-      <p:cxnSp>
-        <p:nvCxnSpPr>
-          <p:cNvPr id="23" name="Straight Arrow Connector 22">
-            <a:extLst>
-              <a:ext uri="{FF2B5EF4-FFF2-40B4-BE49-F238E27FC236}">
-                <a16:creationId xmlns:a16="http://schemas.microsoft.com/office/drawing/2014/main" id="{F65FBAF9-8155-4972-A7A6-F8E832D8C43F}"/>
-              </a:ext>
-            </a:extLst>
-          </p:cNvPr>
-          <p:cNvCxnSpPr/>
-          <p:nvPr/>
-        </p:nvCxnSpPr>
-        <p:spPr>
-          <a:xfrm flipH="1" flipV="1">
-            <a:off x="4041913" y="3207026"/>
-            <a:ext cx="2479812" cy="596348"/>
-          </a:xfrm>
-          <a:prstGeom prst="straightConnector1">
-            <a:avLst/>
-          </a:prstGeom>
-          <a:ln>
-            <a:tailEnd type="triangle"/>
-          </a:ln>
-        </p:spPr>
-        <p:style>
-          <a:lnRef idx="1">
-            <a:schemeClr val="accent1"/>
-          </a:lnRef>
-          <a:fillRef idx="0">
-            <a:schemeClr val="accent1"/>
-          </a:fillRef>
-          <a:effectRef idx="0">
-            <a:schemeClr val="accent1"/>
-          </a:effectRef>
-          <a:fontRef idx="minor">
-            <a:schemeClr val="tx1"/>
-          </a:fontRef>
-        </p:style>
-      </p:cxnSp>
-      <p:cxnSp>
-        <p:nvCxnSpPr>
-          <p:cNvPr id="25" name="Straight Arrow Connector 24">
-            <a:extLst>
-              <a:ext uri="{FF2B5EF4-FFF2-40B4-BE49-F238E27FC236}">
-                <a16:creationId xmlns:a16="http://schemas.microsoft.com/office/drawing/2014/main" id="{A182880F-0DB4-41F9-8EC5-B485C8807316}"/>
-              </a:ext>
-            </a:extLst>
-          </p:cNvPr>
-          <p:cNvCxnSpPr/>
-          <p:nvPr/>
-        </p:nvCxnSpPr>
-        <p:spPr>
-          <a:xfrm flipH="1" flipV="1">
-            <a:off x="1060174" y="3299791"/>
-            <a:ext cx="2501346" cy="2252870"/>
-          </a:xfrm>
-          <a:prstGeom prst="straightConnector1">
-            <a:avLst/>
-          </a:prstGeom>
-          <a:ln>
-            <a:tailEnd type="triangle"/>
-          </a:ln>
-        </p:spPr>
-        <p:style>
-          <a:lnRef idx="1">
-            <a:schemeClr val="accent1"/>
-          </a:lnRef>
-          <a:fillRef idx="0">
-            <a:schemeClr val="accent1"/>
-          </a:fillRef>
-          <a:effectRef idx="0">
-            <a:schemeClr val="accent1"/>
-          </a:effectRef>
-          <a:fontRef idx="minor">
-            <a:schemeClr val="tx1"/>
-          </a:fontRef>
-        </p:style>
-      </p:cxnSp>
-    </p:spTree>
-    <p:extLst>
-      <p:ext uri="{BB962C8B-B14F-4D97-AF65-F5344CB8AC3E}">
-        <p14:creationId xmlns:p14="http://schemas.microsoft.com/office/powerpoint/2010/main" val="1421449939"/>
-      </p:ext>
-    </p:extLst>
-  </p:cSld>
-  <p:clrMapOvr>
-    <a:masterClrMapping/>
-  </p:clrMapOvr>
-</p:sld>
-</file>
-
-<file path=ppt/slides/slide5.xml><?xml version="1.0" encoding="utf-8"?>
-<p:sld xmlns:a="http://schemas.openxmlformats.org/drawingml/2006/main" xmlns:r="http://schemas.openxmlformats.org/officeDocument/2006/relationships" xmlns:p="http://schemas.openxmlformats.org/presentationml/2006/main">
-  <p:cSld>
-    <p:spTree>
-      <p:nvGrpSpPr>
-        <p:cNvPr id="1" name=""/>
-        <p:cNvGrpSpPr/>
-        <p:nvPr/>
-      </p:nvGrpSpPr>
-      <p:grpSpPr>
-        <a:xfrm>
-          <a:off x="0" y="0"/>
-          <a:ext cx="0" cy="0"/>
-          <a:chOff x="0" y="0"/>
-          <a:chExt cx="0" cy="0"/>
-        </a:xfrm>
-      </p:grpSpPr>
-      <p:sp>
-        <p:nvSpPr>
-          <p:cNvPr id="2" name="Title 1">
-            <a:extLst>
-              <a:ext uri="{FF2B5EF4-FFF2-40B4-BE49-F238E27FC236}">
-                <a16:creationId xmlns:a16="http://schemas.microsoft.com/office/drawing/2014/main" id="{CE8AC96B-1152-41F8-B643-C645168F7169}"/>
-              </a:ext>
-            </a:extLst>
-          </p:cNvPr>
-          <p:cNvSpPr>
-            <a:spLocks noGrp="1"/>
-          </p:cNvSpPr>
-          <p:nvPr>
-            <p:ph type="title"/>
-          </p:nvPr>
-        </p:nvSpPr>
-        <p:spPr/>
-        <p:txBody>
-          <a:bodyPr/>
-          <a:lstStyle/>
-          <a:p>
             <a:r>
               <a:rPr lang="fi-FI" dirty="0"/>
-              <a:t>Step 2: Server application</a:t>
-            </a:r>
-            <a:endParaRPr lang="en-US" dirty="0"/>
-          </a:p>
-        </p:txBody>
-      </p:sp>
-      <p:sp>
-        <p:nvSpPr>
-          <p:cNvPr id="3" name="Content Placeholder 2">
-            <a:extLst>
-              <a:ext uri="{FF2B5EF4-FFF2-40B4-BE49-F238E27FC236}">
-                <a16:creationId xmlns:a16="http://schemas.microsoft.com/office/drawing/2014/main" id="{71E834B0-BFFD-4F27-9263-EEEC87BC8D6C}"/>
-              </a:ext>
-            </a:extLst>
-          </p:cNvPr>
-          <p:cNvSpPr>
-            <a:spLocks noGrp="1"/>
-          </p:cNvSpPr>
-          <p:nvPr>
-            <p:ph idx="1"/>
-          </p:nvPr>
-        </p:nvSpPr>
-        <p:spPr>
-          <a:xfrm>
-            <a:off x="668679" y="1598624"/>
-            <a:ext cx="10515600" cy="4351338"/>
-          </a:xfrm>
-        </p:spPr>
-        <p:txBody>
-          <a:bodyPr/>
-          <a:lstStyle/>
-          <a:p>
-            <a:r>
-              <a:rPr lang="fi-FI" dirty="0"/>
-              <a:t>Architecture(Server)</a:t>
-            </a:r>
-            <a:endParaRPr lang="en-US" dirty="0"/>
-          </a:p>
-        </p:txBody>
-      </p:sp>
-      <p:sp>
-        <p:nvSpPr>
-          <p:cNvPr id="4" name="Lieriö 3">
-            <a:extLst>
-              <a:ext uri="{FF2B5EF4-FFF2-40B4-BE49-F238E27FC236}">
-                <a16:creationId xmlns:a16="http://schemas.microsoft.com/office/drawing/2014/main" id="{A240E8C7-3384-4555-9124-AE01086FA261}"/>
-              </a:ext>
-            </a:extLst>
-          </p:cNvPr>
-          <p:cNvSpPr/>
-          <p:nvPr/>
-        </p:nvSpPr>
-        <p:spPr>
-          <a:xfrm>
-            <a:off x="9175739" y="3792465"/>
-            <a:ext cx="1116825" cy="1235487"/>
-          </a:xfrm>
-          <a:prstGeom prst="can">
-            <a:avLst/>
-          </a:prstGeom>
-        </p:spPr>
-        <p:style>
-          <a:lnRef idx="2">
-            <a:schemeClr val="accent1">
-              <a:shade val="50000"/>
-            </a:schemeClr>
-          </a:lnRef>
-          <a:fillRef idx="1">
-            <a:schemeClr val="accent1"/>
-          </a:fillRef>
-          <a:effectRef idx="0">
-            <a:schemeClr val="accent1"/>
-          </a:effectRef>
-          <a:fontRef idx="minor">
-            <a:schemeClr val="lt1"/>
-          </a:fontRef>
-        </p:style>
-        <p:txBody>
-          <a:bodyPr rtlCol="0" anchor="ctr"/>
-          <a:lstStyle/>
-          <a:p>
-            <a:pPr algn="ctr"/>
-            <a:r>
-              <a:rPr lang="en-US" dirty="0"/>
-              <a:t>MySQL</a:t>
-            </a:r>
-          </a:p>
-        </p:txBody>
-      </p:sp>
-      <p:sp>
-        <p:nvSpPr>
-          <p:cNvPr id="5" name="Suorakulmio 4">
-            <a:extLst>
-              <a:ext uri="{FF2B5EF4-FFF2-40B4-BE49-F238E27FC236}">
-                <a16:creationId xmlns:a16="http://schemas.microsoft.com/office/drawing/2014/main" id="{2AFBB4FF-E7F2-4951-8348-1E8367C1A80A}"/>
-              </a:ext>
-            </a:extLst>
-          </p:cNvPr>
-          <p:cNvSpPr/>
-          <p:nvPr/>
-        </p:nvSpPr>
-        <p:spPr>
-          <a:xfrm>
-            <a:off x="7647086" y="3953009"/>
-            <a:ext cx="1005142" cy="1123804"/>
-          </a:xfrm>
-          <a:prstGeom prst="rect">
-            <a:avLst/>
-          </a:prstGeom>
-        </p:spPr>
-        <p:style>
-          <a:lnRef idx="2">
-            <a:schemeClr val="accent1">
-              <a:shade val="50000"/>
-            </a:schemeClr>
-          </a:lnRef>
-          <a:fillRef idx="1">
-            <a:schemeClr val="accent1"/>
-          </a:fillRef>
-          <a:effectRef idx="0">
-            <a:schemeClr val="accent1"/>
-          </a:effectRef>
-          <a:fontRef idx="minor">
-            <a:schemeClr val="lt1"/>
-          </a:fontRef>
-        </p:style>
-        <p:txBody>
-          <a:bodyPr rtlCol="0" anchor="ctr"/>
-          <a:lstStyle/>
-          <a:p>
-            <a:pPr algn="ctr"/>
-            <a:r>
-              <a:rPr lang="en-US" dirty="0"/>
-              <a:t>MySQL</a:t>
-            </a:r>
-          </a:p>
-          <a:p>
-            <a:pPr algn="ctr"/>
-            <a:r>
-              <a:rPr lang="en-US" dirty="0"/>
-              <a:t>Helper</a:t>
-            </a:r>
-          </a:p>
-        </p:txBody>
-      </p:sp>
-      <p:sp>
-        <p:nvSpPr>
-          <p:cNvPr id="6" name="Nuoli: Vasen-oikea 6">
-            <a:extLst>
-              <a:ext uri="{FF2B5EF4-FFF2-40B4-BE49-F238E27FC236}">
-                <a16:creationId xmlns:a16="http://schemas.microsoft.com/office/drawing/2014/main" id="{A26AF0F8-13BC-4947-9CF9-040A43BAF956}"/>
-              </a:ext>
-            </a:extLst>
-          </p:cNvPr>
-          <p:cNvSpPr/>
-          <p:nvPr/>
-        </p:nvSpPr>
-        <p:spPr>
-          <a:xfrm>
-            <a:off x="8697599" y="4385778"/>
-            <a:ext cx="432769" cy="279207"/>
-          </a:xfrm>
-          <a:prstGeom prst="leftRightArrow">
-            <a:avLst/>
-          </a:prstGeom>
-        </p:spPr>
-        <p:style>
-          <a:lnRef idx="2">
-            <a:schemeClr val="accent1">
-              <a:shade val="50000"/>
-            </a:schemeClr>
-          </a:lnRef>
-          <a:fillRef idx="1">
-            <a:schemeClr val="accent1"/>
-          </a:fillRef>
-          <a:effectRef idx="0">
-            <a:schemeClr val="accent1"/>
-          </a:effectRef>
-          <a:fontRef idx="minor">
-            <a:schemeClr val="lt1"/>
-          </a:fontRef>
-        </p:style>
-        <p:txBody>
-          <a:bodyPr rtlCol="0" anchor="ctr"/>
-          <a:lstStyle/>
-          <a:p>
-            <a:pPr algn="ctr"/>
-            <a:endParaRPr lang="en-US"/>
-          </a:p>
-        </p:txBody>
-      </p:sp>
-      <p:sp>
-        <p:nvSpPr>
-          <p:cNvPr id="8" name="Nuoli: Vasen-oikea 8">
-            <a:extLst>
-              <a:ext uri="{FF2B5EF4-FFF2-40B4-BE49-F238E27FC236}">
-                <a16:creationId xmlns:a16="http://schemas.microsoft.com/office/drawing/2014/main" id="{E98A66BF-2895-477B-BC85-ECEEF9695A6D}"/>
-              </a:ext>
-            </a:extLst>
-          </p:cNvPr>
-          <p:cNvSpPr/>
-          <p:nvPr/>
-        </p:nvSpPr>
-        <p:spPr>
-          <a:xfrm>
-            <a:off x="7158476" y="4410208"/>
-            <a:ext cx="439750" cy="310618"/>
-          </a:xfrm>
-          <a:prstGeom prst="leftRightArrow">
-            <a:avLst/>
-          </a:prstGeom>
-        </p:spPr>
-        <p:style>
-          <a:lnRef idx="2">
-            <a:schemeClr val="accent1">
-              <a:shade val="50000"/>
-            </a:schemeClr>
-          </a:lnRef>
-          <a:fillRef idx="1">
-            <a:schemeClr val="accent1"/>
-          </a:fillRef>
-          <a:effectRef idx="0">
-            <a:schemeClr val="accent1"/>
-          </a:effectRef>
-          <a:fontRef idx="minor">
-            <a:schemeClr val="lt1"/>
-          </a:fontRef>
-        </p:style>
-        <p:txBody>
-          <a:bodyPr rtlCol="0" anchor="ctr"/>
-          <a:lstStyle/>
-          <a:p>
-            <a:pPr algn="ctr"/>
-            <a:endParaRPr lang="en-US"/>
-          </a:p>
-        </p:txBody>
-      </p:sp>
-      <p:sp>
-        <p:nvSpPr>
-          <p:cNvPr id="9" name="Suorakulmio 9">
-            <a:extLst>
-              <a:ext uri="{FF2B5EF4-FFF2-40B4-BE49-F238E27FC236}">
-                <a16:creationId xmlns:a16="http://schemas.microsoft.com/office/drawing/2014/main" id="{EBE9A221-8576-4C4E-8CAE-B5331F117588}"/>
-              </a:ext>
-            </a:extLst>
-          </p:cNvPr>
-          <p:cNvSpPr/>
-          <p:nvPr/>
-        </p:nvSpPr>
-        <p:spPr>
-          <a:xfrm>
-            <a:off x="5455319" y="3689056"/>
-            <a:ext cx="1361130" cy="459527"/>
-          </a:xfrm>
-          <a:prstGeom prst="rect">
-            <a:avLst/>
-          </a:prstGeom>
-        </p:spPr>
-        <p:style>
-          <a:lnRef idx="2">
-            <a:schemeClr val="accent1">
-              <a:shade val="50000"/>
-            </a:schemeClr>
-          </a:lnRef>
-          <a:fillRef idx="1">
-            <a:schemeClr val="accent1"/>
-          </a:fillRef>
-          <a:effectRef idx="0">
-            <a:schemeClr val="accent1"/>
-          </a:effectRef>
-          <a:fontRef idx="minor">
-            <a:schemeClr val="lt1"/>
-          </a:fontRef>
-        </p:style>
-        <p:txBody>
-          <a:bodyPr rtlCol="0" anchor="ctr"/>
-          <a:lstStyle/>
-          <a:p>
-            <a:pPr algn="ctr"/>
-            <a:r>
-              <a:rPr lang="en-US" dirty="0" err="1"/>
-              <a:t>UserDAO</a:t>
-            </a:r>
-            <a:endParaRPr lang="en-US" dirty="0"/>
-          </a:p>
-        </p:txBody>
-      </p:sp>
-      <p:sp>
-        <p:nvSpPr>
-          <p:cNvPr id="10" name="Suorakulmio 10">
-            <a:extLst>
-              <a:ext uri="{FF2B5EF4-FFF2-40B4-BE49-F238E27FC236}">
-                <a16:creationId xmlns:a16="http://schemas.microsoft.com/office/drawing/2014/main" id="{A948A0A5-3461-40C9-96F9-5DD5D1AC1E67}"/>
-              </a:ext>
-            </a:extLst>
-          </p:cNvPr>
-          <p:cNvSpPr/>
-          <p:nvPr/>
-        </p:nvSpPr>
-        <p:spPr>
-          <a:xfrm>
-            <a:off x="5482657" y="4285858"/>
-            <a:ext cx="1506297" cy="459527"/>
-          </a:xfrm>
-          <a:prstGeom prst="rect">
-            <a:avLst/>
-          </a:prstGeom>
-        </p:spPr>
-        <p:style>
-          <a:lnRef idx="2">
-            <a:schemeClr val="accent1">
-              <a:shade val="50000"/>
-            </a:schemeClr>
-          </a:lnRef>
-          <a:fillRef idx="1">
-            <a:schemeClr val="accent1"/>
-          </a:fillRef>
-          <a:effectRef idx="0">
-            <a:schemeClr val="accent1"/>
-          </a:effectRef>
-          <a:fontRef idx="minor">
-            <a:schemeClr val="lt1"/>
-          </a:fontRef>
-        </p:style>
-        <p:txBody>
-          <a:bodyPr rtlCol="0" anchor="ctr"/>
-          <a:lstStyle/>
-          <a:p>
-            <a:pPr algn="ctr"/>
-            <a:r>
-              <a:rPr lang="en-US" dirty="0" err="1"/>
-              <a:t>CompanyDAO</a:t>
-            </a:r>
-            <a:endParaRPr lang="en-US" dirty="0"/>
-          </a:p>
-        </p:txBody>
-      </p:sp>
-      <p:sp>
-        <p:nvSpPr>
-          <p:cNvPr id="11" name="Suorakulmio 11">
-            <a:extLst>
-              <a:ext uri="{FF2B5EF4-FFF2-40B4-BE49-F238E27FC236}">
-                <a16:creationId xmlns:a16="http://schemas.microsoft.com/office/drawing/2014/main" id="{8CA77735-9C2E-4B80-A62E-E7C7B29C5604}"/>
-              </a:ext>
-            </a:extLst>
-          </p:cNvPr>
-          <p:cNvSpPr/>
-          <p:nvPr/>
-        </p:nvSpPr>
-        <p:spPr>
-          <a:xfrm>
-            <a:off x="5482658" y="4850086"/>
-            <a:ext cx="1361130" cy="459527"/>
-          </a:xfrm>
-          <a:prstGeom prst="rect">
-            <a:avLst/>
-          </a:prstGeom>
-        </p:spPr>
-        <p:style>
-          <a:lnRef idx="2">
-            <a:schemeClr val="accent1">
-              <a:shade val="50000"/>
-            </a:schemeClr>
-          </a:lnRef>
-          <a:fillRef idx="1">
-            <a:schemeClr val="accent1"/>
-          </a:fillRef>
-          <a:effectRef idx="0">
-            <a:schemeClr val="accent1"/>
-          </a:effectRef>
-          <a:fontRef idx="minor">
-            <a:schemeClr val="lt1"/>
-          </a:fontRef>
-        </p:style>
-        <p:txBody>
-          <a:bodyPr rtlCol="0" anchor="ctr"/>
-          <a:lstStyle/>
-          <a:p>
-            <a:pPr algn="ctr"/>
-            <a:r>
-              <a:rPr lang="en-US" dirty="0" err="1"/>
-              <a:t>PersonDAO</a:t>
-            </a:r>
-            <a:endParaRPr lang="en-US" dirty="0"/>
-          </a:p>
-        </p:txBody>
-      </p:sp>
-      <p:sp>
-        <p:nvSpPr>
-          <p:cNvPr id="12" name="Suorakulmio 12">
-            <a:extLst>
-              <a:ext uri="{FF2B5EF4-FFF2-40B4-BE49-F238E27FC236}">
-                <a16:creationId xmlns:a16="http://schemas.microsoft.com/office/drawing/2014/main" id="{589697CD-F90F-4887-8578-47EB89144D19}"/>
-              </a:ext>
-            </a:extLst>
-          </p:cNvPr>
-          <p:cNvSpPr/>
-          <p:nvPr/>
-        </p:nvSpPr>
-        <p:spPr>
-          <a:xfrm>
-            <a:off x="3478773" y="3689056"/>
-            <a:ext cx="1361130" cy="459527"/>
-          </a:xfrm>
-          <a:prstGeom prst="rect">
-            <a:avLst/>
-          </a:prstGeom>
-        </p:spPr>
-        <p:style>
-          <a:lnRef idx="2">
-            <a:schemeClr val="accent1">
-              <a:shade val="50000"/>
-            </a:schemeClr>
-          </a:lnRef>
-          <a:fillRef idx="1">
-            <a:schemeClr val="accent1"/>
-          </a:fillRef>
-          <a:effectRef idx="0">
-            <a:schemeClr val="accent1"/>
-          </a:effectRef>
-          <a:fontRef idx="minor">
-            <a:schemeClr val="lt1"/>
-          </a:fontRef>
-        </p:style>
-        <p:txBody>
-          <a:bodyPr rtlCol="0" anchor="ctr"/>
-          <a:lstStyle/>
-          <a:p>
-            <a:pPr algn="ctr"/>
-            <a:r>
-              <a:rPr lang="en-US" dirty="0" err="1"/>
-              <a:t>UserAPI</a:t>
-            </a:r>
-            <a:endParaRPr lang="en-US" dirty="0"/>
-          </a:p>
-        </p:txBody>
-      </p:sp>
-      <p:sp>
-        <p:nvSpPr>
-          <p:cNvPr id="13" name="Suorakulmio 13">
-            <a:extLst>
-              <a:ext uri="{FF2B5EF4-FFF2-40B4-BE49-F238E27FC236}">
-                <a16:creationId xmlns:a16="http://schemas.microsoft.com/office/drawing/2014/main" id="{4B54ED2E-00DE-471B-A9BE-0ED668A5FF58}"/>
-              </a:ext>
-            </a:extLst>
-          </p:cNvPr>
-          <p:cNvSpPr/>
-          <p:nvPr/>
-        </p:nvSpPr>
-        <p:spPr>
-          <a:xfrm>
-            <a:off x="3506112" y="4285858"/>
-            <a:ext cx="1633026" cy="459527"/>
-          </a:xfrm>
-          <a:prstGeom prst="rect">
-            <a:avLst/>
-          </a:prstGeom>
-        </p:spPr>
-        <p:style>
-          <a:lnRef idx="2">
-            <a:schemeClr val="accent1">
-              <a:shade val="50000"/>
-            </a:schemeClr>
-          </a:lnRef>
-          <a:fillRef idx="1">
-            <a:schemeClr val="accent1"/>
-          </a:fillRef>
-          <a:effectRef idx="0">
-            <a:schemeClr val="accent1"/>
-          </a:effectRef>
-          <a:fontRef idx="minor">
-            <a:schemeClr val="lt1"/>
-          </a:fontRef>
-        </p:style>
-        <p:txBody>
-          <a:bodyPr rtlCol="0" anchor="ctr"/>
-          <a:lstStyle/>
-          <a:p>
-            <a:pPr algn="ctr"/>
-            <a:r>
-              <a:rPr lang="en-US" dirty="0" err="1"/>
-              <a:t>CompanykAPI</a:t>
-            </a:r>
-            <a:endParaRPr lang="en-US" dirty="0"/>
-          </a:p>
-        </p:txBody>
-      </p:sp>
-      <p:sp>
-        <p:nvSpPr>
-          <p:cNvPr id="14" name="Suorakulmio 14">
-            <a:extLst>
-              <a:ext uri="{FF2B5EF4-FFF2-40B4-BE49-F238E27FC236}">
-                <a16:creationId xmlns:a16="http://schemas.microsoft.com/office/drawing/2014/main" id="{781D1C61-0FF4-44E6-BE8A-4AA95DE5F70A}"/>
-              </a:ext>
-            </a:extLst>
-          </p:cNvPr>
-          <p:cNvSpPr/>
-          <p:nvPr/>
-        </p:nvSpPr>
-        <p:spPr>
-          <a:xfrm>
-            <a:off x="3506112" y="4850086"/>
-            <a:ext cx="1361130" cy="459527"/>
-          </a:xfrm>
-          <a:prstGeom prst="rect">
-            <a:avLst/>
-          </a:prstGeom>
-        </p:spPr>
-        <p:style>
-          <a:lnRef idx="2">
-            <a:schemeClr val="accent1">
-              <a:shade val="50000"/>
-            </a:schemeClr>
-          </a:lnRef>
-          <a:fillRef idx="1">
-            <a:schemeClr val="accent1"/>
-          </a:fillRef>
-          <a:effectRef idx="0">
-            <a:schemeClr val="accent1"/>
-          </a:effectRef>
-          <a:fontRef idx="minor">
-            <a:schemeClr val="lt1"/>
-          </a:fontRef>
-        </p:style>
-        <p:txBody>
-          <a:bodyPr rtlCol="0" anchor="ctr"/>
-          <a:lstStyle/>
-          <a:p>
-            <a:pPr algn="ctr"/>
-            <a:r>
-              <a:rPr lang="en-US" dirty="0" err="1"/>
-              <a:t>JobAPI</a:t>
-            </a:r>
-            <a:endParaRPr lang="en-US" dirty="0"/>
-          </a:p>
-        </p:txBody>
-      </p:sp>
-      <p:sp>
-        <p:nvSpPr>
-          <p:cNvPr id="16" name="Suorakulmio 18">
-            <a:extLst>
-              <a:ext uri="{FF2B5EF4-FFF2-40B4-BE49-F238E27FC236}">
-                <a16:creationId xmlns:a16="http://schemas.microsoft.com/office/drawing/2014/main" id="{52C7D8FF-54AE-4CBE-9FB2-DA31168EA669}"/>
-              </a:ext>
-            </a:extLst>
-          </p:cNvPr>
-          <p:cNvSpPr/>
-          <p:nvPr/>
-        </p:nvSpPr>
-        <p:spPr>
-          <a:xfrm>
-            <a:off x="3448524" y="2969101"/>
-            <a:ext cx="6608459" cy="459527"/>
-          </a:xfrm>
-          <a:prstGeom prst="rect">
-            <a:avLst/>
-          </a:prstGeom>
-        </p:spPr>
-        <p:style>
-          <a:lnRef idx="2">
-            <a:schemeClr val="accent1">
-              <a:shade val="50000"/>
-            </a:schemeClr>
-          </a:lnRef>
-          <a:fillRef idx="1">
-            <a:schemeClr val="accent1"/>
-          </a:fillRef>
-          <a:effectRef idx="0">
-            <a:schemeClr val="accent1"/>
-          </a:effectRef>
-          <a:fontRef idx="minor">
-            <a:schemeClr val="lt1"/>
-          </a:fontRef>
-        </p:style>
-        <p:txBody>
-          <a:bodyPr rtlCol="0" anchor="ctr"/>
-          <a:lstStyle/>
-          <a:p>
-            <a:pPr algn="ctr"/>
-            <a:r>
-              <a:rPr lang="en-US" dirty="0"/>
-              <a:t>Server.js</a:t>
-            </a:r>
-          </a:p>
-        </p:txBody>
-      </p:sp>
-      <p:sp>
-        <p:nvSpPr>
-          <p:cNvPr id="17" name="Suorakulmio 19">
-            <a:extLst>
-              <a:ext uri="{FF2B5EF4-FFF2-40B4-BE49-F238E27FC236}">
-                <a16:creationId xmlns:a16="http://schemas.microsoft.com/office/drawing/2014/main" id="{E7F726C1-4B7F-4954-ADF6-E91C3182DE81}"/>
-              </a:ext>
-            </a:extLst>
-          </p:cNvPr>
-          <p:cNvSpPr/>
-          <p:nvPr/>
-        </p:nvSpPr>
-        <p:spPr>
-          <a:xfrm>
-            <a:off x="3448524" y="2279046"/>
-            <a:ext cx="5681844" cy="416338"/>
-          </a:xfrm>
-          <a:prstGeom prst="rect">
-            <a:avLst/>
-          </a:prstGeom>
-        </p:spPr>
-        <p:style>
-          <a:lnRef idx="2">
-            <a:schemeClr val="accent1">
-              <a:shade val="50000"/>
-            </a:schemeClr>
-          </a:lnRef>
-          <a:fillRef idx="1">
-            <a:schemeClr val="accent1"/>
-          </a:fillRef>
-          <a:effectRef idx="0">
-            <a:schemeClr val="accent1"/>
-          </a:effectRef>
-          <a:fontRef idx="minor">
-            <a:schemeClr val="lt1"/>
-          </a:fontRef>
-        </p:style>
-        <p:txBody>
-          <a:bodyPr rtlCol="0" anchor="ctr"/>
-          <a:lstStyle/>
-          <a:p>
-            <a:pPr algn="ctr"/>
-            <a:r>
-              <a:rPr lang="en-US" dirty="0"/>
-              <a:t>angular index.html, </a:t>
-            </a:r>
-            <a:r>
-              <a:rPr lang="en-US" dirty="0" err="1"/>
-              <a:t>styles,images</a:t>
-            </a:r>
-            <a:endParaRPr lang="en-US" dirty="0"/>
-          </a:p>
-        </p:txBody>
-      </p:sp>
-      <p:sp>
-        <p:nvSpPr>
-          <p:cNvPr id="18" name="Suorakulmio 20">
-            <a:extLst>
-              <a:ext uri="{FF2B5EF4-FFF2-40B4-BE49-F238E27FC236}">
-                <a16:creationId xmlns:a16="http://schemas.microsoft.com/office/drawing/2014/main" id="{2FBF4112-95FC-4AAC-BEB9-EF69EC5EAC1F}"/>
-              </a:ext>
-            </a:extLst>
-          </p:cNvPr>
-          <p:cNvSpPr/>
-          <p:nvPr/>
-        </p:nvSpPr>
-        <p:spPr>
-          <a:xfrm>
-            <a:off x="668679" y="2095400"/>
-            <a:ext cx="1207566" cy="3266711"/>
-          </a:xfrm>
-          <a:prstGeom prst="rect">
-            <a:avLst/>
-          </a:prstGeom>
-        </p:spPr>
-        <p:style>
-          <a:lnRef idx="2">
-            <a:schemeClr val="accent1">
-              <a:shade val="50000"/>
-            </a:schemeClr>
-          </a:lnRef>
-          <a:fillRef idx="1">
-            <a:schemeClr val="accent1"/>
-          </a:fillRef>
-          <a:effectRef idx="0">
-            <a:schemeClr val="accent1"/>
-          </a:effectRef>
-          <a:fontRef idx="minor">
-            <a:schemeClr val="lt1"/>
-          </a:fontRef>
-        </p:style>
-        <p:txBody>
-          <a:bodyPr rtlCol="0" anchor="ctr"/>
-          <a:lstStyle/>
-          <a:p>
-            <a:pPr algn="ctr"/>
-            <a:r>
-              <a:rPr lang="en-US" dirty="0"/>
-              <a:t>Client</a:t>
-            </a:r>
-          </a:p>
-        </p:txBody>
-      </p:sp>
-      <p:sp>
-        <p:nvSpPr>
-          <p:cNvPr id="19" name="Nuoli: Oikea 21">
-            <a:extLst>
-              <a:ext uri="{FF2B5EF4-FFF2-40B4-BE49-F238E27FC236}">
-                <a16:creationId xmlns:a16="http://schemas.microsoft.com/office/drawing/2014/main" id="{0040B4B2-3858-458A-AA38-0783F5E9FB07}"/>
-              </a:ext>
-            </a:extLst>
-          </p:cNvPr>
-          <p:cNvSpPr/>
-          <p:nvPr/>
-        </p:nvSpPr>
-        <p:spPr>
-          <a:xfrm>
-            <a:off x="2131894" y="2333316"/>
-            <a:ext cx="1091230" cy="321087"/>
-          </a:xfrm>
-          <a:prstGeom prst="rightArrow">
-            <a:avLst/>
-          </a:prstGeom>
-        </p:spPr>
-        <p:style>
-          <a:lnRef idx="2">
-            <a:schemeClr val="accent1">
-              <a:shade val="50000"/>
-            </a:schemeClr>
-          </a:lnRef>
-          <a:fillRef idx="1">
-            <a:schemeClr val="accent1"/>
-          </a:fillRef>
-          <a:effectRef idx="0">
-            <a:schemeClr val="accent1"/>
-          </a:effectRef>
-          <a:fontRef idx="minor">
-            <a:schemeClr val="lt1"/>
-          </a:fontRef>
-        </p:style>
-        <p:txBody>
-          <a:bodyPr rtlCol="0" anchor="ctr"/>
-          <a:lstStyle/>
-          <a:p>
-            <a:pPr algn="ctr"/>
-            <a:endParaRPr lang="en-US"/>
-          </a:p>
-        </p:txBody>
-      </p:sp>
-      <p:sp>
-        <p:nvSpPr>
-          <p:cNvPr id="20" name="Nuoli: Oikea 22">
-            <a:extLst>
-              <a:ext uri="{FF2B5EF4-FFF2-40B4-BE49-F238E27FC236}">
-                <a16:creationId xmlns:a16="http://schemas.microsoft.com/office/drawing/2014/main" id="{9AA74151-B42F-4848-AECF-63AC652CBD46}"/>
-              </a:ext>
-            </a:extLst>
-          </p:cNvPr>
-          <p:cNvSpPr/>
-          <p:nvPr/>
-        </p:nvSpPr>
-        <p:spPr>
-          <a:xfrm>
-            <a:off x="2079835" y="3804424"/>
-            <a:ext cx="1091230" cy="321087"/>
-          </a:xfrm>
-          <a:prstGeom prst="rightArrow">
-            <a:avLst/>
-          </a:prstGeom>
-        </p:spPr>
-        <p:style>
-          <a:lnRef idx="2">
-            <a:schemeClr val="accent1">
-              <a:shade val="50000"/>
-            </a:schemeClr>
-          </a:lnRef>
-          <a:fillRef idx="1">
-            <a:schemeClr val="accent1"/>
-          </a:fillRef>
-          <a:effectRef idx="0">
-            <a:schemeClr val="accent1"/>
-          </a:effectRef>
-          <a:fontRef idx="minor">
-            <a:schemeClr val="lt1"/>
-          </a:fontRef>
-        </p:style>
-        <p:txBody>
-          <a:bodyPr rtlCol="0" anchor="ctr"/>
-          <a:lstStyle/>
-          <a:p>
-            <a:pPr algn="ctr"/>
-            <a:endParaRPr lang="en-US"/>
-          </a:p>
-        </p:txBody>
-      </p:sp>
-      <p:sp>
-        <p:nvSpPr>
-          <p:cNvPr id="21" name="Nuoli: Oikea 23">
-            <a:extLst>
-              <a:ext uri="{FF2B5EF4-FFF2-40B4-BE49-F238E27FC236}">
-                <a16:creationId xmlns:a16="http://schemas.microsoft.com/office/drawing/2014/main" id="{06E3F205-F14C-48D0-90F7-9510258E2E61}"/>
-              </a:ext>
-            </a:extLst>
-          </p:cNvPr>
-          <p:cNvSpPr/>
-          <p:nvPr/>
-        </p:nvSpPr>
-        <p:spPr>
-          <a:xfrm>
-            <a:off x="2076054" y="4393061"/>
-            <a:ext cx="1091230" cy="321087"/>
-          </a:xfrm>
-          <a:prstGeom prst="rightArrow">
-            <a:avLst/>
-          </a:prstGeom>
-        </p:spPr>
-        <p:style>
-          <a:lnRef idx="2">
-            <a:schemeClr val="accent1">
-              <a:shade val="50000"/>
-            </a:schemeClr>
-          </a:lnRef>
-          <a:fillRef idx="1">
-            <a:schemeClr val="accent1"/>
-          </a:fillRef>
-          <a:effectRef idx="0">
-            <a:schemeClr val="accent1"/>
-          </a:effectRef>
-          <a:fontRef idx="minor">
-            <a:schemeClr val="lt1"/>
-          </a:fontRef>
-        </p:style>
-        <p:txBody>
-          <a:bodyPr rtlCol="0" anchor="ctr"/>
-          <a:lstStyle/>
-          <a:p>
-            <a:pPr algn="ctr"/>
-            <a:endParaRPr lang="en-US"/>
-          </a:p>
-        </p:txBody>
-      </p:sp>
-      <p:sp>
-        <p:nvSpPr>
-          <p:cNvPr id="22" name="Nuoli: Oikea 24">
-            <a:extLst>
-              <a:ext uri="{FF2B5EF4-FFF2-40B4-BE49-F238E27FC236}">
-                <a16:creationId xmlns:a16="http://schemas.microsoft.com/office/drawing/2014/main" id="{990F148B-218D-4AB9-B2C9-E08B3CCC4ADD}"/>
-              </a:ext>
-            </a:extLst>
-          </p:cNvPr>
-          <p:cNvSpPr/>
-          <p:nvPr/>
-        </p:nvSpPr>
-        <p:spPr>
-          <a:xfrm>
-            <a:off x="2081581" y="4924543"/>
-            <a:ext cx="1091230" cy="321087"/>
-          </a:xfrm>
-          <a:prstGeom prst="rightArrow">
-            <a:avLst/>
-          </a:prstGeom>
-        </p:spPr>
-        <p:style>
-          <a:lnRef idx="2">
-            <a:schemeClr val="accent1">
-              <a:shade val="50000"/>
-            </a:schemeClr>
-          </a:lnRef>
-          <a:fillRef idx="1">
-            <a:schemeClr val="accent1"/>
-          </a:fillRef>
-          <a:effectRef idx="0">
-            <a:schemeClr val="accent1"/>
-          </a:effectRef>
-          <a:fontRef idx="minor">
-            <a:schemeClr val="lt1"/>
-          </a:fontRef>
-        </p:style>
-        <p:txBody>
-          <a:bodyPr rtlCol="0" anchor="ctr"/>
-          <a:lstStyle/>
-          <a:p>
-            <a:pPr algn="ctr"/>
-            <a:endParaRPr lang="en-US"/>
-          </a:p>
-        </p:txBody>
-      </p:sp>
-      <p:sp>
-        <p:nvSpPr>
-          <p:cNvPr id="23" name="Sisällön paikkamerkki 2">
-            <a:extLst>
-              <a:ext uri="{FF2B5EF4-FFF2-40B4-BE49-F238E27FC236}">
-                <a16:creationId xmlns:a16="http://schemas.microsoft.com/office/drawing/2014/main" id="{195E5F1B-252C-4C0B-BCBD-2DE6CB124000}"/>
+              <a:t>Application_id</a:t>
+            </a:r>
+          </a:p>
+        </p:txBody>
+      </p:sp>
+      <p:sp>
+        <p:nvSpPr>
+          <p:cNvPr id="7" name="Content Placeholder 2">
+            <a:extLst>
+              <a:ext uri="{FF2B5EF4-FFF2-40B4-BE49-F238E27FC236}">
+                <a16:creationId xmlns:a16="http://schemas.microsoft.com/office/drawing/2014/main" id="{6F15E2B3-BDE2-4177-89C5-6E095E35843E}"/>
               </a:ext>
             </a:extLst>
           </p:cNvPr>
@@ -8931,12 +8031,17 @@
         </p:nvSpPr>
         <p:spPr>
           <a:xfrm>
-            <a:off x="668679" y="5633974"/>
-            <a:ext cx="10515600" cy="1103883"/>
+            <a:off x="6472359" y="1995487"/>
+            <a:ext cx="2321993" cy="4124601"/>
           </a:xfrm>
           <a:prstGeom prst="rect">
             <a:avLst/>
           </a:prstGeom>
+          <a:ln>
+            <a:solidFill>
+              <a:schemeClr val="tx1"/>
+            </a:solidFill>
+          </a:ln>
         </p:spPr>
         <p:txBody>
           <a:bodyPr vert="horz" lIns="91440" tIns="45720" rIns="91440" bIns="45720" rtlCol="0">
@@ -9107,29 +8212,332 @@
             </a:lvl9pPr>
           </a:lstStyle>
           <a:p>
-            <a:r>
-              <a:rPr lang="en-US"/>
-              <a:t>Node-Express web server</a:t>
-            </a:r>
-          </a:p>
-          <a:p>
-            <a:r>
-              <a:rPr lang="en-US"/>
-              <a:t>MySQL-Database, node-mysql extension</a:t>
-            </a:r>
-          </a:p>
-          <a:p>
-            <a:endParaRPr lang="en-US"/>
-          </a:p>
-          <a:p>
-            <a:endParaRPr lang="en-US" dirty="0"/>
-          </a:p>
-        </p:txBody>
-      </p:sp>
+            <a:pPr marL="0" indent="0">
+              <a:buFont typeface="Arial" panose="020B0604020202020204" pitchFamily="34" charset="0"/>
+              <a:buNone/>
+            </a:pPr>
+            <a:r>
+              <a:rPr lang="fi-FI" b="1" dirty="0"/>
+              <a:t>Application</a:t>
+            </a:r>
+          </a:p>
+          <a:p>
+            <a:pPr marL="0" indent="0">
+              <a:buFont typeface="Arial" panose="020B0604020202020204" pitchFamily="34" charset="0"/>
+              <a:buNone/>
+            </a:pPr>
+            <a:r>
+              <a:rPr lang="fi-FI" dirty="0"/>
+              <a:t>id</a:t>
+            </a:r>
+          </a:p>
+          <a:p>
+            <a:pPr marL="0" indent="0">
+              <a:buFont typeface="Arial" panose="020B0604020202020204" pitchFamily="34" charset="0"/>
+              <a:buNone/>
+            </a:pPr>
+            <a:r>
+              <a:rPr lang="fi-FI" dirty="0"/>
+              <a:t>job_id</a:t>
+            </a:r>
+          </a:p>
+          <a:p>
+            <a:pPr marL="0" indent="0">
+              <a:buFont typeface="Arial" panose="020B0604020202020204" pitchFamily="34" charset="0"/>
+              <a:buNone/>
+            </a:pPr>
+            <a:r>
+              <a:rPr lang="fi-FI" dirty="0"/>
+              <a:t>user_id</a:t>
+            </a:r>
+          </a:p>
+          <a:p>
+            <a:pPr marL="0" indent="0">
+              <a:buNone/>
+            </a:pPr>
+            <a:r>
+              <a:rPr lang="fi-FI" dirty="0"/>
+              <a:t>company_id</a:t>
+            </a:r>
+          </a:p>
+          <a:p>
+            <a:pPr marL="0" indent="0">
+              <a:buNone/>
+            </a:pPr>
+            <a:r>
+              <a:rPr lang="fi-FI" dirty="0"/>
+              <a:t>applicaition_id</a:t>
+            </a:r>
+          </a:p>
+          <a:p>
+            <a:pPr marL="0" indent="0">
+              <a:buFont typeface="Arial" panose="020B0604020202020204" pitchFamily="34" charset="0"/>
+              <a:buNone/>
+            </a:pPr>
+            <a:endParaRPr lang="fi-FI" dirty="0"/>
+          </a:p>
+        </p:txBody>
+      </p:sp>
+      <mc:AlternateContent xmlns:mc="http://schemas.openxmlformats.org/markup-compatibility/2006" xmlns:p14="http://schemas.microsoft.com/office/powerpoint/2010/main">
+        <mc:Choice Requires="p14">
+          <p:contentPart p14:bwMode="auto" r:id="rId3">
+            <p14:nvContentPartPr>
+              <p14:cNvPr id="8" name="Ink 7">
+                <a:extLst>
+                  <a:ext uri="{FF2B5EF4-FFF2-40B4-BE49-F238E27FC236}">
+                    <a16:creationId xmlns:a16="http://schemas.microsoft.com/office/drawing/2014/main" id="{5CB69F9B-BC05-4BFD-965C-6C8ADF476352}"/>
+                  </a:ext>
+                </a:extLst>
+              </p14:cNvPr>
+              <p14:cNvContentPartPr/>
+              <p14:nvPr/>
+            </p14:nvContentPartPr>
+            <p14:xfrm>
+              <a:off x="3418790" y="5326779"/>
+              <a:ext cx="360" cy="360"/>
+            </p14:xfrm>
+          </p:contentPart>
+        </mc:Choice>
+        <mc:Fallback xmlns="">
+          <p:pic>
+            <p:nvPicPr>
+              <p:cNvPr id="8" name="Ink 7">
+                <a:extLst>
+                  <a:ext uri="{FF2B5EF4-FFF2-40B4-BE49-F238E27FC236}">
+                    <a16:creationId xmlns:a16="http://schemas.microsoft.com/office/drawing/2014/main" id="{5CB69F9B-BC05-4BFD-965C-6C8ADF476352}"/>
+                  </a:ext>
+                </a:extLst>
+              </p:cNvPr>
+              <p:cNvPicPr/>
+              <p:nvPr/>
+            </p:nvPicPr>
+            <p:blipFill>
+              <a:blip r:embed="rId4"/>
+              <a:stretch>
+                <a:fillRect/>
+              </a:stretch>
+            </p:blipFill>
+            <p:spPr>
+              <a:xfrm>
+                <a:off x="3410150" y="5317779"/>
+                <a:ext cx="18000" cy="18000"/>
+              </a:xfrm>
+              <a:prstGeom prst="rect">
+                <a:avLst/>
+              </a:prstGeom>
+            </p:spPr>
+          </p:pic>
+        </mc:Fallback>
+      </mc:AlternateContent>
+      <p:cxnSp>
+        <p:nvCxnSpPr>
+          <p:cNvPr id="21" name="Straight Arrow Connector 20">
+            <a:extLst>
+              <a:ext uri="{FF2B5EF4-FFF2-40B4-BE49-F238E27FC236}">
+                <a16:creationId xmlns:a16="http://schemas.microsoft.com/office/drawing/2014/main" id="{42720161-5BB3-4F54-A8AE-FE868CDFA33D}"/>
+              </a:ext>
+            </a:extLst>
+          </p:cNvPr>
+          <p:cNvCxnSpPr>
+            <a:cxnSpLocks/>
+          </p:cNvCxnSpPr>
+          <p:nvPr/>
+        </p:nvCxnSpPr>
+        <p:spPr>
+          <a:xfrm flipH="1">
+            <a:off x="7849772" y="3299792"/>
+            <a:ext cx="1632158" cy="469320"/>
+          </a:xfrm>
+          <a:prstGeom prst="straightConnector1">
+            <a:avLst/>
+          </a:prstGeom>
+          <a:ln>
+            <a:tailEnd type="triangle"/>
+          </a:ln>
+        </p:spPr>
+        <p:style>
+          <a:lnRef idx="1">
+            <a:schemeClr val="accent1"/>
+          </a:lnRef>
+          <a:fillRef idx="0">
+            <a:schemeClr val="accent1"/>
+          </a:fillRef>
+          <a:effectRef idx="0">
+            <a:schemeClr val="accent1"/>
+          </a:effectRef>
+          <a:fontRef idx="minor">
+            <a:schemeClr val="tx1"/>
+          </a:fontRef>
+        </p:style>
+      </p:cxnSp>
+      <p:cxnSp>
+        <p:nvCxnSpPr>
+          <p:cNvPr id="23" name="Straight Arrow Connector 22">
+            <a:extLst>
+              <a:ext uri="{FF2B5EF4-FFF2-40B4-BE49-F238E27FC236}">
+                <a16:creationId xmlns:a16="http://schemas.microsoft.com/office/drawing/2014/main" id="{F65FBAF9-8155-4972-A7A6-F8E832D8C43F}"/>
+              </a:ext>
+            </a:extLst>
+          </p:cNvPr>
+          <p:cNvCxnSpPr>
+            <a:cxnSpLocks/>
+          </p:cNvCxnSpPr>
+          <p:nvPr/>
+        </p:nvCxnSpPr>
+        <p:spPr>
+          <a:xfrm>
+            <a:off x="4938933" y="3299792"/>
+            <a:ext cx="1533426" cy="1"/>
+          </a:xfrm>
+          <a:prstGeom prst="straightConnector1">
+            <a:avLst/>
+          </a:prstGeom>
+          <a:ln>
+            <a:tailEnd type="triangle"/>
+          </a:ln>
+        </p:spPr>
+        <p:style>
+          <a:lnRef idx="1">
+            <a:schemeClr val="accent1"/>
+          </a:lnRef>
+          <a:fillRef idx="0">
+            <a:schemeClr val="accent1"/>
+          </a:fillRef>
+          <a:effectRef idx="0">
+            <a:schemeClr val="accent1"/>
+          </a:effectRef>
+          <a:fontRef idx="minor">
+            <a:schemeClr val="tx1"/>
+          </a:fontRef>
+        </p:style>
+      </p:cxnSp>
+      <p:cxnSp>
+        <p:nvCxnSpPr>
+          <p:cNvPr id="25" name="Straight Arrow Connector 24">
+            <a:extLst>
+              <a:ext uri="{FF2B5EF4-FFF2-40B4-BE49-F238E27FC236}">
+                <a16:creationId xmlns:a16="http://schemas.microsoft.com/office/drawing/2014/main" id="{A182880F-0DB4-41F9-8EC5-B485C8807316}"/>
+              </a:ext>
+            </a:extLst>
+          </p:cNvPr>
+          <p:cNvCxnSpPr>
+            <a:cxnSpLocks/>
+          </p:cNvCxnSpPr>
+          <p:nvPr/>
+        </p:nvCxnSpPr>
+        <p:spPr>
+          <a:xfrm>
+            <a:off x="2219093" y="3513865"/>
+            <a:ext cx="1342427" cy="1390920"/>
+          </a:xfrm>
+          <a:prstGeom prst="straightConnector1">
+            <a:avLst/>
+          </a:prstGeom>
+          <a:ln>
+            <a:tailEnd type="triangle"/>
+          </a:ln>
+        </p:spPr>
+        <p:style>
+          <a:lnRef idx="1">
+            <a:schemeClr val="accent1"/>
+          </a:lnRef>
+          <a:fillRef idx="0">
+            <a:schemeClr val="accent1"/>
+          </a:fillRef>
+          <a:effectRef idx="0">
+            <a:schemeClr val="accent1"/>
+          </a:effectRef>
+          <a:fontRef idx="minor">
+            <a:schemeClr val="tx1"/>
+          </a:fontRef>
+        </p:style>
+      </p:cxnSp>
+      <p:cxnSp>
+        <p:nvCxnSpPr>
+          <p:cNvPr id="14" name="Straight Arrow Connector 13">
+            <a:extLst>
+              <a:ext uri="{FF2B5EF4-FFF2-40B4-BE49-F238E27FC236}">
+                <a16:creationId xmlns:a16="http://schemas.microsoft.com/office/drawing/2014/main" id="{F0F7EA99-2C0D-4982-8ABD-EECB7E7EC2C3}"/>
+              </a:ext>
+            </a:extLst>
+          </p:cNvPr>
+          <p:cNvCxnSpPr>
+            <a:cxnSpLocks/>
+          </p:cNvCxnSpPr>
+          <p:nvPr/>
+        </p:nvCxnSpPr>
+        <p:spPr>
+          <a:xfrm flipV="1">
+            <a:off x="5719642" y="5006899"/>
+            <a:ext cx="944093" cy="591013"/>
+          </a:xfrm>
+          <a:prstGeom prst="straightConnector1">
+            <a:avLst/>
+          </a:prstGeom>
+          <a:ln>
+            <a:tailEnd type="triangle"/>
+          </a:ln>
+        </p:spPr>
+        <p:style>
+          <a:lnRef idx="1">
+            <a:schemeClr val="accent1"/>
+          </a:lnRef>
+          <a:fillRef idx="0">
+            <a:schemeClr val="accent1"/>
+          </a:fillRef>
+          <a:effectRef idx="0">
+            <a:schemeClr val="accent1"/>
+          </a:effectRef>
+          <a:fontRef idx="minor">
+            <a:schemeClr val="tx1"/>
+          </a:fontRef>
+        </p:style>
+      </p:cxnSp>
+      <p:cxnSp>
+        <p:nvCxnSpPr>
+          <p:cNvPr id="26" name="Straight Arrow Connector 25">
+            <a:extLst>
+              <a:ext uri="{FF2B5EF4-FFF2-40B4-BE49-F238E27FC236}">
+                <a16:creationId xmlns:a16="http://schemas.microsoft.com/office/drawing/2014/main" id="{F923FF2F-6D65-43AE-BB71-97AA9020E786}"/>
+              </a:ext>
+            </a:extLst>
+          </p:cNvPr>
+          <p:cNvCxnSpPr>
+            <a:cxnSpLocks/>
+          </p:cNvCxnSpPr>
+          <p:nvPr/>
+        </p:nvCxnSpPr>
+        <p:spPr>
+          <a:xfrm flipV="1">
+            <a:off x="5635924" y="4209325"/>
+            <a:ext cx="885746" cy="599709"/>
+          </a:xfrm>
+          <a:prstGeom prst="straightConnector1">
+            <a:avLst/>
+          </a:prstGeom>
+          <a:ln>
+            <a:tailEnd type="triangle"/>
+          </a:ln>
+        </p:spPr>
+        <p:style>
+          <a:lnRef idx="1">
+            <a:schemeClr val="accent1"/>
+          </a:lnRef>
+          <a:fillRef idx="0">
+            <a:schemeClr val="accent1"/>
+          </a:fillRef>
+          <a:effectRef idx="0">
+            <a:schemeClr val="accent1"/>
+          </a:effectRef>
+          <a:fontRef idx="minor">
+            <a:schemeClr val="tx1"/>
+          </a:fontRef>
+        </p:style>
+      </p:cxnSp>
     </p:spTree>
     <p:extLst>
       <p:ext uri="{BB962C8B-B14F-4D97-AF65-F5344CB8AC3E}">
-        <p14:creationId xmlns:p14="http://schemas.microsoft.com/office/powerpoint/2010/main" val="1340881087"/>
+        <p14:creationId xmlns:p14="http://schemas.microsoft.com/office/powerpoint/2010/main" val="1421449939"/>
       </p:ext>
     </p:extLst>
   </p:cSld>
@@ -9139,7 +8547,7 @@
 </p:sld>
 </file>
 
-<file path=ppt/slides/slide6.xml><?xml version="1.0" encoding="utf-8"?>
+<file path=ppt/slides/slide5.xml><?xml version="1.0" encoding="utf-8"?>
 <p:sld xmlns:a="http://schemas.openxmlformats.org/drawingml/2006/main" xmlns:r="http://schemas.openxmlformats.org/officeDocument/2006/relationships" xmlns:p="http://schemas.openxmlformats.org/presentationml/2006/main">
   <p:cSld>
     <p:spTree>
@@ -9161,7 +8569,7 @@
           <p:cNvPr id="2" name="Title 1">
             <a:extLst>
               <a:ext uri="{FF2B5EF4-FFF2-40B4-BE49-F238E27FC236}">
-                <a16:creationId xmlns:a16="http://schemas.microsoft.com/office/drawing/2014/main" id="{3A0ED958-0003-4495-8D82-57892500A6FD}"/>
+                <a16:creationId xmlns:a16="http://schemas.microsoft.com/office/drawing/2014/main" id="{CE8AC96B-1152-41F8-B643-C645168F7169}"/>
               </a:ext>
             </a:extLst>
           </p:cNvPr>
@@ -9179,7 +8587,7 @@
           <a:p>
             <a:r>
               <a:rPr lang="fi-FI" dirty="0"/>
-              <a:t>Step 2 </a:t>
+              <a:t>Step 2: Server application</a:t>
             </a:r>
             <a:endParaRPr lang="en-US" dirty="0"/>
           </a:p>
@@ -9190,7 +8598,7 @@
           <p:cNvPr id="3" name="Content Placeholder 2">
             <a:extLst>
               <a:ext uri="{FF2B5EF4-FFF2-40B4-BE49-F238E27FC236}">
-                <a16:creationId xmlns:a16="http://schemas.microsoft.com/office/drawing/2014/main" id="{23177D9B-7D17-477C-B49F-A79FFC0FCCBA}"/>
+                <a16:creationId xmlns:a16="http://schemas.microsoft.com/office/drawing/2014/main" id="{71E834B0-BFFD-4F27-9263-EEEC87BC8D6C}"/>
               </a:ext>
             </a:extLst>
           </p:cNvPr>
@@ -9203,8 +8611,8 @@
         </p:nvSpPr>
         <p:spPr>
           <a:xfrm>
-            <a:off x="838200" y="1825625"/>
-            <a:ext cx="10515600" cy="2759627"/>
+            <a:off x="668679" y="1598624"/>
+            <a:ext cx="10515600" cy="4351338"/>
           </a:xfrm>
         </p:spPr>
         <p:txBody>
@@ -9212,24 +8620,19 @@
           <a:lstStyle/>
           <a:p>
             <a:r>
-              <a:rPr lang="en-US" dirty="0"/>
-              <a:t>Architecture (Client, case Users)</a:t>
-            </a:r>
-          </a:p>
-          <a:p>
+              <a:rPr lang="fi-FI" dirty="0"/>
+              <a:t>Architecture(Server)</a:t>
+            </a:r>
             <a:endParaRPr lang="en-US" dirty="0"/>
           </a:p>
-          <a:p>
-            <a:endParaRPr lang="en-US" dirty="0"/>
-          </a:p>
-        </p:txBody>
-      </p:sp>
-      <p:sp>
-        <p:nvSpPr>
-          <p:cNvPr id="4" name="Suorakulmio 3">
-            <a:extLst>
-              <a:ext uri="{FF2B5EF4-FFF2-40B4-BE49-F238E27FC236}">
-                <a16:creationId xmlns:a16="http://schemas.microsoft.com/office/drawing/2014/main" id="{8868153D-B954-4C6E-AA60-954B691B8ACA}"/>
+        </p:txBody>
+      </p:sp>
+      <p:sp>
+        <p:nvSpPr>
+          <p:cNvPr id="4" name="Lieriö 3">
+            <a:extLst>
+              <a:ext uri="{FF2B5EF4-FFF2-40B4-BE49-F238E27FC236}">
+                <a16:creationId xmlns:a16="http://schemas.microsoft.com/office/drawing/2014/main" id="{A240E8C7-3384-4555-9124-AE01086FA261}"/>
               </a:ext>
             </a:extLst>
           </p:cNvPr>
@@ -9238,10 +8641,10 @@
         </p:nvSpPr>
         <p:spPr>
           <a:xfrm>
-            <a:off x="838200" y="2807438"/>
-            <a:ext cx="2282510" cy="502571"/>
-          </a:xfrm>
-          <a:prstGeom prst="rect">
+            <a:off x="9175739" y="3792465"/>
+            <a:ext cx="1116825" cy="1235487"/>
+          </a:xfrm>
+          <a:prstGeom prst="can">
             <a:avLst/>
           </a:prstGeom>
         </p:spPr>
@@ -9268,7 +8671,7 @@
             <a:pPr algn="ctr"/>
             <a:r>
               <a:rPr lang="en-US" dirty="0"/>
-              <a:t>Routing to select view</a:t>
+              <a:t>MySQL</a:t>
             </a:r>
           </a:p>
         </p:txBody>
@@ -9278,7 +8681,7 @@
           <p:cNvPr id="5" name="Suorakulmio 4">
             <a:extLst>
               <a:ext uri="{FF2B5EF4-FFF2-40B4-BE49-F238E27FC236}">
-                <a16:creationId xmlns:a16="http://schemas.microsoft.com/office/drawing/2014/main" id="{ED4B6A73-E33E-4496-802C-3541FCADA8CB}"/>
+                <a16:creationId xmlns:a16="http://schemas.microsoft.com/office/drawing/2014/main" id="{2AFBB4FF-E7F2-4951-8348-1E8367C1A80A}"/>
               </a:ext>
             </a:extLst>
           </p:cNvPr>
@@ -9287,8 +8690,8 @@
         </p:nvSpPr>
         <p:spPr>
           <a:xfrm>
-            <a:off x="1368692" y="3449612"/>
-            <a:ext cx="1416971" cy="418809"/>
+            <a:off x="7647086" y="3953009"/>
+            <a:ext cx="1005142" cy="1123804"/>
           </a:xfrm>
           <a:prstGeom prst="rect">
             <a:avLst/>
@@ -9316,19 +8719,25 @@
           <a:p>
             <a:pPr algn="ctr"/>
             <a:r>
-              <a:rPr lang="en-US" dirty="0" err="1"/>
-              <a:t>UserList</a:t>
-            </a:r>
-            <a:endParaRPr lang="en-US" dirty="0"/>
-          </a:p>
-        </p:txBody>
-      </p:sp>
-      <p:sp>
-        <p:nvSpPr>
-          <p:cNvPr id="6" name="Suorakulmio 5">
-            <a:extLst>
-              <a:ext uri="{FF2B5EF4-FFF2-40B4-BE49-F238E27FC236}">
-                <a16:creationId xmlns:a16="http://schemas.microsoft.com/office/drawing/2014/main" id="{E90A72C0-E86D-47F2-BC9F-2971DC1BC8F1}"/>
+              <a:rPr lang="en-US" dirty="0"/>
+              <a:t>MySQL</a:t>
+            </a:r>
+          </a:p>
+          <a:p>
+            <a:pPr algn="ctr"/>
+            <a:r>
+              <a:rPr lang="en-US" dirty="0"/>
+              <a:t>Helper</a:t>
+            </a:r>
+          </a:p>
+        </p:txBody>
+      </p:sp>
+      <p:sp>
+        <p:nvSpPr>
+          <p:cNvPr id="6" name="Nuoli: Vasen-oikea 6">
+            <a:extLst>
+              <a:ext uri="{FF2B5EF4-FFF2-40B4-BE49-F238E27FC236}">
+                <a16:creationId xmlns:a16="http://schemas.microsoft.com/office/drawing/2014/main" id="{A26AF0F8-13BC-4947-9CF9-040A43BAF956}"/>
               </a:ext>
             </a:extLst>
           </p:cNvPr>
@@ -9337,10 +8746,10 @@
         </p:nvSpPr>
         <p:spPr>
           <a:xfrm>
-            <a:off x="1368692" y="4006861"/>
-            <a:ext cx="1416971" cy="418809"/>
-          </a:xfrm>
-          <a:prstGeom prst="rect">
+            <a:off x="8697599" y="4385778"/>
+            <a:ext cx="432769" cy="279207"/>
+          </a:xfrm>
+          <a:prstGeom prst="leftRightArrow">
             <a:avLst/>
           </a:prstGeom>
         </p:spPr>
@@ -9365,20 +8774,16 @@
           <a:lstStyle/>
           <a:p>
             <a:pPr algn="ctr"/>
-            <a:r>
-              <a:rPr lang="en-US" dirty="0" err="1"/>
-              <a:t>UserDetail</a:t>
-            </a:r>
-            <a:endParaRPr lang="en-US" dirty="0"/>
-          </a:p>
-        </p:txBody>
-      </p:sp>
-      <p:sp>
-        <p:nvSpPr>
-          <p:cNvPr id="7" name="Suorakulmio 6">
-            <a:extLst>
-              <a:ext uri="{FF2B5EF4-FFF2-40B4-BE49-F238E27FC236}">
-                <a16:creationId xmlns:a16="http://schemas.microsoft.com/office/drawing/2014/main" id="{4DD707C7-CC51-4A1A-A6BA-960580ADA0D7}"/>
+            <a:endParaRPr lang="en-US"/>
+          </a:p>
+        </p:txBody>
+      </p:sp>
+      <p:sp>
+        <p:nvSpPr>
+          <p:cNvPr id="8" name="Nuoli: Vasen-oikea 8">
+            <a:extLst>
+              <a:ext uri="{FF2B5EF4-FFF2-40B4-BE49-F238E27FC236}">
+                <a16:creationId xmlns:a16="http://schemas.microsoft.com/office/drawing/2014/main" id="{E98A66BF-2895-477B-BC85-ECEEF9695A6D}"/>
               </a:ext>
             </a:extLst>
           </p:cNvPr>
@@ -9387,10 +8792,10 @@
         </p:nvSpPr>
         <p:spPr>
           <a:xfrm>
-            <a:off x="3475535" y="2807437"/>
-            <a:ext cx="2282510" cy="502571"/>
-          </a:xfrm>
-          <a:prstGeom prst="rect">
+            <a:off x="7158476" y="4410208"/>
+            <a:ext cx="439750" cy="310618"/>
+          </a:xfrm>
+          <a:prstGeom prst="leftRightArrow">
             <a:avLst/>
           </a:prstGeom>
         </p:spPr>
@@ -9415,19 +8820,16 @@
           <a:lstStyle/>
           <a:p>
             <a:pPr algn="ctr"/>
-            <a:r>
-              <a:rPr lang="en-US" dirty="0"/>
-              <a:t>Services as proxy to data</a:t>
-            </a:r>
-          </a:p>
-        </p:txBody>
-      </p:sp>
-      <p:sp>
-        <p:nvSpPr>
-          <p:cNvPr id="8" name="Suorakulmio 7">
-            <a:extLst>
-              <a:ext uri="{FF2B5EF4-FFF2-40B4-BE49-F238E27FC236}">
-                <a16:creationId xmlns:a16="http://schemas.microsoft.com/office/drawing/2014/main" id="{8BE62192-2B82-4947-93BC-55C8053D8A5E}"/>
+            <a:endParaRPr lang="en-US"/>
+          </a:p>
+        </p:txBody>
+      </p:sp>
+      <p:sp>
+        <p:nvSpPr>
+          <p:cNvPr id="9" name="Suorakulmio 9">
+            <a:extLst>
+              <a:ext uri="{FF2B5EF4-FFF2-40B4-BE49-F238E27FC236}">
+                <a16:creationId xmlns:a16="http://schemas.microsoft.com/office/drawing/2014/main" id="{EBE9A221-8576-4C4E-8CAE-B5331F117588}"/>
               </a:ext>
             </a:extLst>
           </p:cNvPr>
@@ -9436,8 +8838,8 @@
         </p:nvSpPr>
         <p:spPr>
           <a:xfrm>
-            <a:off x="3908304" y="3698152"/>
-            <a:ext cx="1416971" cy="418809"/>
+            <a:off x="5455319" y="3689056"/>
+            <a:ext cx="1361130" cy="459527"/>
           </a:xfrm>
           <a:prstGeom prst="rect">
             <a:avLst/>
@@ -9466,7 +8868,7 @@
             <a:pPr algn="ctr"/>
             <a:r>
               <a:rPr lang="en-US" dirty="0" err="1"/>
-              <a:t>UserService</a:t>
+              <a:t>UserDAO</a:t>
             </a:r>
             <a:endParaRPr lang="en-US" dirty="0"/>
           </a:p>
@@ -9474,10 +8876,10 @@
       </p:sp>
       <p:sp>
         <p:nvSpPr>
-          <p:cNvPr id="9" name="Nuoli: Oikea 8">
-            <a:extLst>
-              <a:ext uri="{FF2B5EF4-FFF2-40B4-BE49-F238E27FC236}">
-                <a16:creationId xmlns:a16="http://schemas.microsoft.com/office/drawing/2014/main" id="{32F44E50-07BC-403D-B980-A27091F5CC0F}"/>
+          <p:cNvPr id="10" name="Suorakulmio 10">
+            <a:extLst>
+              <a:ext uri="{FF2B5EF4-FFF2-40B4-BE49-F238E27FC236}">
+                <a16:creationId xmlns:a16="http://schemas.microsoft.com/office/drawing/2014/main" id="{A948A0A5-3461-40C9-96F9-5DD5D1AC1E67}"/>
               </a:ext>
             </a:extLst>
           </p:cNvPr>
@@ -9486,10 +8888,10 @@
         </p:nvSpPr>
         <p:spPr>
           <a:xfrm>
-            <a:off x="2981107" y="3749759"/>
-            <a:ext cx="739896" cy="328067"/>
-          </a:xfrm>
-          <a:prstGeom prst="rightArrow">
+            <a:off x="5482657" y="4285858"/>
+            <a:ext cx="1506297" cy="459527"/>
+          </a:xfrm>
+          <a:prstGeom prst="rect">
             <a:avLst/>
           </a:prstGeom>
         </p:spPr>
@@ -9514,16 +8916,20 @@
           <a:lstStyle/>
           <a:p>
             <a:pPr algn="ctr"/>
-            <a:endParaRPr lang="en-US"/>
-          </a:p>
-        </p:txBody>
-      </p:sp>
-      <p:sp>
-        <p:nvSpPr>
-          <p:cNvPr id="10" name="Pilvi 9">
-            <a:extLst>
-              <a:ext uri="{FF2B5EF4-FFF2-40B4-BE49-F238E27FC236}">
-                <a16:creationId xmlns:a16="http://schemas.microsoft.com/office/drawing/2014/main" id="{8C93F8A4-322A-4827-8BCA-1191B3462802}"/>
+            <a:r>
+              <a:rPr lang="en-US" dirty="0" err="1"/>
+              <a:t>CompanyDAO</a:t>
+            </a:r>
+            <a:endParaRPr lang="en-US" dirty="0"/>
+          </a:p>
+        </p:txBody>
+      </p:sp>
+      <p:sp>
+        <p:nvSpPr>
+          <p:cNvPr id="11" name="Suorakulmio 11">
+            <a:extLst>
+              <a:ext uri="{FF2B5EF4-FFF2-40B4-BE49-F238E27FC236}">
+                <a16:creationId xmlns:a16="http://schemas.microsoft.com/office/drawing/2014/main" id="{8CA77735-9C2E-4B80-A62E-E7C7B29C5604}"/>
               </a:ext>
             </a:extLst>
           </p:cNvPr>
@@ -9532,10 +8938,10 @@
         </p:nvSpPr>
         <p:spPr>
           <a:xfrm>
-            <a:off x="6554946" y="3554313"/>
-            <a:ext cx="1347169" cy="706486"/>
-          </a:xfrm>
-          <a:prstGeom prst="cloud">
+            <a:off x="5482658" y="4850086"/>
+            <a:ext cx="1361130" cy="459527"/>
+          </a:xfrm>
+          <a:prstGeom prst="rect">
             <a:avLst/>
           </a:prstGeom>
         </p:spPr>
@@ -9561,18 +8967,19 @@
           <a:p>
             <a:pPr algn="ctr"/>
             <a:r>
-              <a:rPr lang="en-US" dirty="0"/>
-              <a:t>HTTP</a:t>
-            </a:r>
-          </a:p>
-        </p:txBody>
-      </p:sp>
-      <p:sp>
-        <p:nvSpPr>
-          <p:cNvPr id="11" name="Nuoli: Oikea 10">
-            <a:extLst>
-              <a:ext uri="{FF2B5EF4-FFF2-40B4-BE49-F238E27FC236}">
-                <a16:creationId xmlns:a16="http://schemas.microsoft.com/office/drawing/2014/main" id="{1C81E88D-6CC7-4D78-908A-CED33EC53860}"/>
+              <a:rPr lang="en-US" dirty="0" err="1"/>
+              <a:t>PersonDAO</a:t>
+            </a:r>
+            <a:endParaRPr lang="en-US" dirty="0"/>
+          </a:p>
+        </p:txBody>
+      </p:sp>
+      <p:sp>
+        <p:nvSpPr>
+          <p:cNvPr id="12" name="Suorakulmio 12">
+            <a:extLst>
+              <a:ext uri="{FF2B5EF4-FFF2-40B4-BE49-F238E27FC236}">
+                <a16:creationId xmlns:a16="http://schemas.microsoft.com/office/drawing/2014/main" id="{589697CD-F90F-4887-8578-47EB89144D19}"/>
               </a:ext>
             </a:extLst>
           </p:cNvPr>
@@ -9581,10 +8988,10 @@
         </p:nvSpPr>
         <p:spPr>
           <a:xfrm>
-            <a:off x="5584704" y="3808254"/>
-            <a:ext cx="863212" cy="209405"/>
-          </a:xfrm>
-          <a:prstGeom prst="rightArrow">
+            <a:off x="3478773" y="3689056"/>
+            <a:ext cx="1361130" cy="459527"/>
+          </a:xfrm>
+          <a:prstGeom prst="rect">
             <a:avLst/>
           </a:prstGeom>
         </p:spPr>
@@ -9609,16 +9016,20 @@
           <a:lstStyle/>
           <a:p>
             <a:pPr algn="ctr"/>
-            <a:endParaRPr lang="en-US"/>
-          </a:p>
-        </p:txBody>
-      </p:sp>
-      <p:sp>
-        <p:nvSpPr>
-          <p:cNvPr id="12" name="Suorakulmio 11">
-            <a:extLst>
-              <a:ext uri="{FF2B5EF4-FFF2-40B4-BE49-F238E27FC236}">
-                <a16:creationId xmlns:a16="http://schemas.microsoft.com/office/drawing/2014/main" id="{BE7B2490-DAA8-4B0D-8909-6E988184842D}"/>
+            <a:r>
+              <a:rPr lang="en-US" dirty="0" err="1"/>
+              <a:t>UserAPI</a:t>
+            </a:r>
+            <a:endParaRPr lang="en-US" dirty="0"/>
+          </a:p>
+        </p:txBody>
+      </p:sp>
+      <p:sp>
+        <p:nvSpPr>
+          <p:cNvPr id="13" name="Suorakulmio 13">
+            <a:extLst>
+              <a:ext uri="{FF2B5EF4-FFF2-40B4-BE49-F238E27FC236}">
+                <a16:creationId xmlns:a16="http://schemas.microsoft.com/office/drawing/2014/main" id="{4B54ED2E-00DE-471B-A9BE-0ED668A5FF58}"/>
               </a:ext>
             </a:extLst>
           </p:cNvPr>
@@ -9627,8 +9038,8 @@
         </p:nvSpPr>
         <p:spPr>
           <a:xfrm>
-            <a:off x="8781614" y="3646547"/>
-            <a:ext cx="1507713" cy="431279"/>
+            <a:off x="3506112" y="4285858"/>
+            <a:ext cx="1633026" cy="459527"/>
           </a:xfrm>
           <a:prstGeom prst="rect">
             <a:avLst/>
@@ -9657,7 +9068,7 @@
             <a:pPr algn="ctr"/>
             <a:r>
               <a:rPr lang="en-US" dirty="0" err="1"/>
-              <a:t>UserApi</a:t>
+              <a:t>CompanykAPI</a:t>
             </a:r>
             <a:endParaRPr lang="en-US" dirty="0"/>
           </a:p>
@@ -9665,10 +9076,396 @@
       </p:sp>
       <p:sp>
         <p:nvSpPr>
-          <p:cNvPr id="13" name="Sisällön paikkamerkki 2">
-            <a:extLst>
-              <a:ext uri="{FF2B5EF4-FFF2-40B4-BE49-F238E27FC236}">
-                <a16:creationId xmlns:a16="http://schemas.microsoft.com/office/drawing/2014/main" id="{14E9F2E9-BE40-43F3-868C-76A2DB1C74DD}"/>
+          <p:cNvPr id="14" name="Suorakulmio 14">
+            <a:extLst>
+              <a:ext uri="{FF2B5EF4-FFF2-40B4-BE49-F238E27FC236}">
+                <a16:creationId xmlns:a16="http://schemas.microsoft.com/office/drawing/2014/main" id="{781D1C61-0FF4-44E6-BE8A-4AA95DE5F70A}"/>
+              </a:ext>
+            </a:extLst>
+          </p:cNvPr>
+          <p:cNvSpPr/>
+          <p:nvPr/>
+        </p:nvSpPr>
+        <p:spPr>
+          <a:xfrm>
+            <a:off x="3506112" y="4850086"/>
+            <a:ext cx="1361130" cy="459527"/>
+          </a:xfrm>
+          <a:prstGeom prst="rect">
+            <a:avLst/>
+          </a:prstGeom>
+        </p:spPr>
+        <p:style>
+          <a:lnRef idx="2">
+            <a:schemeClr val="accent1">
+              <a:shade val="50000"/>
+            </a:schemeClr>
+          </a:lnRef>
+          <a:fillRef idx="1">
+            <a:schemeClr val="accent1"/>
+          </a:fillRef>
+          <a:effectRef idx="0">
+            <a:schemeClr val="accent1"/>
+          </a:effectRef>
+          <a:fontRef idx="minor">
+            <a:schemeClr val="lt1"/>
+          </a:fontRef>
+        </p:style>
+        <p:txBody>
+          <a:bodyPr rtlCol="0" anchor="ctr"/>
+          <a:lstStyle/>
+          <a:p>
+            <a:pPr algn="ctr"/>
+            <a:r>
+              <a:rPr lang="en-US" dirty="0" err="1"/>
+              <a:t>JobAPI</a:t>
+            </a:r>
+            <a:endParaRPr lang="en-US" dirty="0"/>
+          </a:p>
+        </p:txBody>
+      </p:sp>
+      <p:sp>
+        <p:nvSpPr>
+          <p:cNvPr id="16" name="Suorakulmio 18">
+            <a:extLst>
+              <a:ext uri="{FF2B5EF4-FFF2-40B4-BE49-F238E27FC236}">
+                <a16:creationId xmlns:a16="http://schemas.microsoft.com/office/drawing/2014/main" id="{52C7D8FF-54AE-4CBE-9FB2-DA31168EA669}"/>
+              </a:ext>
+            </a:extLst>
+          </p:cNvPr>
+          <p:cNvSpPr/>
+          <p:nvPr/>
+        </p:nvSpPr>
+        <p:spPr>
+          <a:xfrm>
+            <a:off x="3448524" y="2969101"/>
+            <a:ext cx="6608459" cy="459527"/>
+          </a:xfrm>
+          <a:prstGeom prst="rect">
+            <a:avLst/>
+          </a:prstGeom>
+        </p:spPr>
+        <p:style>
+          <a:lnRef idx="2">
+            <a:schemeClr val="accent1">
+              <a:shade val="50000"/>
+            </a:schemeClr>
+          </a:lnRef>
+          <a:fillRef idx="1">
+            <a:schemeClr val="accent1"/>
+          </a:fillRef>
+          <a:effectRef idx="0">
+            <a:schemeClr val="accent1"/>
+          </a:effectRef>
+          <a:fontRef idx="minor">
+            <a:schemeClr val="lt1"/>
+          </a:fontRef>
+        </p:style>
+        <p:txBody>
+          <a:bodyPr rtlCol="0" anchor="ctr"/>
+          <a:lstStyle/>
+          <a:p>
+            <a:pPr algn="ctr"/>
+            <a:r>
+              <a:rPr lang="en-US" dirty="0"/>
+              <a:t>Server.js</a:t>
+            </a:r>
+          </a:p>
+        </p:txBody>
+      </p:sp>
+      <p:sp>
+        <p:nvSpPr>
+          <p:cNvPr id="17" name="Suorakulmio 19">
+            <a:extLst>
+              <a:ext uri="{FF2B5EF4-FFF2-40B4-BE49-F238E27FC236}">
+                <a16:creationId xmlns:a16="http://schemas.microsoft.com/office/drawing/2014/main" id="{E7F726C1-4B7F-4954-ADF6-E91C3182DE81}"/>
+              </a:ext>
+            </a:extLst>
+          </p:cNvPr>
+          <p:cNvSpPr/>
+          <p:nvPr/>
+        </p:nvSpPr>
+        <p:spPr>
+          <a:xfrm>
+            <a:off x="3448524" y="2279046"/>
+            <a:ext cx="5681844" cy="416338"/>
+          </a:xfrm>
+          <a:prstGeom prst="rect">
+            <a:avLst/>
+          </a:prstGeom>
+        </p:spPr>
+        <p:style>
+          <a:lnRef idx="2">
+            <a:schemeClr val="accent1">
+              <a:shade val="50000"/>
+            </a:schemeClr>
+          </a:lnRef>
+          <a:fillRef idx="1">
+            <a:schemeClr val="accent1"/>
+          </a:fillRef>
+          <a:effectRef idx="0">
+            <a:schemeClr val="accent1"/>
+          </a:effectRef>
+          <a:fontRef idx="minor">
+            <a:schemeClr val="lt1"/>
+          </a:fontRef>
+        </p:style>
+        <p:txBody>
+          <a:bodyPr rtlCol="0" anchor="ctr"/>
+          <a:lstStyle/>
+          <a:p>
+            <a:pPr algn="ctr"/>
+            <a:r>
+              <a:rPr lang="en-US" dirty="0"/>
+              <a:t>angular index.html, </a:t>
+            </a:r>
+            <a:r>
+              <a:rPr lang="en-US" dirty="0" err="1"/>
+              <a:t>styles,images</a:t>
+            </a:r>
+            <a:endParaRPr lang="en-US" dirty="0"/>
+          </a:p>
+        </p:txBody>
+      </p:sp>
+      <p:sp>
+        <p:nvSpPr>
+          <p:cNvPr id="18" name="Suorakulmio 20">
+            <a:extLst>
+              <a:ext uri="{FF2B5EF4-FFF2-40B4-BE49-F238E27FC236}">
+                <a16:creationId xmlns:a16="http://schemas.microsoft.com/office/drawing/2014/main" id="{2FBF4112-95FC-4AAC-BEB9-EF69EC5EAC1F}"/>
+              </a:ext>
+            </a:extLst>
+          </p:cNvPr>
+          <p:cNvSpPr/>
+          <p:nvPr/>
+        </p:nvSpPr>
+        <p:spPr>
+          <a:xfrm>
+            <a:off x="668679" y="2095400"/>
+            <a:ext cx="1207566" cy="3266711"/>
+          </a:xfrm>
+          <a:prstGeom prst="rect">
+            <a:avLst/>
+          </a:prstGeom>
+        </p:spPr>
+        <p:style>
+          <a:lnRef idx="2">
+            <a:schemeClr val="accent1">
+              <a:shade val="50000"/>
+            </a:schemeClr>
+          </a:lnRef>
+          <a:fillRef idx="1">
+            <a:schemeClr val="accent1"/>
+          </a:fillRef>
+          <a:effectRef idx="0">
+            <a:schemeClr val="accent1"/>
+          </a:effectRef>
+          <a:fontRef idx="minor">
+            <a:schemeClr val="lt1"/>
+          </a:fontRef>
+        </p:style>
+        <p:txBody>
+          <a:bodyPr rtlCol="0" anchor="ctr"/>
+          <a:lstStyle/>
+          <a:p>
+            <a:pPr algn="ctr"/>
+            <a:r>
+              <a:rPr lang="en-US" dirty="0"/>
+              <a:t>Client</a:t>
+            </a:r>
+          </a:p>
+        </p:txBody>
+      </p:sp>
+      <p:sp>
+        <p:nvSpPr>
+          <p:cNvPr id="19" name="Nuoli: Oikea 21">
+            <a:extLst>
+              <a:ext uri="{FF2B5EF4-FFF2-40B4-BE49-F238E27FC236}">
+                <a16:creationId xmlns:a16="http://schemas.microsoft.com/office/drawing/2014/main" id="{0040B4B2-3858-458A-AA38-0783F5E9FB07}"/>
+              </a:ext>
+            </a:extLst>
+          </p:cNvPr>
+          <p:cNvSpPr/>
+          <p:nvPr/>
+        </p:nvSpPr>
+        <p:spPr>
+          <a:xfrm>
+            <a:off x="2131894" y="2333316"/>
+            <a:ext cx="1091230" cy="321087"/>
+          </a:xfrm>
+          <a:prstGeom prst="rightArrow">
+            <a:avLst/>
+          </a:prstGeom>
+        </p:spPr>
+        <p:style>
+          <a:lnRef idx="2">
+            <a:schemeClr val="accent1">
+              <a:shade val="50000"/>
+            </a:schemeClr>
+          </a:lnRef>
+          <a:fillRef idx="1">
+            <a:schemeClr val="accent1"/>
+          </a:fillRef>
+          <a:effectRef idx="0">
+            <a:schemeClr val="accent1"/>
+          </a:effectRef>
+          <a:fontRef idx="minor">
+            <a:schemeClr val="lt1"/>
+          </a:fontRef>
+        </p:style>
+        <p:txBody>
+          <a:bodyPr rtlCol="0" anchor="ctr"/>
+          <a:lstStyle/>
+          <a:p>
+            <a:pPr algn="ctr"/>
+            <a:endParaRPr lang="en-US"/>
+          </a:p>
+        </p:txBody>
+      </p:sp>
+      <p:sp>
+        <p:nvSpPr>
+          <p:cNvPr id="20" name="Nuoli: Oikea 22">
+            <a:extLst>
+              <a:ext uri="{FF2B5EF4-FFF2-40B4-BE49-F238E27FC236}">
+                <a16:creationId xmlns:a16="http://schemas.microsoft.com/office/drawing/2014/main" id="{9AA74151-B42F-4848-AECF-63AC652CBD46}"/>
+              </a:ext>
+            </a:extLst>
+          </p:cNvPr>
+          <p:cNvSpPr/>
+          <p:nvPr/>
+        </p:nvSpPr>
+        <p:spPr>
+          <a:xfrm>
+            <a:off x="2079835" y="3804424"/>
+            <a:ext cx="1091230" cy="321087"/>
+          </a:xfrm>
+          <a:prstGeom prst="rightArrow">
+            <a:avLst/>
+          </a:prstGeom>
+        </p:spPr>
+        <p:style>
+          <a:lnRef idx="2">
+            <a:schemeClr val="accent1">
+              <a:shade val="50000"/>
+            </a:schemeClr>
+          </a:lnRef>
+          <a:fillRef idx="1">
+            <a:schemeClr val="accent1"/>
+          </a:fillRef>
+          <a:effectRef idx="0">
+            <a:schemeClr val="accent1"/>
+          </a:effectRef>
+          <a:fontRef idx="minor">
+            <a:schemeClr val="lt1"/>
+          </a:fontRef>
+        </p:style>
+        <p:txBody>
+          <a:bodyPr rtlCol="0" anchor="ctr"/>
+          <a:lstStyle/>
+          <a:p>
+            <a:pPr algn="ctr"/>
+            <a:endParaRPr lang="en-US"/>
+          </a:p>
+        </p:txBody>
+      </p:sp>
+      <p:sp>
+        <p:nvSpPr>
+          <p:cNvPr id="21" name="Nuoli: Oikea 23">
+            <a:extLst>
+              <a:ext uri="{FF2B5EF4-FFF2-40B4-BE49-F238E27FC236}">
+                <a16:creationId xmlns:a16="http://schemas.microsoft.com/office/drawing/2014/main" id="{06E3F205-F14C-48D0-90F7-9510258E2E61}"/>
+              </a:ext>
+            </a:extLst>
+          </p:cNvPr>
+          <p:cNvSpPr/>
+          <p:nvPr/>
+        </p:nvSpPr>
+        <p:spPr>
+          <a:xfrm>
+            <a:off x="2076054" y="4393061"/>
+            <a:ext cx="1091230" cy="321087"/>
+          </a:xfrm>
+          <a:prstGeom prst="rightArrow">
+            <a:avLst/>
+          </a:prstGeom>
+        </p:spPr>
+        <p:style>
+          <a:lnRef idx="2">
+            <a:schemeClr val="accent1">
+              <a:shade val="50000"/>
+            </a:schemeClr>
+          </a:lnRef>
+          <a:fillRef idx="1">
+            <a:schemeClr val="accent1"/>
+          </a:fillRef>
+          <a:effectRef idx="0">
+            <a:schemeClr val="accent1"/>
+          </a:effectRef>
+          <a:fontRef idx="minor">
+            <a:schemeClr val="lt1"/>
+          </a:fontRef>
+        </p:style>
+        <p:txBody>
+          <a:bodyPr rtlCol="0" anchor="ctr"/>
+          <a:lstStyle/>
+          <a:p>
+            <a:pPr algn="ctr"/>
+            <a:endParaRPr lang="en-US"/>
+          </a:p>
+        </p:txBody>
+      </p:sp>
+      <p:sp>
+        <p:nvSpPr>
+          <p:cNvPr id="22" name="Nuoli: Oikea 24">
+            <a:extLst>
+              <a:ext uri="{FF2B5EF4-FFF2-40B4-BE49-F238E27FC236}">
+                <a16:creationId xmlns:a16="http://schemas.microsoft.com/office/drawing/2014/main" id="{990F148B-218D-4AB9-B2C9-E08B3CCC4ADD}"/>
+              </a:ext>
+            </a:extLst>
+          </p:cNvPr>
+          <p:cNvSpPr/>
+          <p:nvPr/>
+        </p:nvSpPr>
+        <p:spPr>
+          <a:xfrm>
+            <a:off x="2081581" y="4924543"/>
+            <a:ext cx="1091230" cy="321087"/>
+          </a:xfrm>
+          <a:prstGeom prst="rightArrow">
+            <a:avLst/>
+          </a:prstGeom>
+        </p:spPr>
+        <p:style>
+          <a:lnRef idx="2">
+            <a:schemeClr val="accent1">
+              <a:shade val="50000"/>
+            </a:schemeClr>
+          </a:lnRef>
+          <a:fillRef idx="1">
+            <a:schemeClr val="accent1"/>
+          </a:fillRef>
+          <a:effectRef idx="0">
+            <a:schemeClr val="accent1"/>
+          </a:effectRef>
+          <a:fontRef idx="minor">
+            <a:schemeClr val="lt1"/>
+          </a:fontRef>
+        </p:style>
+        <p:txBody>
+          <a:bodyPr rtlCol="0" anchor="ctr"/>
+          <a:lstStyle/>
+          <a:p>
+            <a:pPr algn="ctr"/>
+            <a:endParaRPr lang="en-US"/>
+          </a:p>
+        </p:txBody>
+      </p:sp>
+      <p:sp>
+        <p:nvSpPr>
+          <p:cNvPr id="23" name="Sisällön paikkamerkki 2">
+            <a:extLst>
+              <a:ext uri="{FF2B5EF4-FFF2-40B4-BE49-F238E27FC236}">
+                <a16:creationId xmlns:a16="http://schemas.microsoft.com/office/drawing/2014/main" id="{195E5F1B-252C-4C0B-BCBD-2DE6CB124000}"/>
               </a:ext>
             </a:extLst>
           </p:cNvPr>
@@ -9679,8 +9476,8 @@
         </p:nvSpPr>
         <p:spPr>
           <a:xfrm>
-            <a:off x="740478" y="4767444"/>
-            <a:ext cx="10515600" cy="1926050"/>
+            <a:off x="668679" y="5633974"/>
+            <a:ext cx="10515600" cy="1103883"/>
           </a:xfrm>
           <a:prstGeom prst="rect">
             <a:avLst/>
@@ -9856,36 +9653,1174 @@
           </a:lstStyle>
           <a:p>
             <a:r>
-              <a:rPr lang="en-US" dirty="0"/>
-              <a:t>Angular</a:t>
-            </a:r>
-          </a:p>
-          <a:p>
-            <a:pPr lvl="1"/>
-            <a:r>
-              <a:rPr lang="en-US" dirty="0"/>
-              <a:t>Routing between views</a:t>
-            </a:r>
-          </a:p>
-          <a:p>
-            <a:pPr lvl="1"/>
-            <a:r>
-              <a:rPr lang="en-US" dirty="0"/>
-              <a:t>Ajax </a:t>
-            </a:r>
-          </a:p>
-          <a:p>
-            <a:r>
-              <a:rPr lang="en-US" dirty="0"/>
-              <a:t>Self implemented responsiveness</a:t>
-            </a:r>
+              <a:rPr lang="en-US"/>
+              <a:t>Node-Express web server</a:t>
+            </a:r>
+          </a:p>
+          <a:p>
+            <a:r>
+              <a:rPr lang="en-US"/>
+              <a:t>MySQL-Database, node-mysql extension</a:t>
+            </a:r>
+          </a:p>
+          <a:p>
+            <a:endParaRPr lang="en-US"/>
+          </a:p>
+          <a:p>
+            <a:endParaRPr lang="en-US" dirty="0"/>
           </a:p>
         </p:txBody>
       </p:sp>
     </p:spTree>
     <p:extLst>
       <p:ext uri="{BB962C8B-B14F-4D97-AF65-F5344CB8AC3E}">
-        <p14:creationId xmlns:p14="http://schemas.microsoft.com/office/powerpoint/2010/main" val="2211669623"/>
+        <p14:creationId xmlns:p14="http://schemas.microsoft.com/office/powerpoint/2010/main" val="1340881087"/>
+      </p:ext>
+    </p:extLst>
+  </p:cSld>
+  <p:clrMapOvr>
+    <a:masterClrMapping/>
+  </p:clrMapOvr>
+</p:sld>
+</file>
+
+<file path=ppt/slides/slide6.xml><?xml version="1.0" encoding="utf-8"?>
+<p:sld xmlns:a="http://schemas.openxmlformats.org/drawingml/2006/main" xmlns:r="http://schemas.openxmlformats.org/officeDocument/2006/relationships" xmlns:p="http://schemas.openxmlformats.org/presentationml/2006/main">
+  <p:cSld>
+    <p:spTree>
+      <p:nvGrpSpPr>
+        <p:cNvPr id="1" name=""/>
+        <p:cNvGrpSpPr/>
+        <p:nvPr/>
+      </p:nvGrpSpPr>
+      <p:grpSpPr>
+        <a:xfrm>
+          <a:off x="0" y="0"/>
+          <a:ext cx="0" cy="0"/>
+          <a:chOff x="0" y="0"/>
+          <a:chExt cx="0" cy="0"/>
+        </a:xfrm>
+      </p:grpSpPr>
+      <p:sp>
+        <p:nvSpPr>
+          <p:cNvPr id="2" name="Title 1">
+            <a:extLst>
+              <a:ext uri="{FF2B5EF4-FFF2-40B4-BE49-F238E27FC236}">
+                <a16:creationId xmlns:a16="http://schemas.microsoft.com/office/drawing/2014/main" id="{CE8AC96B-1152-41F8-B643-C645168F7169}"/>
+              </a:ext>
+            </a:extLst>
+          </p:cNvPr>
+          <p:cNvSpPr>
+            <a:spLocks noGrp="1"/>
+          </p:cNvSpPr>
+          <p:nvPr>
+            <p:ph type="title"/>
+          </p:nvPr>
+        </p:nvSpPr>
+        <p:spPr/>
+        <p:txBody>
+          <a:bodyPr/>
+          <a:lstStyle/>
+          <a:p>
+            <a:r>
+              <a:rPr lang="fi-FI" dirty="0"/>
+              <a:t>Step 2: Server application</a:t>
+            </a:r>
+            <a:endParaRPr lang="en-US" dirty="0"/>
+          </a:p>
+        </p:txBody>
+      </p:sp>
+      <p:sp>
+        <p:nvSpPr>
+          <p:cNvPr id="3" name="Content Placeholder 2">
+            <a:extLst>
+              <a:ext uri="{FF2B5EF4-FFF2-40B4-BE49-F238E27FC236}">
+                <a16:creationId xmlns:a16="http://schemas.microsoft.com/office/drawing/2014/main" id="{71E834B0-BFFD-4F27-9263-EEEC87BC8D6C}"/>
+              </a:ext>
+            </a:extLst>
+          </p:cNvPr>
+          <p:cNvSpPr>
+            <a:spLocks noGrp="1"/>
+          </p:cNvSpPr>
+          <p:nvPr>
+            <p:ph idx="1"/>
+          </p:nvPr>
+        </p:nvSpPr>
+        <p:spPr>
+          <a:xfrm>
+            <a:off x="668679" y="1598624"/>
+            <a:ext cx="10515600" cy="4351338"/>
+          </a:xfrm>
+        </p:spPr>
+        <p:txBody>
+          <a:bodyPr/>
+          <a:lstStyle/>
+          <a:p>
+            <a:r>
+              <a:rPr lang="fi-FI" dirty="0"/>
+              <a:t>Architecture(Server)</a:t>
+            </a:r>
+            <a:endParaRPr lang="en-US" dirty="0"/>
+          </a:p>
+        </p:txBody>
+      </p:sp>
+      <p:sp>
+        <p:nvSpPr>
+          <p:cNvPr id="4" name="Lieriö 3">
+            <a:extLst>
+              <a:ext uri="{FF2B5EF4-FFF2-40B4-BE49-F238E27FC236}">
+                <a16:creationId xmlns:a16="http://schemas.microsoft.com/office/drawing/2014/main" id="{A240E8C7-3384-4555-9124-AE01086FA261}"/>
+              </a:ext>
+            </a:extLst>
+          </p:cNvPr>
+          <p:cNvSpPr/>
+          <p:nvPr/>
+        </p:nvSpPr>
+        <p:spPr>
+          <a:xfrm>
+            <a:off x="9175739" y="3792465"/>
+            <a:ext cx="1116825" cy="1235487"/>
+          </a:xfrm>
+          <a:prstGeom prst="can">
+            <a:avLst/>
+          </a:prstGeom>
+        </p:spPr>
+        <p:style>
+          <a:lnRef idx="2">
+            <a:schemeClr val="accent1">
+              <a:shade val="50000"/>
+            </a:schemeClr>
+          </a:lnRef>
+          <a:fillRef idx="1">
+            <a:schemeClr val="accent1"/>
+          </a:fillRef>
+          <a:effectRef idx="0">
+            <a:schemeClr val="accent1"/>
+          </a:effectRef>
+          <a:fontRef idx="minor">
+            <a:schemeClr val="lt1"/>
+          </a:fontRef>
+        </p:style>
+        <p:txBody>
+          <a:bodyPr rtlCol="0" anchor="ctr"/>
+          <a:lstStyle/>
+          <a:p>
+            <a:pPr algn="ctr"/>
+            <a:r>
+              <a:rPr lang="en-US" dirty="0"/>
+              <a:t>MySQL</a:t>
+            </a:r>
+          </a:p>
+        </p:txBody>
+      </p:sp>
+      <p:sp>
+        <p:nvSpPr>
+          <p:cNvPr id="5" name="Suorakulmio 4">
+            <a:extLst>
+              <a:ext uri="{FF2B5EF4-FFF2-40B4-BE49-F238E27FC236}">
+                <a16:creationId xmlns:a16="http://schemas.microsoft.com/office/drawing/2014/main" id="{2AFBB4FF-E7F2-4951-8348-1E8367C1A80A}"/>
+              </a:ext>
+            </a:extLst>
+          </p:cNvPr>
+          <p:cNvSpPr/>
+          <p:nvPr/>
+        </p:nvSpPr>
+        <p:spPr>
+          <a:xfrm>
+            <a:off x="7647086" y="3953009"/>
+            <a:ext cx="1005142" cy="1123804"/>
+          </a:xfrm>
+          <a:prstGeom prst="rect">
+            <a:avLst/>
+          </a:prstGeom>
+        </p:spPr>
+        <p:style>
+          <a:lnRef idx="2">
+            <a:schemeClr val="accent1">
+              <a:shade val="50000"/>
+            </a:schemeClr>
+          </a:lnRef>
+          <a:fillRef idx="1">
+            <a:schemeClr val="accent1"/>
+          </a:fillRef>
+          <a:effectRef idx="0">
+            <a:schemeClr val="accent1"/>
+          </a:effectRef>
+          <a:fontRef idx="minor">
+            <a:schemeClr val="lt1"/>
+          </a:fontRef>
+        </p:style>
+        <p:txBody>
+          <a:bodyPr rtlCol="0" anchor="ctr"/>
+          <a:lstStyle/>
+          <a:p>
+            <a:pPr algn="ctr"/>
+            <a:r>
+              <a:rPr lang="en-US" dirty="0"/>
+              <a:t>MySQL</a:t>
+            </a:r>
+          </a:p>
+          <a:p>
+            <a:pPr algn="ctr"/>
+            <a:r>
+              <a:rPr lang="en-US" dirty="0"/>
+              <a:t>Helper</a:t>
+            </a:r>
+          </a:p>
+        </p:txBody>
+      </p:sp>
+      <p:sp>
+        <p:nvSpPr>
+          <p:cNvPr id="6" name="Nuoli: Vasen-oikea 6">
+            <a:extLst>
+              <a:ext uri="{FF2B5EF4-FFF2-40B4-BE49-F238E27FC236}">
+                <a16:creationId xmlns:a16="http://schemas.microsoft.com/office/drawing/2014/main" id="{A26AF0F8-13BC-4947-9CF9-040A43BAF956}"/>
+              </a:ext>
+            </a:extLst>
+          </p:cNvPr>
+          <p:cNvSpPr/>
+          <p:nvPr/>
+        </p:nvSpPr>
+        <p:spPr>
+          <a:xfrm>
+            <a:off x="8697599" y="4385778"/>
+            <a:ext cx="432769" cy="279207"/>
+          </a:xfrm>
+          <a:prstGeom prst="leftRightArrow">
+            <a:avLst/>
+          </a:prstGeom>
+        </p:spPr>
+        <p:style>
+          <a:lnRef idx="2">
+            <a:schemeClr val="accent1">
+              <a:shade val="50000"/>
+            </a:schemeClr>
+          </a:lnRef>
+          <a:fillRef idx="1">
+            <a:schemeClr val="accent1"/>
+          </a:fillRef>
+          <a:effectRef idx="0">
+            <a:schemeClr val="accent1"/>
+          </a:effectRef>
+          <a:fontRef idx="minor">
+            <a:schemeClr val="lt1"/>
+          </a:fontRef>
+        </p:style>
+        <p:txBody>
+          <a:bodyPr rtlCol="0" anchor="ctr"/>
+          <a:lstStyle/>
+          <a:p>
+            <a:pPr algn="ctr"/>
+            <a:endParaRPr lang="en-US"/>
+          </a:p>
+        </p:txBody>
+      </p:sp>
+      <p:sp>
+        <p:nvSpPr>
+          <p:cNvPr id="8" name="Nuoli: Vasen-oikea 8">
+            <a:extLst>
+              <a:ext uri="{FF2B5EF4-FFF2-40B4-BE49-F238E27FC236}">
+                <a16:creationId xmlns:a16="http://schemas.microsoft.com/office/drawing/2014/main" id="{E98A66BF-2895-477B-BC85-ECEEF9695A6D}"/>
+              </a:ext>
+            </a:extLst>
+          </p:cNvPr>
+          <p:cNvSpPr/>
+          <p:nvPr/>
+        </p:nvSpPr>
+        <p:spPr>
+          <a:xfrm>
+            <a:off x="7158476" y="4410208"/>
+            <a:ext cx="439750" cy="310618"/>
+          </a:xfrm>
+          <a:prstGeom prst="leftRightArrow">
+            <a:avLst/>
+          </a:prstGeom>
+        </p:spPr>
+        <p:style>
+          <a:lnRef idx="2">
+            <a:schemeClr val="accent1">
+              <a:shade val="50000"/>
+            </a:schemeClr>
+          </a:lnRef>
+          <a:fillRef idx="1">
+            <a:schemeClr val="accent1"/>
+          </a:fillRef>
+          <a:effectRef idx="0">
+            <a:schemeClr val="accent1"/>
+          </a:effectRef>
+          <a:fontRef idx="minor">
+            <a:schemeClr val="lt1"/>
+          </a:fontRef>
+        </p:style>
+        <p:txBody>
+          <a:bodyPr rtlCol="0" anchor="ctr"/>
+          <a:lstStyle/>
+          <a:p>
+            <a:pPr algn="ctr"/>
+            <a:endParaRPr lang="en-US"/>
+          </a:p>
+        </p:txBody>
+      </p:sp>
+      <p:sp>
+        <p:nvSpPr>
+          <p:cNvPr id="9" name="Suorakulmio 9">
+            <a:extLst>
+              <a:ext uri="{FF2B5EF4-FFF2-40B4-BE49-F238E27FC236}">
+                <a16:creationId xmlns:a16="http://schemas.microsoft.com/office/drawing/2014/main" id="{EBE9A221-8576-4C4E-8CAE-B5331F117588}"/>
+              </a:ext>
+            </a:extLst>
+          </p:cNvPr>
+          <p:cNvSpPr/>
+          <p:nvPr/>
+        </p:nvSpPr>
+        <p:spPr>
+          <a:xfrm>
+            <a:off x="5643201" y="3689056"/>
+            <a:ext cx="1173248" cy="459527"/>
+          </a:xfrm>
+          <a:prstGeom prst="rect">
+            <a:avLst/>
+          </a:prstGeom>
+        </p:spPr>
+        <p:style>
+          <a:lnRef idx="2">
+            <a:schemeClr val="accent1">
+              <a:shade val="50000"/>
+            </a:schemeClr>
+          </a:lnRef>
+          <a:fillRef idx="1">
+            <a:schemeClr val="accent1"/>
+          </a:fillRef>
+          <a:effectRef idx="0">
+            <a:schemeClr val="accent1"/>
+          </a:effectRef>
+          <a:fontRef idx="minor">
+            <a:schemeClr val="lt1"/>
+          </a:fontRef>
+        </p:style>
+        <p:txBody>
+          <a:bodyPr rtlCol="0" anchor="ctr"/>
+          <a:lstStyle/>
+          <a:p>
+            <a:pPr algn="ctr"/>
+            <a:r>
+              <a:rPr lang="en-US" dirty="0" err="1"/>
+              <a:t>UserDAO</a:t>
+            </a:r>
+            <a:endParaRPr lang="en-US" dirty="0"/>
+          </a:p>
+        </p:txBody>
+      </p:sp>
+      <p:sp>
+        <p:nvSpPr>
+          <p:cNvPr id="10" name="Suorakulmio 10">
+            <a:extLst>
+              <a:ext uri="{FF2B5EF4-FFF2-40B4-BE49-F238E27FC236}">
+                <a16:creationId xmlns:a16="http://schemas.microsoft.com/office/drawing/2014/main" id="{A948A0A5-3461-40C9-96F9-5DD5D1AC1E67}"/>
+              </a:ext>
+            </a:extLst>
+          </p:cNvPr>
+          <p:cNvSpPr/>
+          <p:nvPr/>
+        </p:nvSpPr>
+        <p:spPr>
+          <a:xfrm>
+            <a:off x="5482657" y="4285858"/>
+            <a:ext cx="1506297" cy="459527"/>
+          </a:xfrm>
+          <a:prstGeom prst="rect">
+            <a:avLst/>
+          </a:prstGeom>
+        </p:spPr>
+        <p:style>
+          <a:lnRef idx="2">
+            <a:schemeClr val="accent1">
+              <a:shade val="50000"/>
+            </a:schemeClr>
+          </a:lnRef>
+          <a:fillRef idx="1">
+            <a:schemeClr val="accent1"/>
+          </a:fillRef>
+          <a:effectRef idx="0">
+            <a:schemeClr val="accent1"/>
+          </a:effectRef>
+          <a:fontRef idx="minor">
+            <a:schemeClr val="lt1"/>
+          </a:fontRef>
+        </p:style>
+        <p:txBody>
+          <a:bodyPr rtlCol="0" anchor="ctr"/>
+          <a:lstStyle/>
+          <a:p>
+            <a:pPr algn="ctr"/>
+            <a:r>
+              <a:rPr lang="en-US" dirty="0" err="1"/>
+              <a:t>CompanyDAO</a:t>
+            </a:r>
+            <a:endParaRPr lang="en-US" dirty="0"/>
+          </a:p>
+        </p:txBody>
+      </p:sp>
+      <p:sp>
+        <p:nvSpPr>
+          <p:cNvPr id="11" name="Suorakulmio 11">
+            <a:extLst>
+              <a:ext uri="{FF2B5EF4-FFF2-40B4-BE49-F238E27FC236}">
+                <a16:creationId xmlns:a16="http://schemas.microsoft.com/office/drawing/2014/main" id="{8CA77735-9C2E-4B80-A62E-E7C7B29C5604}"/>
+              </a:ext>
+            </a:extLst>
+          </p:cNvPr>
+          <p:cNvSpPr/>
+          <p:nvPr/>
+        </p:nvSpPr>
+        <p:spPr>
+          <a:xfrm>
+            <a:off x="5482658" y="4850086"/>
+            <a:ext cx="1361130" cy="459527"/>
+          </a:xfrm>
+          <a:prstGeom prst="rect">
+            <a:avLst/>
+          </a:prstGeom>
+        </p:spPr>
+        <p:style>
+          <a:lnRef idx="2">
+            <a:schemeClr val="accent1">
+              <a:shade val="50000"/>
+            </a:schemeClr>
+          </a:lnRef>
+          <a:fillRef idx="1">
+            <a:schemeClr val="accent1"/>
+          </a:fillRef>
+          <a:effectRef idx="0">
+            <a:schemeClr val="accent1"/>
+          </a:effectRef>
+          <a:fontRef idx="minor">
+            <a:schemeClr val="lt1"/>
+          </a:fontRef>
+        </p:style>
+        <p:txBody>
+          <a:bodyPr rtlCol="0" anchor="ctr"/>
+          <a:lstStyle/>
+          <a:p>
+            <a:pPr algn="ctr"/>
+            <a:r>
+              <a:rPr lang="en-US" dirty="0" err="1"/>
+              <a:t>PersonDAO</a:t>
+            </a:r>
+            <a:endParaRPr lang="en-US" dirty="0"/>
+          </a:p>
+        </p:txBody>
+      </p:sp>
+      <p:sp>
+        <p:nvSpPr>
+          <p:cNvPr id="12" name="Suorakulmio 12">
+            <a:extLst>
+              <a:ext uri="{FF2B5EF4-FFF2-40B4-BE49-F238E27FC236}">
+                <a16:creationId xmlns:a16="http://schemas.microsoft.com/office/drawing/2014/main" id="{589697CD-F90F-4887-8578-47EB89144D19}"/>
+              </a:ext>
+            </a:extLst>
+          </p:cNvPr>
+          <p:cNvSpPr/>
+          <p:nvPr/>
+        </p:nvSpPr>
+        <p:spPr>
+          <a:xfrm>
+            <a:off x="3478773" y="3689056"/>
+            <a:ext cx="1361130" cy="459527"/>
+          </a:xfrm>
+          <a:prstGeom prst="rect">
+            <a:avLst/>
+          </a:prstGeom>
+        </p:spPr>
+        <p:style>
+          <a:lnRef idx="2">
+            <a:schemeClr val="accent1">
+              <a:shade val="50000"/>
+            </a:schemeClr>
+          </a:lnRef>
+          <a:fillRef idx="1">
+            <a:schemeClr val="accent1"/>
+          </a:fillRef>
+          <a:effectRef idx="0">
+            <a:schemeClr val="accent1"/>
+          </a:effectRef>
+          <a:fontRef idx="minor">
+            <a:schemeClr val="lt1"/>
+          </a:fontRef>
+        </p:style>
+        <p:txBody>
+          <a:bodyPr rtlCol="0" anchor="ctr"/>
+          <a:lstStyle/>
+          <a:p>
+            <a:pPr algn="ctr"/>
+            <a:r>
+              <a:rPr lang="en-US" dirty="0"/>
+              <a:t>User API</a:t>
+            </a:r>
+          </a:p>
+        </p:txBody>
+      </p:sp>
+      <p:sp>
+        <p:nvSpPr>
+          <p:cNvPr id="13" name="Suorakulmio 13">
+            <a:extLst>
+              <a:ext uri="{FF2B5EF4-FFF2-40B4-BE49-F238E27FC236}">
+                <a16:creationId xmlns:a16="http://schemas.microsoft.com/office/drawing/2014/main" id="{4B54ED2E-00DE-471B-A9BE-0ED668A5FF58}"/>
+              </a:ext>
+            </a:extLst>
+          </p:cNvPr>
+          <p:cNvSpPr/>
+          <p:nvPr/>
+        </p:nvSpPr>
+        <p:spPr>
+          <a:xfrm>
+            <a:off x="3506112" y="4285858"/>
+            <a:ext cx="1633026" cy="459527"/>
+          </a:xfrm>
+          <a:prstGeom prst="rect">
+            <a:avLst/>
+          </a:prstGeom>
+        </p:spPr>
+        <p:style>
+          <a:lnRef idx="2">
+            <a:schemeClr val="accent1">
+              <a:shade val="50000"/>
+            </a:schemeClr>
+          </a:lnRef>
+          <a:fillRef idx="1">
+            <a:schemeClr val="accent1"/>
+          </a:fillRef>
+          <a:effectRef idx="0">
+            <a:schemeClr val="accent1"/>
+          </a:effectRef>
+          <a:fontRef idx="minor">
+            <a:schemeClr val="lt1"/>
+          </a:fontRef>
+        </p:style>
+        <p:txBody>
+          <a:bodyPr rtlCol="0" anchor="ctr"/>
+          <a:lstStyle/>
+          <a:p>
+            <a:pPr algn="ctr"/>
+            <a:r>
+              <a:rPr lang="en-US" dirty="0"/>
+              <a:t>Company API</a:t>
+            </a:r>
+          </a:p>
+        </p:txBody>
+      </p:sp>
+      <p:sp>
+        <p:nvSpPr>
+          <p:cNvPr id="14" name="Suorakulmio 14">
+            <a:extLst>
+              <a:ext uri="{FF2B5EF4-FFF2-40B4-BE49-F238E27FC236}">
+                <a16:creationId xmlns:a16="http://schemas.microsoft.com/office/drawing/2014/main" id="{781D1C61-0FF4-44E6-BE8A-4AA95DE5F70A}"/>
+              </a:ext>
+            </a:extLst>
+          </p:cNvPr>
+          <p:cNvSpPr/>
+          <p:nvPr/>
+        </p:nvSpPr>
+        <p:spPr>
+          <a:xfrm>
+            <a:off x="3506111" y="4850086"/>
+            <a:ext cx="1608923" cy="459527"/>
+          </a:xfrm>
+          <a:prstGeom prst="rect">
+            <a:avLst/>
+          </a:prstGeom>
+        </p:spPr>
+        <p:style>
+          <a:lnRef idx="2">
+            <a:schemeClr val="accent1">
+              <a:shade val="50000"/>
+            </a:schemeClr>
+          </a:lnRef>
+          <a:fillRef idx="1">
+            <a:schemeClr val="accent1"/>
+          </a:fillRef>
+          <a:effectRef idx="0">
+            <a:schemeClr val="accent1"/>
+          </a:effectRef>
+          <a:fontRef idx="minor">
+            <a:schemeClr val="lt1"/>
+          </a:fontRef>
+        </p:style>
+        <p:txBody>
+          <a:bodyPr rtlCol="0" anchor="ctr"/>
+          <a:lstStyle/>
+          <a:p>
+            <a:pPr algn="ctr"/>
+            <a:r>
+              <a:rPr lang="en-US" dirty="0" err="1"/>
+              <a:t>JobAPI</a:t>
+            </a:r>
+            <a:r>
+              <a:rPr lang="en-US" dirty="0"/>
+              <a:t> - public</a:t>
+            </a:r>
+          </a:p>
+        </p:txBody>
+      </p:sp>
+      <p:sp>
+        <p:nvSpPr>
+          <p:cNvPr id="16" name="Suorakulmio 18">
+            <a:extLst>
+              <a:ext uri="{FF2B5EF4-FFF2-40B4-BE49-F238E27FC236}">
+                <a16:creationId xmlns:a16="http://schemas.microsoft.com/office/drawing/2014/main" id="{52C7D8FF-54AE-4CBE-9FB2-DA31168EA669}"/>
+              </a:ext>
+            </a:extLst>
+          </p:cNvPr>
+          <p:cNvSpPr/>
+          <p:nvPr/>
+        </p:nvSpPr>
+        <p:spPr>
+          <a:xfrm>
+            <a:off x="3448524" y="2969101"/>
+            <a:ext cx="6608459" cy="459527"/>
+          </a:xfrm>
+          <a:prstGeom prst="rect">
+            <a:avLst/>
+          </a:prstGeom>
+        </p:spPr>
+        <p:style>
+          <a:lnRef idx="2">
+            <a:schemeClr val="accent1">
+              <a:shade val="50000"/>
+            </a:schemeClr>
+          </a:lnRef>
+          <a:fillRef idx="1">
+            <a:schemeClr val="accent1"/>
+          </a:fillRef>
+          <a:effectRef idx="0">
+            <a:schemeClr val="accent1"/>
+          </a:effectRef>
+          <a:fontRef idx="minor">
+            <a:schemeClr val="lt1"/>
+          </a:fontRef>
+        </p:style>
+        <p:txBody>
+          <a:bodyPr rtlCol="0" anchor="ctr"/>
+          <a:lstStyle/>
+          <a:p>
+            <a:pPr algn="ctr"/>
+            <a:r>
+              <a:rPr lang="en-US" dirty="0"/>
+              <a:t>Server.js</a:t>
+            </a:r>
+          </a:p>
+        </p:txBody>
+      </p:sp>
+      <p:sp>
+        <p:nvSpPr>
+          <p:cNvPr id="17" name="Suorakulmio 19">
+            <a:extLst>
+              <a:ext uri="{FF2B5EF4-FFF2-40B4-BE49-F238E27FC236}">
+                <a16:creationId xmlns:a16="http://schemas.microsoft.com/office/drawing/2014/main" id="{E7F726C1-4B7F-4954-ADF6-E91C3182DE81}"/>
+              </a:ext>
+            </a:extLst>
+          </p:cNvPr>
+          <p:cNvSpPr/>
+          <p:nvPr/>
+        </p:nvSpPr>
+        <p:spPr>
+          <a:xfrm>
+            <a:off x="3448524" y="2279046"/>
+            <a:ext cx="5681844" cy="416338"/>
+          </a:xfrm>
+          <a:prstGeom prst="rect">
+            <a:avLst/>
+          </a:prstGeom>
+        </p:spPr>
+        <p:style>
+          <a:lnRef idx="2">
+            <a:schemeClr val="accent1">
+              <a:shade val="50000"/>
+            </a:schemeClr>
+          </a:lnRef>
+          <a:fillRef idx="1">
+            <a:schemeClr val="accent1"/>
+          </a:fillRef>
+          <a:effectRef idx="0">
+            <a:schemeClr val="accent1"/>
+          </a:effectRef>
+          <a:fontRef idx="minor">
+            <a:schemeClr val="lt1"/>
+          </a:fontRef>
+        </p:style>
+        <p:txBody>
+          <a:bodyPr rtlCol="0" anchor="ctr"/>
+          <a:lstStyle/>
+          <a:p>
+            <a:pPr algn="ctr"/>
+            <a:r>
+              <a:rPr lang="en-US" dirty="0"/>
+              <a:t>angular index.html, </a:t>
+            </a:r>
+            <a:r>
+              <a:rPr lang="en-US" dirty="0" err="1"/>
+              <a:t>styles,images</a:t>
+            </a:r>
+            <a:endParaRPr lang="en-US" dirty="0"/>
+          </a:p>
+        </p:txBody>
+      </p:sp>
+      <p:sp>
+        <p:nvSpPr>
+          <p:cNvPr id="18" name="Suorakulmio 20">
+            <a:extLst>
+              <a:ext uri="{FF2B5EF4-FFF2-40B4-BE49-F238E27FC236}">
+                <a16:creationId xmlns:a16="http://schemas.microsoft.com/office/drawing/2014/main" id="{2FBF4112-95FC-4AAC-BEB9-EF69EC5EAC1F}"/>
+              </a:ext>
+            </a:extLst>
+          </p:cNvPr>
+          <p:cNvSpPr/>
+          <p:nvPr/>
+        </p:nvSpPr>
+        <p:spPr>
+          <a:xfrm>
+            <a:off x="668679" y="2095400"/>
+            <a:ext cx="1207566" cy="3266711"/>
+          </a:xfrm>
+          <a:prstGeom prst="rect">
+            <a:avLst/>
+          </a:prstGeom>
+        </p:spPr>
+        <p:style>
+          <a:lnRef idx="2">
+            <a:schemeClr val="accent1">
+              <a:shade val="50000"/>
+            </a:schemeClr>
+          </a:lnRef>
+          <a:fillRef idx="1">
+            <a:schemeClr val="accent1"/>
+          </a:fillRef>
+          <a:effectRef idx="0">
+            <a:schemeClr val="accent1"/>
+          </a:effectRef>
+          <a:fontRef idx="minor">
+            <a:schemeClr val="lt1"/>
+          </a:fontRef>
+        </p:style>
+        <p:txBody>
+          <a:bodyPr rtlCol="0" anchor="ctr"/>
+          <a:lstStyle/>
+          <a:p>
+            <a:pPr algn="ctr"/>
+            <a:r>
+              <a:rPr lang="en-US" dirty="0"/>
+              <a:t>Client</a:t>
+            </a:r>
+          </a:p>
+        </p:txBody>
+      </p:sp>
+      <p:sp>
+        <p:nvSpPr>
+          <p:cNvPr id="19" name="Nuoli: Oikea 21">
+            <a:extLst>
+              <a:ext uri="{FF2B5EF4-FFF2-40B4-BE49-F238E27FC236}">
+                <a16:creationId xmlns:a16="http://schemas.microsoft.com/office/drawing/2014/main" id="{0040B4B2-3858-458A-AA38-0783F5E9FB07}"/>
+              </a:ext>
+            </a:extLst>
+          </p:cNvPr>
+          <p:cNvSpPr/>
+          <p:nvPr/>
+        </p:nvSpPr>
+        <p:spPr>
+          <a:xfrm>
+            <a:off x="2131894" y="2333316"/>
+            <a:ext cx="1091230" cy="321087"/>
+          </a:xfrm>
+          <a:prstGeom prst="rightArrow">
+            <a:avLst/>
+          </a:prstGeom>
+        </p:spPr>
+        <p:style>
+          <a:lnRef idx="2">
+            <a:schemeClr val="accent1">
+              <a:shade val="50000"/>
+            </a:schemeClr>
+          </a:lnRef>
+          <a:fillRef idx="1">
+            <a:schemeClr val="accent1"/>
+          </a:fillRef>
+          <a:effectRef idx="0">
+            <a:schemeClr val="accent1"/>
+          </a:effectRef>
+          <a:fontRef idx="minor">
+            <a:schemeClr val="lt1"/>
+          </a:fontRef>
+        </p:style>
+        <p:txBody>
+          <a:bodyPr rtlCol="0" anchor="ctr"/>
+          <a:lstStyle/>
+          <a:p>
+            <a:pPr algn="ctr"/>
+            <a:endParaRPr lang="en-US"/>
+          </a:p>
+        </p:txBody>
+      </p:sp>
+      <p:sp>
+        <p:nvSpPr>
+          <p:cNvPr id="20" name="Nuoli: Oikea 22">
+            <a:extLst>
+              <a:ext uri="{FF2B5EF4-FFF2-40B4-BE49-F238E27FC236}">
+                <a16:creationId xmlns:a16="http://schemas.microsoft.com/office/drawing/2014/main" id="{9AA74151-B42F-4848-AECF-63AC652CBD46}"/>
+              </a:ext>
+            </a:extLst>
+          </p:cNvPr>
+          <p:cNvSpPr/>
+          <p:nvPr/>
+        </p:nvSpPr>
+        <p:spPr>
+          <a:xfrm>
+            <a:off x="2079835" y="3804424"/>
+            <a:ext cx="1091230" cy="321087"/>
+          </a:xfrm>
+          <a:prstGeom prst="rightArrow">
+            <a:avLst/>
+          </a:prstGeom>
+        </p:spPr>
+        <p:style>
+          <a:lnRef idx="2">
+            <a:schemeClr val="accent1">
+              <a:shade val="50000"/>
+            </a:schemeClr>
+          </a:lnRef>
+          <a:fillRef idx="1">
+            <a:schemeClr val="accent1"/>
+          </a:fillRef>
+          <a:effectRef idx="0">
+            <a:schemeClr val="accent1"/>
+          </a:effectRef>
+          <a:fontRef idx="minor">
+            <a:schemeClr val="lt1"/>
+          </a:fontRef>
+        </p:style>
+        <p:txBody>
+          <a:bodyPr rtlCol="0" anchor="ctr"/>
+          <a:lstStyle/>
+          <a:p>
+            <a:pPr algn="ctr"/>
+            <a:endParaRPr lang="en-US"/>
+          </a:p>
+        </p:txBody>
+      </p:sp>
+      <p:sp>
+        <p:nvSpPr>
+          <p:cNvPr id="21" name="Nuoli: Oikea 23">
+            <a:extLst>
+              <a:ext uri="{FF2B5EF4-FFF2-40B4-BE49-F238E27FC236}">
+                <a16:creationId xmlns:a16="http://schemas.microsoft.com/office/drawing/2014/main" id="{06E3F205-F14C-48D0-90F7-9510258E2E61}"/>
+              </a:ext>
+            </a:extLst>
+          </p:cNvPr>
+          <p:cNvSpPr/>
+          <p:nvPr/>
+        </p:nvSpPr>
+        <p:spPr>
+          <a:xfrm>
+            <a:off x="2076054" y="4393061"/>
+            <a:ext cx="1091230" cy="321087"/>
+          </a:xfrm>
+          <a:prstGeom prst="rightArrow">
+            <a:avLst/>
+          </a:prstGeom>
+        </p:spPr>
+        <p:style>
+          <a:lnRef idx="2">
+            <a:schemeClr val="accent1">
+              <a:shade val="50000"/>
+            </a:schemeClr>
+          </a:lnRef>
+          <a:fillRef idx="1">
+            <a:schemeClr val="accent1"/>
+          </a:fillRef>
+          <a:effectRef idx="0">
+            <a:schemeClr val="accent1"/>
+          </a:effectRef>
+          <a:fontRef idx="minor">
+            <a:schemeClr val="lt1"/>
+          </a:fontRef>
+        </p:style>
+        <p:txBody>
+          <a:bodyPr rtlCol="0" anchor="ctr"/>
+          <a:lstStyle/>
+          <a:p>
+            <a:pPr algn="ctr"/>
+            <a:endParaRPr lang="en-US"/>
+          </a:p>
+        </p:txBody>
+      </p:sp>
+      <p:sp>
+        <p:nvSpPr>
+          <p:cNvPr id="22" name="Nuoli: Oikea 24">
+            <a:extLst>
+              <a:ext uri="{FF2B5EF4-FFF2-40B4-BE49-F238E27FC236}">
+                <a16:creationId xmlns:a16="http://schemas.microsoft.com/office/drawing/2014/main" id="{990F148B-218D-4AB9-B2C9-E08B3CCC4ADD}"/>
+              </a:ext>
+            </a:extLst>
+          </p:cNvPr>
+          <p:cNvSpPr/>
+          <p:nvPr/>
+        </p:nvSpPr>
+        <p:spPr>
+          <a:xfrm>
+            <a:off x="2081581" y="4924543"/>
+            <a:ext cx="1091230" cy="321087"/>
+          </a:xfrm>
+          <a:prstGeom prst="rightArrow">
+            <a:avLst/>
+          </a:prstGeom>
+        </p:spPr>
+        <p:style>
+          <a:lnRef idx="2">
+            <a:schemeClr val="accent1">
+              <a:shade val="50000"/>
+            </a:schemeClr>
+          </a:lnRef>
+          <a:fillRef idx="1">
+            <a:schemeClr val="accent1"/>
+          </a:fillRef>
+          <a:effectRef idx="0">
+            <a:schemeClr val="accent1"/>
+          </a:effectRef>
+          <a:fontRef idx="minor">
+            <a:schemeClr val="lt1"/>
+          </a:fontRef>
+        </p:style>
+        <p:txBody>
+          <a:bodyPr rtlCol="0" anchor="ctr"/>
+          <a:lstStyle/>
+          <a:p>
+            <a:pPr algn="ctr"/>
+            <a:endParaRPr lang="en-US"/>
+          </a:p>
+        </p:txBody>
+      </p:sp>
+      <p:sp>
+        <p:nvSpPr>
+          <p:cNvPr id="23" name="Sisällön paikkamerkki 2">
+            <a:extLst>
+              <a:ext uri="{FF2B5EF4-FFF2-40B4-BE49-F238E27FC236}">
+                <a16:creationId xmlns:a16="http://schemas.microsoft.com/office/drawing/2014/main" id="{195E5F1B-252C-4C0B-BCBD-2DE6CB124000}"/>
+              </a:ext>
+            </a:extLst>
+          </p:cNvPr>
+          <p:cNvSpPr txBox="1">
+            <a:spLocks/>
+          </p:cNvSpPr>
+          <p:nvPr/>
+        </p:nvSpPr>
+        <p:spPr>
+          <a:xfrm>
+            <a:off x="668679" y="5633974"/>
+            <a:ext cx="10515600" cy="1103883"/>
+          </a:xfrm>
+          <a:prstGeom prst="rect">
+            <a:avLst/>
+          </a:prstGeom>
+        </p:spPr>
+        <p:txBody>
+          <a:bodyPr vert="horz" lIns="91440" tIns="45720" rIns="91440" bIns="45720" rtlCol="0">
+            <a:normAutofit/>
+          </a:bodyPr>
+          <a:lstStyle>
+            <a:lvl1pPr marL="228600" indent="-228600" algn="l" defTabSz="914400" rtl="0" eaLnBrk="1" latinLnBrk="0" hangingPunct="1">
+              <a:lnSpc>
+                <a:spcPct val="90000"/>
+              </a:lnSpc>
+              <a:spcBef>
+                <a:spcPts val="1000"/>
+              </a:spcBef>
+              <a:buFont typeface="Arial" panose="020B0604020202020204" pitchFamily="34" charset="0"/>
+              <a:buChar char="•"/>
+              <a:defRPr sz="2800" kern="1200">
+                <a:solidFill>
+                  <a:schemeClr val="tx1"/>
+                </a:solidFill>
+                <a:latin typeface="+mn-lt"/>
+                <a:ea typeface="+mn-ea"/>
+                <a:cs typeface="+mn-cs"/>
+              </a:defRPr>
+            </a:lvl1pPr>
+            <a:lvl2pPr marL="685800" indent="-228600" algn="l" defTabSz="914400" rtl="0" eaLnBrk="1" latinLnBrk="0" hangingPunct="1">
+              <a:lnSpc>
+                <a:spcPct val="90000"/>
+              </a:lnSpc>
+              <a:spcBef>
+                <a:spcPts val="500"/>
+              </a:spcBef>
+              <a:buFont typeface="Arial" panose="020B0604020202020204" pitchFamily="34" charset="0"/>
+              <a:buChar char="•"/>
+              <a:defRPr sz="2400" kern="1200">
+                <a:solidFill>
+                  <a:schemeClr val="tx1"/>
+                </a:solidFill>
+                <a:latin typeface="+mn-lt"/>
+                <a:ea typeface="+mn-ea"/>
+                <a:cs typeface="+mn-cs"/>
+              </a:defRPr>
+            </a:lvl2pPr>
+            <a:lvl3pPr marL="1143000" indent="-228600" algn="l" defTabSz="914400" rtl="0" eaLnBrk="1" latinLnBrk="0" hangingPunct="1">
+              <a:lnSpc>
+                <a:spcPct val="90000"/>
+              </a:lnSpc>
+              <a:spcBef>
+                <a:spcPts val="500"/>
+              </a:spcBef>
+              <a:buFont typeface="Arial" panose="020B0604020202020204" pitchFamily="34" charset="0"/>
+              <a:buChar char="•"/>
+              <a:defRPr sz="2000" kern="1200">
+                <a:solidFill>
+                  <a:schemeClr val="tx1"/>
+                </a:solidFill>
+                <a:latin typeface="+mn-lt"/>
+                <a:ea typeface="+mn-ea"/>
+                <a:cs typeface="+mn-cs"/>
+              </a:defRPr>
+            </a:lvl3pPr>
+            <a:lvl4pPr marL="1600200" indent="-228600" algn="l" defTabSz="914400" rtl="0" eaLnBrk="1" latinLnBrk="0" hangingPunct="1">
+              <a:lnSpc>
+                <a:spcPct val="90000"/>
+              </a:lnSpc>
+              <a:spcBef>
+                <a:spcPts val="500"/>
+              </a:spcBef>
+              <a:buFont typeface="Arial" panose="020B0604020202020204" pitchFamily="34" charset="0"/>
+              <a:buChar char="•"/>
+              <a:defRPr sz="1800" kern="1200">
+                <a:solidFill>
+                  <a:schemeClr val="tx1"/>
+                </a:solidFill>
+                <a:latin typeface="+mn-lt"/>
+                <a:ea typeface="+mn-ea"/>
+                <a:cs typeface="+mn-cs"/>
+              </a:defRPr>
+            </a:lvl4pPr>
+            <a:lvl5pPr marL="2057400" indent="-228600" algn="l" defTabSz="914400" rtl="0" eaLnBrk="1" latinLnBrk="0" hangingPunct="1">
+              <a:lnSpc>
+                <a:spcPct val="90000"/>
+              </a:lnSpc>
+              <a:spcBef>
+                <a:spcPts val="500"/>
+              </a:spcBef>
+              <a:buFont typeface="Arial" panose="020B0604020202020204" pitchFamily="34" charset="0"/>
+              <a:buChar char="•"/>
+              <a:defRPr sz="1800" kern="1200">
+                <a:solidFill>
+                  <a:schemeClr val="tx1"/>
+                </a:solidFill>
+                <a:latin typeface="+mn-lt"/>
+                <a:ea typeface="+mn-ea"/>
+                <a:cs typeface="+mn-cs"/>
+              </a:defRPr>
+            </a:lvl5pPr>
+            <a:lvl6pPr marL="2514600" indent="-228600" algn="l" defTabSz="914400" rtl="0" eaLnBrk="1" latinLnBrk="0" hangingPunct="1">
+              <a:lnSpc>
+                <a:spcPct val="90000"/>
+              </a:lnSpc>
+              <a:spcBef>
+                <a:spcPts val="500"/>
+              </a:spcBef>
+              <a:buFont typeface="Arial" panose="020B0604020202020204" pitchFamily="34" charset="0"/>
+              <a:buChar char="•"/>
+              <a:defRPr sz="1800" kern="1200">
+                <a:solidFill>
+                  <a:schemeClr val="tx1"/>
+                </a:solidFill>
+                <a:latin typeface="+mn-lt"/>
+                <a:ea typeface="+mn-ea"/>
+                <a:cs typeface="+mn-cs"/>
+              </a:defRPr>
+            </a:lvl6pPr>
+            <a:lvl7pPr marL="2971800" indent="-228600" algn="l" defTabSz="914400" rtl="0" eaLnBrk="1" latinLnBrk="0" hangingPunct="1">
+              <a:lnSpc>
+                <a:spcPct val="90000"/>
+              </a:lnSpc>
+              <a:spcBef>
+                <a:spcPts val="500"/>
+              </a:spcBef>
+              <a:buFont typeface="Arial" panose="020B0604020202020204" pitchFamily="34" charset="0"/>
+              <a:buChar char="•"/>
+              <a:defRPr sz="1800" kern="1200">
+                <a:solidFill>
+                  <a:schemeClr val="tx1"/>
+                </a:solidFill>
+                <a:latin typeface="+mn-lt"/>
+                <a:ea typeface="+mn-ea"/>
+                <a:cs typeface="+mn-cs"/>
+              </a:defRPr>
+            </a:lvl7pPr>
+            <a:lvl8pPr marL="3429000" indent="-228600" algn="l" defTabSz="914400" rtl="0" eaLnBrk="1" latinLnBrk="0" hangingPunct="1">
+              <a:lnSpc>
+                <a:spcPct val="90000"/>
+              </a:lnSpc>
+              <a:spcBef>
+                <a:spcPts val="500"/>
+              </a:spcBef>
+              <a:buFont typeface="Arial" panose="020B0604020202020204" pitchFamily="34" charset="0"/>
+              <a:buChar char="•"/>
+              <a:defRPr sz="1800" kern="1200">
+                <a:solidFill>
+                  <a:schemeClr val="tx1"/>
+                </a:solidFill>
+                <a:latin typeface="+mn-lt"/>
+                <a:ea typeface="+mn-ea"/>
+                <a:cs typeface="+mn-cs"/>
+              </a:defRPr>
+            </a:lvl8pPr>
+            <a:lvl9pPr marL="3886200" indent="-228600" algn="l" defTabSz="914400" rtl="0" eaLnBrk="1" latinLnBrk="0" hangingPunct="1">
+              <a:lnSpc>
+                <a:spcPct val="90000"/>
+              </a:lnSpc>
+              <a:spcBef>
+                <a:spcPts val="500"/>
+              </a:spcBef>
+              <a:buFont typeface="Arial" panose="020B0604020202020204" pitchFamily="34" charset="0"/>
+              <a:buChar char="•"/>
+              <a:defRPr sz="1800" kern="1200">
+                <a:solidFill>
+                  <a:schemeClr val="tx1"/>
+                </a:solidFill>
+                <a:latin typeface="+mn-lt"/>
+                <a:ea typeface="+mn-ea"/>
+                <a:cs typeface="+mn-cs"/>
+              </a:defRPr>
+            </a:lvl9pPr>
+          </a:lstStyle>
+          <a:p>
+            <a:r>
+              <a:rPr lang="en-US" dirty="0"/>
+              <a:t>Node-Express web server</a:t>
+            </a:r>
+          </a:p>
+          <a:p>
+            <a:r>
+              <a:rPr lang="en-US" dirty="0"/>
+              <a:t>MySQL-Database, node-</a:t>
+            </a:r>
+            <a:r>
+              <a:rPr lang="en-US" dirty="0" err="1"/>
+              <a:t>mysql</a:t>
+            </a:r>
+            <a:r>
+              <a:rPr lang="en-US" dirty="0"/>
+              <a:t> extension</a:t>
+            </a:r>
+          </a:p>
+          <a:p>
+            <a:endParaRPr lang="en-US" dirty="0"/>
+          </a:p>
+          <a:p>
+            <a:endParaRPr lang="en-US" dirty="0"/>
+          </a:p>
+        </p:txBody>
+      </p:sp>
+    </p:spTree>
+    <p:extLst>
+      <p:ext uri="{BB962C8B-B14F-4D97-AF65-F5344CB8AC3E}">
+        <p14:creationId xmlns:p14="http://schemas.microsoft.com/office/powerpoint/2010/main" val="603543019"/>
       </p:ext>
     </p:extLst>
   </p:cSld>
@@ -9917,7 +10852,7 @@
           <p:cNvPr id="2" name="Title 1">
             <a:extLst>
               <a:ext uri="{FF2B5EF4-FFF2-40B4-BE49-F238E27FC236}">
-                <a16:creationId xmlns:a16="http://schemas.microsoft.com/office/drawing/2014/main" id="{70076D00-DB12-46F9-8846-68ABCE2A696B}"/>
+                <a16:creationId xmlns:a16="http://schemas.microsoft.com/office/drawing/2014/main" id="{3A0ED958-0003-4495-8D82-57892500A6FD}"/>
               </a:ext>
             </a:extLst>
           </p:cNvPr>
@@ -9935,78 +10870,713 @@
           <a:p>
             <a:r>
               <a:rPr lang="fi-FI" dirty="0"/>
-              <a:t>Step 3: RESTful interface</a:t>
+              <a:t>Step 2 </a:t>
             </a:r>
             <a:endParaRPr lang="en-US" dirty="0"/>
           </a:p>
         </p:txBody>
       </p:sp>
-      <p:pic>
-        <p:nvPicPr>
-          <p:cNvPr id="5" name="Content Placeholder 4">
-            <a:extLst>
-              <a:ext uri="{FF2B5EF4-FFF2-40B4-BE49-F238E27FC236}">
-                <a16:creationId xmlns:a16="http://schemas.microsoft.com/office/drawing/2014/main" id="{C0E9EA62-43CE-4429-90F3-E283A1D7BDA1}"/>
-              </a:ext>
-            </a:extLst>
-          </p:cNvPr>
-          <p:cNvPicPr>
-            <a:picLocks noGrp="1" noChangeAspect="1"/>
-          </p:cNvPicPr>
+      <p:sp>
+        <p:nvSpPr>
+          <p:cNvPr id="3" name="Content Placeholder 2">
+            <a:extLst>
+              <a:ext uri="{FF2B5EF4-FFF2-40B4-BE49-F238E27FC236}">
+                <a16:creationId xmlns:a16="http://schemas.microsoft.com/office/drawing/2014/main" id="{23177D9B-7D17-477C-B49F-A79FFC0FCCBA}"/>
+              </a:ext>
+            </a:extLst>
+          </p:cNvPr>
+          <p:cNvSpPr>
+            <a:spLocks noGrp="1"/>
+          </p:cNvSpPr>
           <p:nvPr>
             <p:ph idx="1"/>
           </p:nvPr>
-        </p:nvPicPr>
-        <p:blipFill>
-          <a:blip r:embed="rId2"/>
-          <a:stretch>
-            <a:fillRect/>
-          </a:stretch>
-        </p:blipFill>
-        <p:spPr>
-          <a:xfrm>
-            <a:off x="1472681" y="1872277"/>
-            <a:ext cx="4097695" cy="3504695"/>
+        </p:nvSpPr>
+        <p:spPr>
+          <a:xfrm>
+            <a:off x="838200" y="1825625"/>
+            <a:ext cx="10515600" cy="2759627"/>
+          </a:xfrm>
+        </p:spPr>
+        <p:txBody>
+          <a:bodyPr/>
+          <a:lstStyle/>
+          <a:p>
+            <a:r>
+              <a:rPr lang="en-US" dirty="0"/>
+              <a:t>Architecture (Client, case Users)</a:t>
+            </a:r>
+          </a:p>
+          <a:p>
+            <a:endParaRPr lang="en-US" dirty="0"/>
+          </a:p>
+          <a:p>
+            <a:endParaRPr lang="en-US" dirty="0"/>
+          </a:p>
+        </p:txBody>
+      </p:sp>
+      <p:sp>
+        <p:nvSpPr>
+          <p:cNvPr id="4" name="Suorakulmio 3">
+            <a:extLst>
+              <a:ext uri="{FF2B5EF4-FFF2-40B4-BE49-F238E27FC236}">
+                <a16:creationId xmlns:a16="http://schemas.microsoft.com/office/drawing/2014/main" id="{8868153D-B954-4C6E-AA60-954B691B8ACA}"/>
+              </a:ext>
+            </a:extLst>
+          </p:cNvPr>
+          <p:cNvSpPr/>
+          <p:nvPr/>
+        </p:nvSpPr>
+        <p:spPr>
+          <a:xfrm>
+            <a:off x="838200" y="2807438"/>
+            <a:ext cx="2282510" cy="502571"/>
           </a:xfrm>
           <a:prstGeom prst="rect">
             <a:avLst/>
           </a:prstGeom>
         </p:spPr>
-      </p:pic>
-      <p:pic>
-        <p:nvPicPr>
-          <p:cNvPr id="8" name="Picture 7">
-            <a:extLst>
-              <a:ext uri="{FF2B5EF4-FFF2-40B4-BE49-F238E27FC236}">
-                <a16:creationId xmlns:a16="http://schemas.microsoft.com/office/drawing/2014/main" id="{0BAF651F-190E-4528-8A93-B31555FD8EB6}"/>
-              </a:ext>
-            </a:extLst>
-          </p:cNvPr>
-          <p:cNvPicPr>
-            <a:picLocks noChangeAspect="1"/>
-          </p:cNvPicPr>
+        <p:style>
+          <a:lnRef idx="2">
+            <a:schemeClr val="accent1">
+              <a:shade val="50000"/>
+            </a:schemeClr>
+          </a:lnRef>
+          <a:fillRef idx="1">
+            <a:schemeClr val="accent1"/>
+          </a:fillRef>
+          <a:effectRef idx="0">
+            <a:schemeClr val="accent1"/>
+          </a:effectRef>
+          <a:fontRef idx="minor">
+            <a:schemeClr val="lt1"/>
+          </a:fontRef>
+        </p:style>
+        <p:txBody>
+          <a:bodyPr rtlCol="0" anchor="ctr"/>
+          <a:lstStyle/>
+          <a:p>
+            <a:pPr algn="ctr"/>
+            <a:r>
+              <a:rPr lang="en-US" dirty="0"/>
+              <a:t>Routing to select view</a:t>
+            </a:r>
+          </a:p>
+        </p:txBody>
+      </p:sp>
+      <p:sp>
+        <p:nvSpPr>
+          <p:cNvPr id="5" name="Suorakulmio 4">
+            <a:extLst>
+              <a:ext uri="{FF2B5EF4-FFF2-40B4-BE49-F238E27FC236}">
+                <a16:creationId xmlns:a16="http://schemas.microsoft.com/office/drawing/2014/main" id="{ED4B6A73-E33E-4496-802C-3541FCADA8CB}"/>
+              </a:ext>
+            </a:extLst>
+          </p:cNvPr>
+          <p:cNvSpPr/>
           <p:nvPr/>
-        </p:nvPicPr>
-        <p:blipFill>
-          <a:blip r:embed="rId3"/>
-          <a:stretch>
-            <a:fillRect/>
-          </a:stretch>
-        </p:blipFill>
-        <p:spPr>
-          <a:xfrm>
-            <a:off x="6696271" y="886409"/>
-            <a:ext cx="4097693" cy="5401795"/>
+        </p:nvSpPr>
+        <p:spPr>
+          <a:xfrm>
+            <a:off x="1368692" y="3449612"/>
+            <a:ext cx="1416971" cy="418809"/>
           </a:xfrm>
           <a:prstGeom prst="rect">
             <a:avLst/>
           </a:prstGeom>
         </p:spPr>
-      </p:pic>
+        <p:style>
+          <a:lnRef idx="2">
+            <a:schemeClr val="accent1">
+              <a:shade val="50000"/>
+            </a:schemeClr>
+          </a:lnRef>
+          <a:fillRef idx="1">
+            <a:schemeClr val="accent1"/>
+          </a:fillRef>
+          <a:effectRef idx="0">
+            <a:schemeClr val="accent1"/>
+          </a:effectRef>
+          <a:fontRef idx="minor">
+            <a:schemeClr val="lt1"/>
+          </a:fontRef>
+        </p:style>
+        <p:txBody>
+          <a:bodyPr rtlCol="0" anchor="ctr"/>
+          <a:lstStyle/>
+          <a:p>
+            <a:pPr algn="ctr"/>
+            <a:r>
+              <a:rPr lang="en-US" dirty="0" err="1"/>
+              <a:t>UserList</a:t>
+            </a:r>
+            <a:endParaRPr lang="en-US" dirty="0"/>
+          </a:p>
+        </p:txBody>
+      </p:sp>
+      <p:sp>
+        <p:nvSpPr>
+          <p:cNvPr id="6" name="Suorakulmio 5">
+            <a:extLst>
+              <a:ext uri="{FF2B5EF4-FFF2-40B4-BE49-F238E27FC236}">
+                <a16:creationId xmlns:a16="http://schemas.microsoft.com/office/drawing/2014/main" id="{E90A72C0-E86D-47F2-BC9F-2971DC1BC8F1}"/>
+              </a:ext>
+            </a:extLst>
+          </p:cNvPr>
+          <p:cNvSpPr/>
+          <p:nvPr/>
+        </p:nvSpPr>
+        <p:spPr>
+          <a:xfrm>
+            <a:off x="1368692" y="4006861"/>
+            <a:ext cx="1416971" cy="418809"/>
+          </a:xfrm>
+          <a:prstGeom prst="rect">
+            <a:avLst/>
+          </a:prstGeom>
+        </p:spPr>
+        <p:style>
+          <a:lnRef idx="2">
+            <a:schemeClr val="accent1">
+              <a:shade val="50000"/>
+            </a:schemeClr>
+          </a:lnRef>
+          <a:fillRef idx="1">
+            <a:schemeClr val="accent1"/>
+          </a:fillRef>
+          <a:effectRef idx="0">
+            <a:schemeClr val="accent1"/>
+          </a:effectRef>
+          <a:fontRef idx="minor">
+            <a:schemeClr val="lt1"/>
+          </a:fontRef>
+        </p:style>
+        <p:txBody>
+          <a:bodyPr rtlCol="0" anchor="ctr"/>
+          <a:lstStyle/>
+          <a:p>
+            <a:pPr algn="ctr"/>
+            <a:r>
+              <a:rPr lang="en-US" dirty="0" err="1"/>
+              <a:t>UserDetail</a:t>
+            </a:r>
+            <a:endParaRPr lang="en-US" dirty="0"/>
+          </a:p>
+        </p:txBody>
+      </p:sp>
+      <p:sp>
+        <p:nvSpPr>
+          <p:cNvPr id="7" name="Suorakulmio 6">
+            <a:extLst>
+              <a:ext uri="{FF2B5EF4-FFF2-40B4-BE49-F238E27FC236}">
+                <a16:creationId xmlns:a16="http://schemas.microsoft.com/office/drawing/2014/main" id="{4DD707C7-CC51-4A1A-A6BA-960580ADA0D7}"/>
+              </a:ext>
+            </a:extLst>
+          </p:cNvPr>
+          <p:cNvSpPr/>
+          <p:nvPr/>
+        </p:nvSpPr>
+        <p:spPr>
+          <a:xfrm>
+            <a:off x="3475535" y="2807437"/>
+            <a:ext cx="2282510" cy="502571"/>
+          </a:xfrm>
+          <a:prstGeom prst="rect">
+            <a:avLst/>
+          </a:prstGeom>
+        </p:spPr>
+        <p:style>
+          <a:lnRef idx="2">
+            <a:schemeClr val="accent1">
+              <a:shade val="50000"/>
+            </a:schemeClr>
+          </a:lnRef>
+          <a:fillRef idx="1">
+            <a:schemeClr val="accent1"/>
+          </a:fillRef>
+          <a:effectRef idx="0">
+            <a:schemeClr val="accent1"/>
+          </a:effectRef>
+          <a:fontRef idx="minor">
+            <a:schemeClr val="lt1"/>
+          </a:fontRef>
+        </p:style>
+        <p:txBody>
+          <a:bodyPr rtlCol="0" anchor="ctr"/>
+          <a:lstStyle/>
+          <a:p>
+            <a:pPr algn="ctr"/>
+            <a:r>
+              <a:rPr lang="en-US" dirty="0"/>
+              <a:t>Services as proxy to data</a:t>
+            </a:r>
+          </a:p>
+        </p:txBody>
+      </p:sp>
+      <p:sp>
+        <p:nvSpPr>
+          <p:cNvPr id="8" name="Suorakulmio 7">
+            <a:extLst>
+              <a:ext uri="{FF2B5EF4-FFF2-40B4-BE49-F238E27FC236}">
+                <a16:creationId xmlns:a16="http://schemas.microsoft.com/office/drawing/2014/main" id="{8BE62192-2B82-4947-93BC-55C8053D8A5E}"/>
+              </a:ext>
+            </a:extLst>
+          </p:cNvPr>
+          <p:cNvSpPr/>
+          <p:nvPr/>
+        </p:nvSpPr>
+        <p:spPr>
+          <a:xfrm>
+            <a:off x="3908304" y="3698152"/>
+            <a:ext cx="1416971" cy="418809"/>
+          </a:xfrm>
+          <a:prstGeom prst="rect">
+            <a:avLst/>
+          </a:prstGeom>
+        </p:spPr>
+        <p:style>
+          <a:lnRef idx="2">
+            <a:schemeClr val="accent1">
+              <a:shade val="50000"/>
+            </a:schemeClr>
+          </a:lnRef>
+          <a:fillRef idx="1">
+            <a:schemeClr val="accent1"/>
+          </a:fillRef>
+          <a:effectRef idx="0">
+            <a:schemeClr val="accent1"/>
+          </a:effectRef>
+          <a:fontRef idx="minor">
+            <a:schemeClr val="lt1"/>
+          </a:fontRef>
+        </p:style>
+        <p:txBody>
+          <a:bodyPr rtlCol="0" anchor="ctr"/>
+          <a:lstStyle/>
+          <a:p>
+            <a:pPr algn="ctr"/>
+            <a:r>
+              <a:rPr lang="en-US" dirty="0" err="1"/>
+              <a:t>UserService</a:t>
+            </a:r>
+            <a:endParaRPr lang="en-US" dirty="0"/>
+          </a:p>
+        </p:txBody>
+      </p:sp>
+      <p:sp>
+        <p:nvSpPr>
+          <p:cNvPr id="9" name="Nuoli: Oikea 8">
+            <a:extLst>
+              <a:ext uri="{FF2B5EF4-FFF2-40B4-BE49-F238E27FC236}">
+                <a16:creationId xmlns:a16="http://schemas.microsoft.com/office/drawing/2014/main" id="{32F44E50-07BC-403D-B980-A27091F5CC0F}"/>
+              </a:ext>
+            </a:extLst>
+          </p:cNvPr>
+          <p:cNvSpPr/>
+          <p:nvPr/>
+        </p:nvSpPr>
+        <p:spPr>
+          <a:xfrm>
+            <a:off x="2981107" y="3749759"/>
+            <a:ext cx="739896" cy="328067"/>
+          </a:xfrm>
+          <a:prstGeom prst="rightArrow">
+            <a:avLst/>
+          </a:prstGeom>
+        </p:spPr>
+        <p:style>
+          <a:lnRef idx="2">
+            <a:schemeClr val="accent1">
+              <a:shade val="50000"/>
+            </a:schemeClr>
+          </a:lnRef>
+          <a:fillRef idx="1">
+            <a:schemeClr val="accent1"/>
+          </a:fillRef>
+          <a:effectRef idx="0">
+            <a:schemeClr val="accent1"/>
+          </a:effectRef>
+          <a:fontRef idx="minor">
+            <a:schemeClr val="lt1"/>
+          </a:fontRef>
+        </p:style>
+        <p:txBody>
+          <a:bodyPr rtlCol="0" anchor="ctr"/>
+          <a:lstStyle/>
+          <a:p>
+            <a:pPr algn="ctr"/>
+            <a:endParaRPr lang="en-US"/>
+          </a:p>
+        </p:txBody>
+      </p:sp>
+      <p:sp>
+        <p:nvSpPr>
+          <p:cNvPr id="10" name="Pilvi 9">
+            <a:extLst>
+              <a:ext uri="{FF2B5EF4-FFF2-40B4-BE49-F238E27FC236}">
+                <a16:creationId xmlns:a16="http://schemas.microsoft.com/office/drawing/2014/main" id="{8C93F8A4-322A-4827-8BCA-1191B3462802}"/>
+              </a:ext>
+            </a:extLst>
+          </p:cNvPr>
+          <p:cNvSpPr/>
+          <p:nvPr/>
+        </p:nvSpPr>
+        <p:spPr>
+          <a:xfrm>
+            <a:off x="6554946" y="3554313"/>
+            <a:ext cx="1347169" cy="706486"/>
+          </a:xfrm>
+          <a:prstGeom prst="cloud">
+            <a:avLst/>
+          </a:prstGeom>
+        </p:spPr>
+        <p:style>
+          <a:lnRef idx="2">
+            <a:schemeClr val="accent1">
+              <a:shade val="50000"/>
+            </a:schemeClr>
+          </a:lnRef>
+          <a:fillRef idx="1">
+            <a:schemeClr val="accent1"/>
+          </a:fillRef>
+          <a:effectRef idx="0">
+            <a:schemeClr val="accent1"/>
+          </a:effectRef>
+          <a:fontRef idx="minor">
+            <a:schemeClr val="lt1"/>
+          </a:fontRef>
+        </p:style>
+        <p:txBody>
+          <a:bodyPr rtlCol="0" anchor="ctr"/>
+          <a:lstStyle/>
+          <a:p>
+            <a:pPr algn="ctr"/>
+            <a:r>
+              <a:rPr lang="en-US" dirty="0"/>
+              <a:t>HTTP</a:t>
+            </a:r>
+          </a:p>
+        </p:txBody>
+      </p:sp>
+      <p:sp>
+        <p:nvSpPr>
+          <p:cNvPr id="11" name="Nuoli: Oikea 10">
+            <a:extLst>
+              <a:ext uri="{FF2B5EF4-FFF2-40B4-BE49-F238E27FC236}">
+                <a16:creationId xmlns:a16="http://schemas.microsoft.com/office/drawing/2014/main" id="{1C81E88D-6CC7-4D78-908A-CED33EC53860}"/>
+              </a:ext>
+            </a:extLst>
+          </p:cNvPr>
+          <p:cNvSpPr/>
+          <p:nvPr/>
+        </p:nvSpPr>
+        <p:spPr>
+          <a:xfrm>
+            <a:off x="5584704" y="3808254"/>
+            <a:ext cx="863212" cy="209405"/>
+          </a:xfrm>
+          <a:prstGeom prst="rightArrow">
+            <a:avLst/>
+          </a:prstGeom>
+        </p:spPr>
+        <p:style>
+          <a:lnRef idx="2">
+            <a:schemeClr val="accent1">
+              <a:shade val="50000"/>
+            </a:schemeClr>
+          </a:lnRef>
+          <a:fillRef idx="1">
+            <a:schemeClr val="accent1"/>
+          </a:fillRef>
+          <a:effectRef idx="0">
+            <a:schemeClr val="accent1"/>
+          </a:effectRef>
+          <a:fontRef idx="minor">
+            <a:schemeClr val="lt1"/>
+          </a:fontRef>
+        </p:style>
+        <p:txBody>
+          <a:bodyPr rtlCol="0" anchor="ctr"/>
+          <a:lstStyle/>
+          <a:p>
+            <a:pPr algn="ctr"/>
+            <a:endParaRPr lang="en-US"/>
+          </a:p>
+        </p:txBody>
+      </p:sp>
+      <p:sp>
+        <p:nvSpPr>
+          <p:cNvPr id="12" name="Suorakulmio 11">
+            <a:extLst>
+              <a:ext uri="{FF2B5EF4-FFF2-40B4-BE49-F238E27FC236}">
+                <a16:creationId xmlns:a16="http://schemas.microsoft.com/office/drawing/2014/main" id="{BE7B2490-DAA8-4B0D-8909-6E988184842D}"/>
+              </a:ext>
+            </a:extLst>
+          </p:cNvPr>
+          <p:cNvSpPr/>
+          <p:nvPr/>
+        </p:nvSpPr>
+        <p:spPr>
+          <a:xfrm>
+            <a:off x="8781614" y="3646547"/>
+            <a:ext cx="1507713" cy="431279"/>
+          </a:xfrm>
+          <a:prstGeom prst="rect">
+            <a:avLst/>
+          </a:prstGeom>
+        </p:spPr>
+        <p:style>
+          <a:lnRef idx="2">
+            <a:schemeClr val="accent1">
+              <a:shade val="50000"/>
+            </a:schemeClr>
+          </a:lnRef>
+          <a:fillRef idx="1">
+            <a:schemeClr val="accent1"/>
+          </a:fillRef>
+          <a:effectRef idx="0">
+            <a:schemeClr val="accent1"/>
+          </a:effectRef>
+          <a:fontRef idx="minor">
+            <a:schemeClr val="lt1"/>
+          </a:fontRef>
+        </p:style>
+        <p:txBody>
+          <a:bodyPr rtlCol="0" anchor="ctr"/>
+          <a:lstStyle/>
+          <a:p>
+            <a:pPr algn="ctr"/>
+            <a:r>
+              <a:rPr lang="en-US" dirty="0" err="1"/>
+              <a:t>UserApi</a:t>
+            </a:r>
+            <a:endParaRPr lang="en-US" dirty="0"/>
+          </a:p>
+        </p:txBody>
+      </p:sp>
+      <p:sp>
+        <p:nvSpPr>
+          <p:cNvPr id="13" name="Sisällön paikkamerkki 2">
+            <a:extLst>
+              <a:ext uri="{FF2B5EF4-FFF2-40B4-BE49-F238E27FC236}">
+                <a16:creationId xmlns:a16="http://schemas.microsoft.com/office/drawing/2014/main" id="{14E9F2E9-BE40-43F3-868C-76A2DB1C74DD}"/>
+              </a:ext>
+            </a:extLst>
+          </p:cNvPr>
+          <p:cNvSpPr txBox="1">
+            <a:spLocks/>
+          </p:cNvSpPr>
+          <p:nvPr/>
+        </p:nvSpPr>
+        <p:spPr>
+          <a:xfrm>
+            <a:off x="740478" y="4767444"/>
+            <a:ext cx="10515600" cy="1926050"/>
+          </a:xfrm>
+          <a:prstGeom prst="rect">
+            <a:avLst/>
+          </a:prstGeom>
+        </p:spPr>
+        <p:txBody>
+          <a:bodyPr vert="horz" lIns="91440" tIns="45720" rIns="91440" bIns="45720" rtlCol="0">
+            <a:normAutofit/>
+          </a:bodyPr>
+          <a:lstStyle>
+            <a:lvl1pPr marL="228600" indent="-228600" algn="l" defTabSz="914400" rtl="0" eaLnBrk="1" latinLnBrk="0" hangingPunct="1">
+              <a:lnSpc>
+                <a:spcPct val="90000"/>
+              </a:lnSpc>
+              <a:spcBef>
+                <a:spcPts val="1000"/>
+              </a:spcBef>
+              <a:buFont typeface="Arial" panose="020B0604020202020204" pitchFamily="34" charset="0"/>
+              <a:buChar char="•"/>
+              <a:defRPr sz="2800" kern="1200">
+                <a:solidFill>
+                  <a:schemeClr val="tx1"/>
+                </a:solidFill>
+                <a:latin typeface="+mn-lt"/>
+                <a:ea typeface="+mn-ea"/>
+                <a:cs typeface="+mn-cs"/>
+              </a:defRPr>
+            </a:lvl1pPr>
+            <a:lvl2pPr marL="685800" indent="-228600" algn="l" defTabSz="914400" rtl="0" eaLnBrk="1" latinLnBrk="0" hangingPunct="1">
+              <a:lnSpc>
+                <a:spcPct val="90000"/>
+              </a:lnSpc>
+              <a:spcBef>
+                <a:spcPts val="500"/>
+              </a:spcBef>
+              <a:buFont typeface="Arial" panose="020B0604020202020204" pitchFamily="34" charset="0"/>
+              <a:buChar char="•"/>
+              <a:defRPr sz="2400" kern="1200">
+                <a:solidFill>
+                  <a:schemeClr val="tx1"/>
+                </a:solidFill>
+                <a:latin typeface="+mn-lt"/>
+                <a:ea typeface="+mn-ea"/>
+                <a:cs typeface="+mn-cs"/>
+              </a:defRPr>
+            </a:lvl2pPr>
+            <a:lvl3pPr marL="1143000" indent="-228600" algn="l" defTabSz="914400" rtl="0" eaLnBrk="1" latinLnBrk="0" hangingPunct="1">
+              <a:lnSpc>
+                <a:spcPct val="90000"/>
+              </a:lnSpc>
+              <a:spcBef>
+                <a:spcPts val="500"/>
+              </a:spcBef>
+              <a:buFont typeface="Arial" panose="020B0604020202020204" pitchFamily="34" charset="0"/>
+              <a:buChar char="•"/>
+              <a:defRPr sz="2000" kern="1200">
+                <a:solidFill>
+                  <a:schemeClr val="tx1"/>
+                </a:solidFill>
+                <a:latin typeface="+mn-lt"/>
+                <a:ea typeface="+mn-ea"/>
+                <a:cs typeface="+mn-cs"/>
+              </a:defRPr>
+            </a:lvl3pPr>
+            <a:lvl4pPr marL="1600200" indent="-228600" algn="l" defTabSz="914400" rtl="0" eaLnBrk="1" latinLnBrk="0" hangingPunct="1">
+              <a:lnSpc>
+                <a:spcPct val="90000"/>
+              </a:lnSpc>
+              <a:spcBef>
+                <a:spcPts val="500"/>
+              </a:spcBef>
+              <a:buFont typeface="Arial" panose="020B0604020202020204" pitchFamily="34" charset="0"/>
+              <a:buChar char="•"/>
+              <a:defRPr sz="1800" kern="1200">
+                <a:solidFill>
+                  <a:schemeClr val="tx1"/>
+                </a:solidFill>
+                <a:latin typeface="+mn-lt"/>
+                <a:ea typeface="+mn-ea"/>
+                <a:cs typeface="+mn-cs"/>
+              </a:defRPr>
+            </a:lvl4pPr>
+            <a:lvl5pPr marL="2057400" indent="-228600" algn="l" defTabSz="914400" rtl="0" eaLnBrk="1" latinLnBrk="0" hangingPunct="1">
+              <a:lnSpc>
+                <a:spcPct val="90000"/>
+              </a:lnSpc>
+              <a:spcBef>
+                <a:spcPts val="500"/>
+              </a:spcBef>
+              <a:buFont typeface="Arial" panose="020B0604020202020204" pitchFamily="34" charset="0"/>
+              <a:buChar char="•"/>
+              <a:defRPr sz="1800" kern="1200">
+                <a:solidFill>
+                  <a:schemeClr val="tx1"/>
+                </a:solidFill>
+                <a:latin typeface="+mn-lt"/>
+                <a:ea typeface="+mn-ea"/>
+                <a:cs typeface="+mn-cs"/>
+              </a:defRPr>
+            </a:lvl5pPr>
+            <a:lvl6pPr marL="2514600" indent="-228600" algn="l" defTabSz="914400" rtl="0" eaLnBrk="1" latinLnBrk="0" hangingPunct="1">
+              <a:lnSpc>
+                <a:spcPct val="90000"/>
+              </a:lnSpc>
+              <a:spcBef>
+                <a:spcPts val="500"/>
+              </a:spcBef>
+              <a:buFont typeface="Arial" panose="020B0604020202020204" pitchFamily="34" charset="0"/>
+              <a:buChar char="•"/>
+              <a:defRPr sz="1800" kern="1200">
+                <a:solidFill>
+                  <a:schemeClr val="tx1"/>
+                </a:solidFill>
+                <a:latin typeface="+mn-lt"/>
+                <a:ea typeface="+mn-ea"/>
+                <a:cs typeface="+mn-cs"/>
+              </a:defRPr>
+            </a:lvl6pPr>
+            <a:lvl7pPr marL="2971800" indent="-228600" algn="l" defTabSz="914400" rtl="0" eaLnBrk="1" latinLnBrk="0" hangingPunct="1">
+              <a:lnSpc>
+                <a:spcPct val="90000"/>
+              </a:lnSpc>
+              <a:spcBef>
+                <a:spcPts val="500"/>
+              </a:spcBef>
+              <a:buFont typeface="Arial" panose="020B0604020202020204" pitchFamily="34" charset="0"/>
+              <a:buChar char="•"/>
+              <a:defRPr sz="1800" kern="1200">
+                <a:solidFill>
+                  <a:schemeClr val="tx1"/>
+                </a:solidFill>
+                <a:latin typeface="+mn-lt"/>
+                <a:ea typeface="+mn-ea"/>
+                <a:cs typeface="+mn-cs"/>
+              </a:defRPr>
+            </a:lvl7pPr>
+            <a:lvl8pPr marL="3429000" indent="-228600" algn="l" defTabSz="914400" rtl="0" eaLnBrk="1" latinLnBrk="0" hangingPunct="1">
+              <a:lnSpc>
+                <a:spcPct val="90000"/>
+              </a:lnSpc>
+              <a:spcBef>
+                <a:spcPts val="500"/>
+              </a:spcBef>
+              <a:buFont typeface="Arial" panose="020B0604020202020204" pitchFamily="34" charset="0"/>
+              <a:buChar char="•"/>
+              <a:defRPr sz="1800" kern="1200">
+                <a:solidFill>
+                  <a:schemeClr val="tx1"/>
+                </a:solidFill>
+                <a:latin typeface="+mn-lt"/>
+                <a:ea typeface="+mn-ea"/>
+                <a:cs typeface="+mn-cs"/>
+              </a:defRPr>
+            </a:lvl8pPr>
+            <a:lvl9pPr marL="3886200" indent="-228600" algn="l" defTabSz="914400" rtl="0" eaLnBrk="1" latinLnBrk="0" hangingPunct="1">
+              <a:lnSpc>
+                <a:spcPct val="90000"/>
+              </a:lnSpc>
+              <a:spcBef>
+                <a:spcPts val="500"/>
+              </a:spcBef>
+              <a:buFont typeface="Arial" panose="020B0604020202020204" pitchFamily="34" charset="0"/>
+              <a:buChar char="•"/>
+              <a:defRPr sz="1800" kern="1200">
+                <a:solidFill>
+                  <a:schemeClr val="tx1"/>
+                </a:solidFill>
+                <a:latin typeface="+mn-lt"/>
+                <a:ea typeface="+mn-ea"/>
+                <a:cs typeface="+mn-cs"/>
+              </a:defRPr>
+            </a:lvl9pPr>
+          </a:lstStyle>
+          <a:p>
+            <a:r>
+              <a:rPr lang="en-US" dirty="0"/>
+              <a:t>Angular</a:t>
+            </a:r>
+          </a:p>
+          <a:p>
+            <a:pPr lvl="1"/>
+            <a:r>
+              <a:rPr lang="en-US" dirty="0"/>
+              <a:t>Routing between views</a:t>
+            </a:r>
+          </a:p>
+          <a:p>
+            <a:pPr lvl="1"/>
+            <a:r>
+              <a:rPr lang="en-US" dirty="0"/>
+              <a:t>Ajax </a:t>
+            </a:r>
+          </a:p>
+          <a:p>
+            <a:r>
+              <a:rPr lang="en-US" dirty="0"/>
+              <a:t>Self implemented responsiveness</a:t>
+            </a:r>
+          </a:p>
+        </p:txBody>
+      </p:sp>
     </p:spTree>
     <p:extLst>
       <p:ext uri="{BB962C8B-B14F-4D97-AF65-F5344CB8AC3E}">
-        <p14:creationId xmlns:p14="http://schemas.microsoft.com/office/powerpoint/2010/main" val="1950801114"/>
+        <p14:creationId xmlns:p14="http://schemas.microsoft.com/office/powerpoint/2010/main" val="2211669623"/>
       </p:ext>
     </p:extLst>
   </p:cSld>
@@ -10038,7 +11608,7 @@
           <p:cNvPr id="2" name="Title 1">
             <a:extLst>
               <a:ext uri="{FF2B5EF4-FFF2-40B4-BE49-F238E27FC236}">
-                <a16:creationId xmlns:a16="http://schemas.microsoft.com/office/drawing/2014/main" id="{BE1A2162-3671-44F7-854F-4B49E1930475}"/>
+                <a16:creationId xmlns:a16="http://schemas.microsoft.com/office/drawing/2014/main" id="{70076D00-DB12-46F9-8846-68ABCE2A696B}"/>
               </a:ext>
             </a:extLst>
           </p:cNvPr>
@@ -10056,7 +11626,7 @@
           <a:p>
             <a:r>
               <a:rPr lang="fi-FI" dirty="0"/>
-              <a:t>Step 3:</a:t>
+              <a:t>Step 3: RESTful interface</a:t>
             </a:r>
             <a:endParaRPr lang="en-US" dirty="0"/>
           </a:p>
@@ -10064,10 +11634,10 @@
       </p:sp>
       <p:pic>
         <p:nvPicPr>
-          <p:cNvPr id="4" name="Content Placeholder 3">
-            <a:extLst>
-              <a:ext uri="{FF2B5EF4-FFF2-40B4-BE49-F238E27FC236}">
-                <a16:creationId xmlns:a16="http://schemas.microsoft.com/office/drawing/2014/main" id="{83DF1BEE-7B40-4419-B4E7-418DC66F97E0}"/>
+          <p:cNvPr id="5" name="Content Placeholder 4">
+            <a:extLst>
+              <a:ext uri="{FF2B5EF4-FFF2-40B4-BE49-F238E27FC236}">
+                <a16:creationId xmlns:a16="http://schemas.microsoft.com/office/drawing/2014/main" id="{C0E9EA62-43CE-4429-90F3-E283A1D7BDA1}"/>
               </a:ext>
             </a:extLst>
           </p:cNvPr>
@@ -10086,8 +11656,8 @@
         </p:blipFill>
         <p:spPr>
           <a:xfrm>
-            <a:off x="838200" y="1690688"/>
-            <a:ext cx="4997753" cy="4351338"/>
+            <a:off x="1472681" y="1872277"/>
+            <a:ext cx="4097695" cy="3504695"/>
           </a:xfrm>
           <a:prstGeom prst="rect">
             <a:avLst/>
@@ -10096,10 +11666,10 @@
       </p:pic>
       <p:pic>
         <p:nvPicPr>
-          <p:cNvPr id="5" name="Picture 4">
-            <a:extLst>
-              <a:ext uri="{FF2B5EF4-FFF2-40B4-BE49-F238E27FC236}">
-                <a16:creationId xmlns:a16="http://schemas.microsoft.com/office/drawing/2014/main" id="{5EC33F8E-E84F-482B-955C-BC64DCBB3179}"/>
+          <p:cNvPr id="8" name="Picture 7">
+            <a:extLst>
+              <a:ext uri="{FF2B5EF4-FFF2-40B4-BE49-F238E27FC236}">
+                <a16:creationId xmlns:a16="http://schemas.microsoft.com/office/drawing/2014/main" id="{0BAF651F-190E-4528-8A93-B31555FD8EB6}"/>
               </a:ext>
             </a:extLst>
           </p:cNvPr>
@@ -10116,8 +11686,8 @@
         </p:blipFill>
         <p:spPr>
           <a:xfrm>
-            <a:off x="6693168" y="1690688"/>
-            <a:ext cx="4037036" cy="4347577"/>
+            <a:off x="6696271" y="886409"/>
+            <a:ext cx="4097693" cy="5401795"/>
           </a:xfrm>
           <a:prstGeom prst="rect">
             <a:avLst/>
@@ -10127,7 +11697,7 @@
     </p:spTree>
     <p:extLst>
       <p:ext uri="{BB962C8B-B14F-4D97-AF65-F5344CB8AC3E}">
-        <p14:creationId xmlns:p14="http://schemas.microsoft.com/office/powerpoint/2010/main" val="858793044"/>
+        <p14:creationId xmlns:p14="http://schemas.microsoft.com/office/powerpoint/2010/main" val="1950801114"/>
       </p:ext>
     </p:extLst>
   </p:cSld>
@@ -10159,7 +11729,7 @@
           <p:cNvPr id="2" name="Title 1">
             <a:extLst>
               <a:ext uri="{FF2B5EF4-FFF2-40B4-BE49-F238E27FC236}">
-                <a16:creationId xmlns:a16="http://schemas.microsoft.com/office/drawing/2014/main" id="{384F5B33-5317-414E-AF5C-9DEBA0372BEA}"/>
+                <a16:creationId xmlns:a16="http://schemas.microsoft.com/office/drawing/2014/main" id="{BE1A2162-3671-44F7-854F-4B49E1930475}"/>
               </a:ext>
             </a:extLst>
           </p:cNvPr>
@@ -10177,20 +11747,9 @@
           <a:p>
             <a:r>
               <a:rPr lang="fi-FI" dirty="0"/>
-              <a:t>Step 3: get </a:t>
-            </a:r>
-            <a:r>
-              <a:rPr lang="en-US" dirty="0"/>
-              <a:t>"/</a:t>
-            </a:r>
-            <a:r>
-              <a:rPr lang="en-US" dirty="0" err="1"/>
-              <a:t>api</a:t>
-            </a:r>
-            <a:r>
-              <a:rPr lang="en-US" dirty="0"/>
-              <a:t>/contacts"</a:t>
-            </a:r>
+              <a:t>Step 3:</a:t>
+            </a:r>
+            <a:endParaRPr lang="en-US" dirty="0"/>
           </a:p>
         </p:txBody>
       </p:sp>
@@ -10199,7 +11758,7 @@
           <p:cNvPr id="4" name="Content Placeholder 3">
             <a:extLst>
               <a:ext uri="{FF2B5EF4-FFF2-40B4-BE49-F238E27FC236}">
-                <a16:creationId xmlns:a16="http://schemas.microsoft.com/office/drawing/2014/main" id="{C58C032A-3163-4E76-B520-440B2D1A0352}"/>
+                <a16:creationId xmlns:a16="http://schemas.microsoft.com/office/drawing/2014/main" id="{83DF1BEE-7B40-4419-B4E7-418DC66F97E0}"/>
               </a:ext>
             </a:extLst>
           </p:cNvPr>
@@ -10218,8 +11777,38 @@
         </p:blipFill>
         <p:spPr>
           <a:xfrm>
-            <a:off x="1017447" y="1602601"/>
-            <a:ext cx="4358471" cy="4351338"/>
+            <a:off x="838200" y="1690688"/>
+            <a:ext cx="4997753" cy="4351338"/>
+          </a:xfrm>
+          <a:prstGeom prst="rect">
+            <a:avLst/>
+          </a:prstGeom>
+        </p:spPr>
+      </p:pic>
+      <p:pic>
+        <p:nvPicPr>
+          <p:cNvPr id="5" name="Picture 4">
+            <a:extLst>
+              <a:ext uri="{FF2B5EF4-FFF2-40B4-BE49-F238E27FC236}">
+                <a16:creationId xmlns:a16="http://schemas.microsoft.com/office/drawing/2014/main" id="{5EC33F8E-E84F-482B-955C-BC64DCBB3179}"/>
+              </a:ext>
+            </a:extLst>
+          </p:cNvPr>
+          <p:cNvPicPr>
+            <a:picLocks noChangeAspect="1"/>
+          </p:cNvPicPr>
+          <p:nvPr/>
+        </p:nvPicPr>
+        <p:blipFill>
+          <a:blip r:embed="rId3"/>
+          <a:stretch>
+            <a:fillRect/>
+          </a:stretch>
+        </p:blipFill>
+        <p:spPr>
+          <a:xfrm>
+            <a:off x="6693168" y="1690688"/>
+            <a:ext cx="4037036" cy="4347577"/>
           </a:xfrm>
           <a:prstGeom prst="rect">
             <a:avLst/>
@@ -10229,7 +11818,7 @@
     </p:spTree>
     <p:extLst>
       <p:ext uri="{BB962C8B-B14F-4D97-AF65-F5344CB8AC3E}">
-        <p14:creationId xmlns:p14="http://schemas.microsoft.com/office/powerpoint/2010/main" val="794329003"/>
+        <p14:creationId xmlns:p14="http://schemas.microsoft.com/office/powerpoint/2010/main" val="858793044"/>
       </p:ext>
     </p:extLst>
   </p:cSld>
